--- a/Documents/Story Cards.pptx
+++ b/Documents/Story Cards.pptx
@@ -37,6 +37,7 @@
     <p:sldId id="282" r:id="rId31"/>
     <p:sldId id="283" r:id="rId32"/>
     <p:sldId id="284" r:id="rId33"/>
+    <p:sldId id="285" r:id="rId34"/>
   </p:sldIdLst>
   <p:sldSz cy="6858000" cx="9906000"/>
   <p:notesSz cx="6858000" cy="9144000"/>
@@ -280,7 +281,7 @@
         <p:spPr>
           <a:xfrm>
             <a:off x="0" y="0"/>
-            <a:ext cx="2971799" cy="458788"/>
+            <a:ext cx="2971800" cy="458788"/>
           </a:xfrm>
           <a:prstGeom prst="rect">
             <a:avLst/>
@@ -291,7 +292,7 @@
           </a:ln>
         </p:spPr>
         <p:txBody>
-          <a:bodyPr anchorCtr="0" anchor="t" bIns="91425" lIns="91425" rIns="91425" tIns="91425"/>
+          <a:bodyPr anchorCtr="0" anchor="t" bIns="91425" lIns="91425" rIns="91425" wrap="square" tIns="91425"/>
           <a:lstStyle>
             <a:lvl1pPr indent="0" lvl="0" marL="0" marR="0" rtl="0" algn="l">
               <a:spcBef>
@@ -442,8 +443,8 @@
         </p:nvSpPr>
         <p:spPr>
           <a:xfrm>
-            <a:off x="3884612" y="0"/>
-            <a:ext cx="2971799" cy="458788"/>
+            <a:off x="3884613" y="0"/>
+            <a:ext cx="2971800" cy="458788"/>
           </a:xfrm>
           <a:prstGeom prst="rect">
             <a:avLst/>
@@ -454,7 +455,7 @@
           </a:ln>
         </p:spPr>
         <p:txBody>
-          <a:bodyPr anchorCtr="0" anchor="t" bIns="91425" lIns="91425" rIns="91425" tIns="91425"/>
+          <a:bodyPr anchorCtr="0" anchor="t" bIns="91425" lIns="91425" rIns="91425" wrap="square" tIns="91425"/>
           <a:lstStyle>
             <a:lvl1pPr indent="0" lvl="0" marL="0" marR="0" rtl="0" algn="r">
               <a:spcBef>
@@ -606,7 +607,7 @@
         <p:spPr>
           <a:xfrm>
             <a:off x="1200150" y="1143000"/>
-            <a:ext cx="4457700" cy="3086099"/>
+            <a:ext cx="4457700" cy="3086100"/>
           </a:xfrm>
           <a:custGeom>
             <a:pathLst>
@@ -650,7 +651,7 @@
         <p:spPr>
           <a:xfrm>
             <a:off x="685800" y="4400550"/>
-            <a:ext cx="5486399" cy="3600450"/>
+            <a:ext cx="5486400" cy="3600450"/>
           </a:xfrm>
           <a:prstGeom prst="rect">
             <a:avLst/>
@@ -661,7 +662,7 @@
           </a:ln>
         </p:spPr>
         <p:txBody>
-          <a:bodyPr anchorCtr="0" anchor="t" bIns="91425" lIns="91425" rIns="91425" tIns="91425"/>
+          <a:bodyPr anchorCtr="0" anchor="t" bIns="91425" lIns="91425" rIns="91425" wrap="square" tIns="91425"/>
           <a:lstStyle>
             <a:lvl1pPr indent="0" lvl="0" marL="0" marR="0" rtl="0" algn="l">
               <a:spcBef>
@@ -813,7 +814,7 @@
         <p:spPr>
           <a:xfrm>
             <a:off x="0" y="8685213"/>
-            <a:ext cx="2971799" cy="458786"/>
+            <a:ext cx="2971800" cy="458787"/>
           </a:xfrm>
           <a:prstGeom prst="rect">
             <a:avLst/>
@@ -824,7 +825,7 @@
           </a:ln>
         </p:spPr>
         <p:txBody>
-          <a:bodyPr anchorCtr="0" anchor="b" bIns="91425" lIns="91425" rIns="91425" tIns="91425"/>
+          <a:bodyPr anchorCtr="0" anchor="b" bIns="91425" lIns="91425" rIns="91425" wrap="square" tIns="91425"/>
           <a:lstStyle>
             <a:lvl1pPr indent="0" lvl="0" marL="0" marR="0" rtl="0" algn="l">
               <a:spcBef>
@@ -975,8 +976,8 @@
         </p:nvSpPr>
         <p:spPr>
           <a:xfrm>
-            <a:off x="3884612" y="8685213"/>
-            <a:ext cx="2971799" cy="458786"/>
+            <a:off x="3884613" y="8685213"/>
+            <a:ext cx="2971800" cy="458787"/>
           </a:xfrm>
           <a:prstGeom prst="rect">
             <a:avLst/>
@@ -987,7 +988,7 @@
           </a:ln>
         </p:spPr>
         <p:txBody>
-          <a:bodyPr anchorCtr="0" anchor="b" bIns="45700" lIns="91425" rIns="91425" tIns="45700">
+          <a:bodyPr anchorCtr="0" anchor="b" bIns="45700" lIns="91425" rIns="91425" wrap="square" tIns="45700">
             <a:noAutofit/>
           </a:bodyPr>
           <a:lstStyle/>
@@ -1048,14 +1049,14 @@
         <p:spPr>
           <a:xfrm>
             <a:off x="685800" y="4400550"/>
-            <a:ext cx="5486399" cy="3600450"/>
+            <a:ext cx="5486400" cy="3600450"/>
           </a:xfrm>
           <a:prstGeom prst="rect">
             <a:avLst/>
           </a:prstGeom>
         </p:spPr>
         <p:txBody>
-          <a:bodyPr anchorCtr="0" anchor="t" bIns="91425" lIns="91425" rIns="91425" tIns="91425">
+          <a:bodyPr anchorCtr="0" anchor="t" bIns="91425" lIns="91425" rIns="91425" wrap="square" tIns="91425">
             <a:noAutofit/>
           </a:bodyPr>
           <a:lstStyle/>
@@ -1084,7 +1085,7 @@
         <p:spPr>
           <a:xfrm>
             <a:off x="1200150" y="1143000"/>
-            <a:ext cx="4457700" cy="3086099"/>
+            <a:ext cx="4457700" cy="3086100"/>
           </a:xfrm>
           <a:custGeom>
             <a:pathLst>
@@ -1150,7 +1151,7 @@
           </a:prstGeom>
         </p:spPr>
         <p:txBody>
-          <a:bodyPr anchorCtr="0" anchor="t" bIns="91425" lIns="91425" rIns="91425" tIns="91425">
+          <a:bodyPr anchorCtr="0" anchor="t" bIns="91425" lIns="91425" rIns="91425" wrap="square" tIns="91425">
             <a:noAutofit/>
           </a:bodyPr>
           <a:lstStyle/>
@@ -1245,7 +1246,7 @@
           </a:prstGeom>
         </p:spPr>
         <p:txBody>
-          <a:bodyPr anchorCtr="0" anchor="t" bIns="91425" lIns="91425" rIns="91425" tIns="91425">
+          <a:bodyPr anchorCtr="0" anchor="t" bIns="91425" lIns="91425" rIns="91425" wrap="square" tIns="91425">
             <a:noAutofit/>
           </a:bodyPr>
           <a:lstStyle/>
@@ -1340,7 +1341,7 @@
           </a:prstGeom>
         </p:spPr>
         <p:txBody>
-          <a:bodyPr anchorCtr="0" anchor="t" bIns="91425" lIns="91425" rIns="91425" tIns="91425">
+          <a:bodyPr anchorCtr="0" anchor="t" bIns="91425" lIns="91425" rIns="91425" wrap="square" tIns="91425">
             <a:noAutofit/>
           </a:bodyPr>
           <a:lstStyle/>
@@ -1435,7 +1436,7 @@
           </a:prstGeom>
         </p:spPr>
         <p:txBody>
-          <a:bodyPr anchorCtr="0" anchor="t" bIns="91425" lIns="91425" rIns="91425" tIns="91425">
+          <a:bodyPr anchorCtr="0" anchor="t" bIns="91425" lIns="91425" rIns="91425" wrap="square" tIns="91425">
             <a:noAutofit/>
           </a:bodyPr>
           <a:lstStyle/>
@@ -1530,7 +1531,7 @@
           </a:prstGeom>
         </p:spPr>
         <p:txBody>
-          <a:bodyPr anchorCtr="0" anchor="t" bIns="91425" lIns="91425" rIns="91425" tIns="91425">
+          <a:bodyPr anchorCtr="0" anchor="t" bIns="91425" lIns="91425" rIns="91425" wrap="square" tIns="91425">
             <a:noAutofit/>
           </a:bodyPr>
           <a:lstStyle/>
@@ -1625,7 +1626,7 @@
           </a:prstGeom>
         </p:spPr>
         <p:txBody>
-          <a:bodyPr anchorCtr="0" anchor="t" bIns="91425" lIns="91425" rIns="91425" tIns="91425">
+          <a:bodyPr anchorCtr="0" anchor="t" bIns="91425" lIns="91425" rIns="91425" wrap="square" tIns="91425">
             <a:noAutofit/>
           </a:bodyPr>
           <a:lstStyle/>
@@ -1720,7 +1721,7 @@
           </a:prstGeom>
         </p:spPr>
         <p:txBody>
-          <a:bodyPr anchorCtr="0" anchor="t" bIns="91425" lIns="91425" rIns="91425" tIns="91425">
+          <a:bodyPr anchorCtr="0" anchor="t" bIns="91425" lIns="91425" rIns="91425" wrap="square" tIns="91425">
             <a:noAutofit/>
           </a:bodyPr>
           <a:lstStyle/>
@@ -1815,7 +1816,7 @@
           </a:prstGeom>
         </p:spPr>
         <p:txBody>
-          <a:bodyPr anchorCtr="0" anchor="t" bIns="91425" lIns="91425" rIns="91425" tIns="91425">
+          <a:bodyPr anchorCtr="0" anchor="t" bIns="91425" lIns="91425" rIns="91425" wrap="square" tIns="91425">
             <a:noAutofit/>
           </a:bodyPr>
           <a:lstStyle/>
@@ -1910,7 +1911,7 @@
           </a:prstGeom>
         </p:spPr>
         <p:txBody>
-          <a:bodyPr anchorCtr="0" anchor="t" bIns="91425" lIns="91425" rIns="91425" tIns="91425">
+          <a:bodyPr anchorCtr="0" anchor="t" bIns="91425" lIns="91425" rIns="91425" wrap="square" tIns="91425">
             <a:noAutofit/>
           </a:bodyPr>
           <a:lstStyle/>
@@ -2005,7 +2006,7 @@
           </a:prstGeom>
         </p:spPr>
         <p:txBody>
-          <a:bodyPr anchorCtr="0" anchor="t" bIns="91425" lIns="91425" rIns="91425" tIns="91425">
+          <a:bodyPr anchorCtr="0" anchor="t" bIns="91425" lIns="91425" rIns="91425" wrap="square" tIns="91425">
             <a:noAutofit/>
           </a:bodyPr>
           <a:lstStyle/>
@@ -2100,7 +2101,7 @@
           </a:prstGeom>
         </p:spPr>
         <p:txBody>
-          <a:bodyPr anchorCtr="0" anchor="t" bIns="91425" lIns="91425" rIns="91425" tIns="91425">
+          <a:bodyPr anchorCtr="0" anchor="t" bIns="91425" lIns="91425" rIns="91425" wrap="square" tIns="91425">
             <a:noAutofit/>
           </a:bodyPr>
           <a:lstStyle/>
@@ -2195,7 +2196,7 @@
           </a:prstGeom>
         </p:spPr>
         <p:txBody>
-          <a:bodyPr anchorCtr="0" anchor="t" bIns="91425" lIns="91425" rIns="91425" tIns="91425">
+          <a:bodyPr anchorCtr="0" anchor="t" bIns="91425" lIns="91425" rIns="91425" wrap="square" tIns="91425">
             <a:noAutofit/>
           </a:bodyPr>
           <a:lstStyle/>
@@ -2290,7 +2291,7 @@
           </a:prstGeom>
         </p:spPr>
         <p:txBody>
-          <a:bodyPr anchorCtr="0" anchor="t" bIns="91425" lIns="91425" rIns="91425" tIns="91425">
+          <a:bodyPr anchorCtr="0" anchor="t" bIns="91425" lIns="91425" rIns="91425" wrap="square" tIns="91425">
             <a:noAutofit/>
           </a:bodyPr>
           <a:lstStyle/>
@@ -2385,7 +2386,7 @@
           </a:prstGeom>
         </p:spPr>
         <p:txBody>
-          <a:bodyPr anchorCtr="0" anchor="t" bIns="91425" lIns="91425" rIns="91425" tIns="91425">
+          <a:bodyPr anchorCtr="0" anchor="t" bIns="91425" lIns="91425" rIns="91425" wrap="square" tIns="91425">
             <a:noAutofit/>
           </a:bodyPr>
           <a:lstStyle/>
@@ -2480,7 +2481,7 @@
           </a:prstGeom>
         </p:spPr>
         <p:txBody>
-          <a:bodyPr anchorCtr="0" anchor="t" bIns="91425" lIns="91425" rIns="91425" tIns="91425">
+          <a:bodyPr anchorCtr="0" anchor="t" bIns="91425" lIns="91425" rIns="91425" wrap="square" tIns="91425">
             <a:noAutofit/>
           </a:bodyPr>
           <a:lstStyle/>
@@ -2575,7 +2576,7 @@
           </a:prstGeom>
         </p:spPr>
         <p:txBody>
-          <a:bodyPr anchorCtr="0" anchor="t" bIns="91425" lIns="91425" rIns="91425" tIns="91425">
+          <a:bodyPr anchorCtr="0" anchor="t" bIns="91425" lIns="91425" rIns="91425" wrap="square" tIns="91425">
             <a:noAutofit/>
           </a:bodyPr>
           <a:lstStyle/>
@@ -2670,7 +2671,7 @@
           </a:prstGeom>
         </p:spPr>
         <p:txBody>
-          <a:bodyPr anchorCtr="0" anchor="t" bIns="91425" lIns="91425" rIns="91425" tIns="91425">
+          <a:bodyPr anchorCtr="0" anchor="t" bIns="91425" lIns="91425" rIns="91425" wrap="square" tIns="91425">
             <a:noAutofit/>
           </a:bodyPr>
           <a:lstStyle/>
@@ -2765,7 +2766,7 @@
           </a:prstGeom>
         </p:spPr>
         <p:txBody>
-          <a:bodyPr anchorCtr="0" anchor="t" bIns="91425" lIns="91425" rIns="91425" tIns="91425">
+          <a:bodyPr anchorCtr="0" anchor="t" bIns="91425" lIns="91425" rIns="91425" wrap="square" tIns="91425">
             <a:noAutofit/>
           </a:bodyPr>
           <a:lstStyle/>
@@ -2860,7 +2861,7 @@
           </a:prstGeom>
         </p:spPr>
         <p:txBody>
-          <a:bodyPr anchorCtr="0" anchor="t" bIns="91425" lIns="91425" rIns="91425" tIns="91425">
+          <a:bodyPr anchorCtr="0" anchor="t" bIns="91425" lIns="91425" rIns="91425" wrap="square" tIns="91425">
             <a:noAutofit/>
           </a:bodyPr>
           <a:lstStyle/>
@@ -2955,7 +2956,7 @@
           </a:prstGeom>
         </p:spPr>
         <p:txBody>
-          <a:bodyPr anchorCtr="0" anchor="t" bIns="91425" lIns="91425" rIns="91425" tIns="91425">
+          <a:bodyPr anchorCtr="0" anchor="t" bIns="91425" lIns="91425" rIns="91425" wrap="square" tIns="91425">
             <a:noAutofit/>
           </a:bodyPr>
           <a:lstStyle/>
@@ -3050,7 +3051,7 @@
           </a:prstGeom>
         </p:spPr>
         <p:txBody>
-          <a:bodyPr anchorCtr="0" anchor="t" bIns="91425" lIns="91425" rIns="91425" tIns="91425">
+          <a:bodyPr anchorCtr="0" anchor="t" bIns="91425" lIns="91425" rIns="91425" wrap="square" tIns="91425">
             <a:noAutofit/>
           </a:bodyPr>
           <a:lstStyle/>
@@ -3138,14 +3139,14 @@
         <p:spPr>
           <a:xfrm>
             <a:off x="685800" y="4400550"/>
-            <a:ext cx="5486399" cy="3600450"/>
+            <a:ext cx="5486400" cy="3600450"/>
           </a:xfrm>
           <a:prstGeom prst="rect">
             <a:avLst/>
           </a:prstGeom>
         </p:spPr>
         <p:txBody>
-          <a:bodyPr anchorCtr="0" anchor="t" bIns="91425" lIns="91425" rIns="91425" tIns="91425">
+          <a:bodyPr anchorCtr="0" anchor="t" bIns="91425" lIns="91425" rIns="91425" wrap="square" tIns="91425">
             <a:noAutofit/>
           </a:bodyPr>
           <a:lstStyle/>
@@ -3174,7 +3175,102 @@
         <p:spPr>
           <a:xfrm>
             <a:off x="1200150" y="1143000"/>
-            <a:ext cx="4457700" cy="3086099"/>
+            <a:ext cx="4457700" cy="3086100"/>
+          </a:xfrm>
+          <a:custGeom>
+            <a:pathLst>
+              <a:path extrusionOk="0" h="120000" w="120000">
+                <a:moveTo>
+                  <a:pt x="0" y="0"/>
+                </a:moveTo>
+                <a:lnTo>
+                  <a:pt x="120000" y="0"/>
+                </a:lnTo>
+                <a:lnTo>
+                  <a:pt x="120000" y="120000"/>
+                </a:lnTo>
+                <a:lnTo>
+                  <a:pt x="0" y="120000"/>
+                </a:lnTo>
+                <a:close/>
+              </a:path>
+            </a:pathLst>
+          </a:custGeom>
+        </p:spPr>
+      </p:sp>
+    </p:spTree>
+  </p:cSld>
+  <p:clrMapOvr>
+    <a:masterClrMapping/>
+  </p:clrMapOvr>
+</p:notes>
+</file>
+
+<file path=ppt/notesSlides/notesSlide30.xml><?xml version="1.0" encoding="utf-8"?>
+<p:notes xmlns:a="http://schemas.openxmlformats.org/drawingml/2006/main" xmlns:r="http://schemas.openxmlformats.org/officeDocument/2006/relationships" xmlns:mc="http://schemas.openxmlformats.org/markup-compatibility/2006" xmlns:mv="urn:schemas-microsoft-com:mac:vml" xmlns:p="http://schemas.openxmlformats.org/presentationml/2006/main" xmlns:c="http://schemas.openxmlformats.org/drawingml/2006/chart" xmlns:dgm="http://schemas.openxmlformats.org/drawingml/2006/diagram" xmlns:o="urn:schemas-microsoft-com:office:office" xmlns:v="urn:schemas-microsoft-com:vml" xmlns:pvml="urn:schemas-microsoft-com:office:powerpoint" xmlns:com="http://schemas.openxmlformats.org/drawingml/2006/compatibility" xmlns:p14="http://schemas.microsoft.com/office/powerpoint/2010/main" xmlns:p15="http://schemas.microsoft.com/office/powerpoint/2012/main" showMasterPhAnim="0" showMasterSp="0">
+  <p:cSld>
+    <p:spTree>
+      <p:nvGrpSpPr>
+        <p:cNvPr id="393" name="Shape 393"/>
+        <p:cNvGrpSpPr/>
+        <p:nvPr/>
+      </p:nvGrpSpPr>
+      <p:grpSpPr>
+        <a:xfrm>
+          <a:off x="0" y="0"/>
+          <a:ext cx="0" cy="0"/>
+          <a:chOff x="0" y="0"/>
+          <a:chExt cx="0" cy="0"/>
+        </a:xfrm>
+      </p:grpSpPr>
+      <p:sp>
+        <p:nvSpPr>
+          <p:cNvPr id="394" name="Shape 394"/>
+          <p:cNvSpPr txBox="1"/>
+          <p:nvPr>
+            <p:ph idx="1" type="body"/>
+          </p:nvPr>
+        </p:nvSpPr>
+        <p:spPr>
+          <a:xfrm>
+            <a:off x="685800" y="4400550"/>
+            <a:ext cx="5486400" cy="3600600"/>
+          </a:xfrm>
+          <a:prstGeom prst="rect">
+            <a:avLst/>
+          </a:prstGeom>
+        </p:spPr>
+        <p:txBody>
+          <a:bodyPr anchorCtr="0" anchor="t" bIns="91425" lIns="91425" rIns="91425" wrap="square" tIns="91425">
+            <a:noAutofit/>
+          </a:bodyPr>
+          <a:lstStyle/>
+          <a:p>
+            <a:pPr lvl="0" rtl="0">
+              <a:spcBef>
+                <a:spcPts val="0"/>
+              </a:spcBef>
+              <a:buNone/>
+            </a:pPr>
+            <a:r>
+              <a:t/>
+            </a:r>
+            <a:endParaRPr/>
+          </a:p>
+        </p:txBody>
+      </p:sp>
+      <p:sp>
+        <p:nvSpPr>
+          <p:cNvPr id="395" name="Shape 395"/>
+          <p:cNvSpPr/>
+          <p:nvPr>
+            <p:ph idx="2" type="sldImg"/>
+          </p:nvPr>
+        </p:nvSpPr>
+        <p:spPr>
+          <a:xfrm>
+            <a:off x="1200150" y="1143000"/>
+            <a:ext cx="4457700" cy="3086100"/>
           </a:xfrm>
           <a:custGeom>
             <a:pathLst>
@@ -3240,7 +3336,7 @@
           </a:prstGeom>
         </p:spPr>
         <p:txBody>
-          <a:bodyPr anchorCtr="0" anchor="t" bIns="91425" lIns="91425" rIns="91425" tIns="91425">
+          <a:bodyPr anchorCtr="0" anchor="t" bIns="91425" lIns="91425" rIns="91425" wrap="square" tIns="91425">
             <a:noAutofit/>
           </a:bodyPr>
           <a:lstStyle/>
@@ -3335,7 +3431,7 @@
           </a:prstGeom>
         </p:spPr>
         <p:txBody>
-          <a:bodyPr anchorCtr="0" anchor="t" bIns="91425" lIns="91425" rIns="91425" tIns="91425">
+          <a:bodyPr anchorCtr="0" anchor="t" bIns="91425" lIns="91425" rIns="91425" wrap="square" tIns="91425">
             <a:noAutofit/>
           </a:bodyPr>
           <a:lstStyle/>
@@ -3430,7 +3526,7 @@
           </a:prstGeom>
         </p:spPr>
         <p:txBody>
-          <a:bodyPr anchorCtr="0" anchor="t" bIns="91425" lIns="91425" rIns="91425" tIns="91425">
+          <a:bodyPr anchorCtr="0" anchor="t" bIns="91425" lIns="91425" rIns="91425" wrap="square" tIns="91425">
             <a:noAutofit/>
           </a:bodyPr>
           <a:lstStyle/>
@@ -3525,7 +3621,7 @@
           </a:prstGeom>
         </p:spPr>
         <p:txBody>
-          <a:bodyPr anchorCtr="0" anchor="t" bIns="91425" lIns="91425" rIns="91425" tIns="91425">
+          <a:bodyPr anchorCtr="0" anchor="t" bIns="91425" lIns="91425" rIns="91425" wrap="square" tIns="91425">
             <a:noAutofit/>
           </a:bodyPr>
           <a:lstStyle/>
@@ -3620,7 +3716,7 @@
           </a:prstGeom>
         </p:spPr>
         <p:txBody>
-          <a:bodyPr anchorCtr="0" anchor="t" bIns="91425" lIns="91425" rIns="91425" tIns="91425">
+          <a:bodyPr anchorCtr="0" anchor="t" bIns="91425" lIns="91425" rIns="91425" wrap="square" tIns="91425">
             <a:noAutofit/>
           </a:bodyPr>
           <a:lstStyle/>
@@ -3715,7 +3811,7 @@
           </a:prstGeom>
         </p:spPr>
         <p:txBody>
-          <a:bodyPr anchorCtr="0" anchor="t" bIns="91425" lIns="91425" rIns="91425" tIns="91425">
+          <a:bodyPr anchorCtr="0" anchor="t" bIns="91425" lIns="91425" rIns="91425" wrap="square" tIns="91425">
             <a:noAutofit/>
           </a:bodyPr>
           <a:lstStyle/>
@@ -3802,7 +3898,7 @@
         </p:nvSpPr>
         <p:spPr>
           <a:xfrm>
-            <a:off x="495300" y="274637"/>
+            <a:off x="495300" y="274638"/>
             <a:ext cx="8915400" cy="1143000"/>
           </a:xfrm>
           <a:prstGeom prst="rect">
@@ -3814,7 +3910,7 @@
           </a:ln>
         </p:spPr>
         <p:txBody>
-          <a:bodyPr anchorCtr="0" anchor="ctr" bIns="91425" lIns="91425" rIns="91425" tIns="91425"/>
+          <a:bodyPr anchorCtr="0" anchor="ctr" bIns="91425" lIns="91425" rIns="91425" wrap="square" tIns="91425"/>
           <a:lstStyle>
             <a:lvl1pPr indent="0" lvl="0" marL="0" marR="0" rtl="0" algn="ctr">
               <a:spcBef>
@@ -3905,7 +4001,7 @@
         </p:nvSpPr>
         <p:spPr>
           <a:xfrm>
-            <a:off x="495300" y="1600200"/>
+            <a:off x="495300" y="1600201"/>
             <a:ext cx="8915400" cy="4525963"/>
           </a:xfrm>
           <a:prstGeom prst="rect">
@@ -3917,7 +4013,7 @@
           </a:ln>
         </p:spPr>
         <p:txBody>
-          <a:bodyPr anchorCtr="0" anchor="t" bIns="91425" lIns="91425" rIns="91425" tIns="91425"/>
+          <a:bodyPr anchorCtr="0" anchor="t" bIns="91425" lIns="91425" rIns="91425" wrap="square" tIns="91425"/>
           <a:lstStyle>
             <a:lvl1pPr indent="-139700" lvl="0" marL="342900" marR="0" rtl="0" algn="l">
               <a:spcBef>
@@ -4125,7 +4221,7 @@
           </a:ln>
         </p:spPr>
         <p:txBody>
-          <a:bodyPr anchorCtr="0" anchor="ctr" bIns="91425" lIns="91425" rIns="91425" tIns="91425"/>
+          <a:bodyPr anchorCtr="0" anchor="ctr" bIns="91425" lIns="91425" rIns="91425" wrap="square" tIns="91425"/>
           <a:lstStyle>
             <a:lvl1pPr indent="0" lvl="0" marL="0" marR="0" rtl="0" algn="l">
               <a:spcBef>
@@ -4277,7 +4373,7 @@
         <p:spPr>
           <a:xfrm>
             <a:off x="3384550" y="6356351"/>
-            <a:ext cx="3136899" cy="365125"/>
+            <a:ext cx="3136900" cy="365125"/>
           </a:xfrm>
           <a:prstGeom prst="rect">
             <a:avLst/>
@@ -4288,7 +4384,7 @@
           </a:ln>
         </p:spPr>
         <p:txBody>
-          <a:bodyPr anchorCtr="0" anchor="ctr" bIns="91425" lIns="91425" rIns="91425" tIns="91425"/>
+          <a:bodyPr anchorCtr="0" anchor="ctr" bIns="91425" lIns="91425" rIns="91425" wrap="square" tIns="91425"/>
           <a:lstStyle>
             <a:lvl1pPr indent="0" lvl="0" marL="0" marR="0" rtl="0" algn="ctr">
               <a:spcBef>
@@ -4451,7 +4547,7 @@
           </a:ln>
         </p:spPr>
         <p:txBody>
-          <a:bodyPr anchorCtr="0" anchor="ctr" bIns="45700" lIns="91425" rIns="91425" tIns="45700">
+          <a:bodyPr anchorCtr="0" anchor="ctr" bIns="45700" lIns="91425" rIns="91425" wrap="square" tIns="45700">
             <a:noAutofit/>
           </a:bodyPr>
           <a:lstStyle/>
@@ -4513,7 +4609,7 @@
         </p:nvSpPr>
         <p:spPr>
           <a:xfrm>
-            <a:off x="495300" y="274637"/>
+            <a:off x="495300" y="274638"/>
             <a:ext cx="8915400" cy="1143000"/>
           </a:xfrm>
           <a:prstGeom prst="rect">
@@ -4525,7 +4621,7 @@
           </a:ln>
         </p:spPr>
         <p:txBody>
-          <a:bodyPr anchorCtr="0" anchor="ctr" bIns="91425" lIns="91425" rIns="91425" tIns="91425"/>
+          <a:bodyPr anchorCtr="0" anchor="ctr" bIns="91425" lIns="91425" rIns="91425" wrap="square" tIns="91425"/>
           <a:lstStyle>
             <a:lvl1pPr indent="0" lvl="0" marL="0" marR="0" rtl="0" algn="ctr">
               <a:spcBef>
@@ -4616,7 +4712,7 @@
         </p:nvSpPr>
         <p:spPr>
           <a:xfrm rot="5400000">
-            <a:off x="2690018" y="-594517"/>
+            <a:off x="2690018" y="-594518"/>
             <a:ext cx="4525963" cy="8915400"/>
           </a:xfrm>
           <a:prstGeom prst="rect">
@@ -4628,7 +4724,7 @@
           </a:ln>
         </p:spPr>
         <p:txBody>
-          <a:bodyPr anchorCtr="0" anchor="t" bIns="91425" lIns="91425" rIns="91425" tIns="91425"/>
+          <a:bodyPr anchorCtr="0" anchor="t" bIns="91425" lIns="91425" rIns="91425" wrap="square" tIns="91425"/>
           <a:lstStyle>
             <a:lvl1pPr indent="-139700" lvl="0" marL="342900" marR="0" rtl="0" algn="l">
               <a:spcBef>
@@ -4836,7 +4932,7 @@
           </a:ln>
         </p:spPr>
         <p:txBody>
-          <a:bodyPr anchorCtr="0" anchor="ctr" bIns="91425" lIns="91425" rIns="91425" tIns="91425"/>
+          <a:bodyPr anchorCtr="0" anchor="ctr" bIns="91425" lIns="91425" rIns="91425" wrap="square" tIns="91425"/>
           <a:lstStyle>
             <a:lvl1pPr indent="0" lvl="0" marL="0" marR="0" rtl="0" algn="l">
               <a:spcBef>
@@ -4988,7 +5084,7 @@
         <p:spPr>
           <a:xfrm>
             <a:off x="3384550" y="6356351"/>
-            <a:ext cx="3136899" cy="365125"/>
+            <a:ext cx="3136900" cy="365125"/>
           </a:xfrm>
           <a:prstGeom prst="rect">
             <a:avLst/>
@@ -4999,7 +5095,7 @@
           </a:ln>
         </p:spPr>
         <p:txBody>
-          <a:bodyPr anchorCtr="0" anchor="ctr" bIns="91425" lIns="91425" rIns="91425" tIns="91425"/>
+          <a:bodyPr anchorCtr="0" anchor="ctr" bIns="91425" lIns="91425" rIns="91425" wrap="square" tIns="91425"/>
           <a:lstStyle>
             <a:lvl1pPr indent="0" lvl="0" marL="0" marR="0" rtl="0" algn="ctr">
               <a:spcBef>
@@ -5162,7 +5258,7 @@
           </a:ln>
         </p:spPr>
         <p:txBody>
-          <a:bodyPr anchorCtr="0" anchor="ctr" bIns="45700" lIns="91425" rIns="91425" tIns="45700">
+          <a:bodyPr anchorCtr="0" anchor="ctr" bIns="45700" lIns="91425" rIns="91425" wrap="square" tIns="45700">
             <a:noAutofit/>
           </a:bodyPr>
           <a:lstStyle/>
@@ -5236,7 +5332,7 @@
           </a:ln>
         </p:spPr>
         <p:txBody>
-          <a:bodyPr anchorCtr="0" anchor="ctr" bIns="91425" lIns="91425" rIns="91425" tIns="91425"/>
+          <a:bodyPr anchorCtr="0" anchor="ctr" bIns="91425" lIns="91425" rIns="91425" wrap="square" tIns="91425"/>
           <a:lstStyle>
             <a:lvl1pPr indent="0" lvl="0" marL="0" marR="0" rtl="0" algn="ctr">
               <a:spcBef>
@@ -5339,7 +5435,7 @@
           </a:ln>
         </p:spPr>
         <p:txBody>
-          <a:bodyPr anchorCtr="0" anchor="t" bIns="91425" lIns="91425" rIns="91425" tIns="91425"/>
+          <a:bodyPr anchorCtr="0" anchor="t" bIns="91425" lIns="91425" rIns="91425" wrap="square" tIns="91425"/>
           <a:lstStyle>
             <a:lvl1pPr indent="-139700" lvl="0" marL="342900" marR="0" rtl="0" algn="l">
               <a:spcBef>
@@ -5547,7 +5643,7 @@
           </a:ln>
         </p:spPr>
         <p:txBody>
-          <a:bodyPr anchorCtr="0" anchor="ctr" bIns="91425" lIns="91425" rIns="91425" tIns="91425"/>
+          <a:bodyPr anchorCtr="0" anchor="ctr" bIns="91425" lIns="91425" rIns="91425" wrap="square" tIns="91425"/>
           <a:lstStyle>
             <a:lvl1pPr indent="0" lvl="0" marL="0" marR="0" rtl="0" algn="l">
               <a:spcBef>
@@ -5699,7 +5795,7 @@
         <p:spPr>
           <a:xfrm>
             <a:off x="3384550" y="6356351"/>
-            <a:ext cx="3136899" cy="365125"/>
+            <a:ext cx="3136900" cy="365125"/>
           </a:xfrm>
           <a:prstGeom prst="rect">
             <a:avLst/>
@@ -5710,7 +5806,7 @@
           </a:ln>
         </p:spPr>
         <p:txBody>
-          <a:bodyPr anchorCtr="0" anchor="ctr" bIns="91425" lIns="91425" rIns="91425" tIns="91425"/>
+          <a:bodyPr anchorCtr="0" anchor="ctr" bIns="91425" lIns="91425" rIns="91425" wrap="square" tIns="91425"/>
           <a:lstStyle>
             <a:lvl1pPr indent="0" lvl="0" marL="0" marR="0" rtl="0" algn="ctr">
               <a:spcBef>
@@ -5873,7 +5969,7 @@
           </a:ln>
         </p:spPr>
         <p:txBody>
-          <a:bodyPr anchorCtr="0" anchor="ctr" bIns="45700" lIns="91425" rIns="91425" tIns="45700">
+          <a:bodyPr anchorCtr="0" anchor="ctr" bIns="45700" lIns="91425" rIns="91425" wrap="square" tIns="45700">
             <a:noAutofit/>
           </a:bodyPr>
           <a:lstStyle/>
@@ -5935,8 +6031,8 @@
         </p:nvSpPr>
         <p:spPr>
           <a:xfrm>
-            <a:off x="742950" y="2130425"/>
-            <a:ext cx="8420099" cy="1470024"/>
+            <a:off x="742950" y="2130426"/>
+            <a:ext cx="8420100" cy="1470025"/>
           </a:xfrm>
           <a:prstGeom prst="rect">
             <a:avLst/>
@@ -5947,7 +6043,7 @@
           </a:ln>
         </p:spPr>
         <p:txBody>
-          <a:bodyPr anchorCtr="0" anchor="ctr" bIns="91425" lIns="91425" rIns="91425" tIns="91425"/>
+          <a:bodyPr anchorCtr="0" anchor="ctr" bIns="91425" lIns="91425" rIns="91425" wrap="square" tIns="91425"/>
           <a:lstStyle>
             <a:lvl1pPr indent="0" lvl="0" marL="0" marR="0" rtl="0" algn="ctr">
               <a:spcBef>
@@ -6039,7 +6135,7 @@
         <p:spPr>
           <a:xfrm>
             <a:off x="1485900" y="3886200"/>
-            <a:ext cx="6934199" cy="1752600"/>
+            <a:ext cx="6934200" cy="1752600"/>
           </a:xfrm>
           <a:prstGeom prst="rect">
             <a:avLst/>
@@ -6050,7 +6146,7 @@
           </a:ln>
         </p:spPr>
         <p:txBody>
-          <a:bodyPr anchorCtr="0" anchor="t" bIns="91425" lIns="91425" rIns="91425" tIns="91425"/>
+          <a:bodyPr anchorCtr="0" anchor="t" bIns="91425" lIns="91425" rIns="91425" wrap="square" tIns="91425"/>
           <a:lstStyle>
             <a:lvl1pPr indent="0" lvl="0" marL="0" marR="0" rtl="0" algn="ctr">
               <a:spcBef>
@@ -6249,7 +6345,7 @@
           </a:ln>
         </p:spPr>
         <p:txBody>
-          <a:bodyPr anchorCtr="0" anchor="ctr" bIns="91425" lIns="91425" rIns="91425" tIns="91425"/>
+          <a:bodyPr anchorCtr="0" anchor="ctr" bIns="91425" lIns="91425" rIns="91425" wrap="square" tIns="91425"/>
           <a:lstStyle>
             <a:lvl1pPr indent="0" lvl="0" marL="0" marR="0" rtl="0" algn="l">
               <a:spcBef>
@@ -6401,7 +6497,7 @@
         <p:spPr>
           <a:xfrm>
             <a:off x="3384550" y="6356351"/>
-            <a:ext cx="3136899" cy="365125"/>
+            <a:ext cx="3136900" cy="365125"/>
           </a:xfrm>
           <a:prstGeom prst="rect">
             <a:avLst/>
@@ -6412,7 +6508,7 @@
           </a:ln>
         </p:spPr>
         <p:txBody>
-          <a:bodyPr anchorCtr="0" anchor="ctr" bIns="91425" lIns="91425" rIns="91425" tIns="91425"/>
+          <a:bodyPr anchorCtr="0" anchor="ctr" bIns="91425" lIns="91425" rIns="91425" wrap="square" tIns="91425"/>
           <a:lstStyle>
             <a:lvl1pPr indent="0" lvl="0" marL="0" marR="0" rtl="0" algn="ctr">
               <a:spcBef>
@@ -6575,7 +6671,7 @@
           </a:ln>
         </p:spPr>
         <p:txBody>
-          <a:bodyPr anchorCtr="0" anchor="ctr" bIns="45700" lIns="91425" rIns="91425" tIns="45700">
+          <a:bodyPr anchorCtr="0" anchor="ctr" bIns="45700" lIns="91425" rIns="91425" wrap="square" tIns="45700">
             <a:noAutofit/>
           </a:bodyPr>
           <a:lstStyle/>
@@ -6638,7 +6734,7 @@
         <p:spPr>
           <a:xfrm>
             <a:off x="782506" y="4406901"/>
-            <a:ext cx="8420099" cy="1362075"/>
+            <a:ext cx="8420100" cy="1362075"/>
           </a:xfrm>
           <a:prstGeom prst="rect">
             <a:avLst/>
@@ -6649,7 +6745,7 @@
           </a:ln>
         </p:spPr>
         <p:txBody>
-          <a:bodyPr anchorCtr="0" anchor="t" bIns="91425" lIns="91425" rIns="91425" tIns="91425"/>
+          <a:bodyPr anchorCtr="0" anchor="t" bIns="91425" lIns="91425" rIns="91425" wrap="square" tIns="91425"/>
           <a:lstStyle>
             <a:lvl1pPr indent="0" lvl="0" marL="0" marR="0" rtl="0" algn="l">
               <a:spcBef>
@@ -6741,7 +6837,7 @@
         <p:spPr>
           <a:xfrm>
             <a:off x="782506" y="2906713"/>
-            <a:ext cx="8420099" cy="1500187"/>
+            <a:ext cx="8420100" cy="1500187"/>
           </a:xfrm>
           <a:prstGeom prst="rect">
             <a:avLst/>
@@ -6752,7 +6848,7 @@
           </a:ln>
         </p:spPr>
         <p:txBody>
-          <a:bodyPr anchorCtr="0" anchor="b" bIns="91425" lIns="91425" rIns="91425" tIns="91425"/>
+          <a:bodyPr anchorCtr="0" anchor="b" bIns="91425" lIns="91425" rIns="91425" wrap="square" tIns="91425"/>
           <a:lstStyle>
             <a:lvl1pPr indent="0" lvl="0" marL="0" marR="0" rtl="0" algn="l">
               <a:spcBef>
@@ -6951,7 +7047,7 @@
           </a:ln>
         </p:spPr>
         <p:txBody>
-          <a:bodyPr anchorCtr="0" anchor="ctr" bIns="91425" lIns="91425" rIns="91425" tIns="91425"/>
+          <a:bodyPr anchorCtr="0" anchor="ctr" bIns="91425" lIns="91425" rIns="91425" wrap="square" tIns="91425"/>
           <a:lstStyle>
             <a:lvl1pPr indent="0" lvl="0" marL="0" marR="0" rtl="0" algn="l">
               <a:spcBef>
@@ -7103,7 +7199,7 @@
         <p:spPr>
           <a:xfrm>
             <a:off x="3384550" y="6356351"/>
-            <a:ext cx="3136899" cy="365125"/>
+            <a:ext cx="3136900" cy="365125"/>
           </a:xfrm>
           <a:prstGeom prst="rect">
             <a:avLst/>
@@ -7114,7 +7210,7 @@
           </a:ln>
         </p:spPr>
         <p:txBody>
-          <a:bodyPr anchorCtr="0" anchor="ctr" bIns="91425" lIns="91425" rIns="91425" tIns="91425"/>
+          <a:bodyPr anchorCtr="0" anchor="ctr" bIns="91425" lIns="91425" rIns="91425" wrap="square" tIns="91425"/>
           <a:lstStyle>
             <a:lvl1pPr indent="0" lvl="0" marL="0" marR="0" rtl="0" algn="ctr">
               <a:spcBef>
@@ -7277,7 +7373,7 @@
           </a:ln>
         </p:spPr>
         <p:txBody>
-          <a:bodyPr anchorCtr="0" anchor="ctr" bIns="45700" lIns="91425" rIns="91425" tIns="45700">
+          <a:bodyPr anchorCtr="0" anchor="ctr" bIns="45700" lIns="91425" rIns="91425" wrap="square" tIns="45700">
             <a:noAutofit/>
           </a:bodyPr>
           <a:lstStyle/>
@@ -7339,7 +7435,7 @@
         </p:nvSpPr>
         <p:spPr>
           <a:xfrm>
-            <a:off x="495300" y="274637"/>
+            <a:off x="495300" y="274638"/>
             <a:ext cx="8915400" cy="1143000"/>
           </a:xfrm>
           <a:prstGeom prst="rect">
@@ -7351,7 +7447,7 @@
           </a:ln>
         </p:spPr>
         <p:txBody>
-          <a:bodyPr anchorCtr="0" anchor="ctr" bIns="91425" lIns="91425" rIns="91425" tIns="91425"/>
+          <a:bodyPr anchorCtr="0" anchor="ctr" bIns="91425" lIns="91425" rIns="91425" wrap="square" tIns="91425"/>
           <a:lstStyle>
             <a:lvl1pPr indent="0" lvl="0" marL="0" marR="0" rtl="0" algn="ctr">
               <a:spcBef>
@@ -7442,8 +7538,8 @@
         </p:nvSpPr>
         <p:spPr>
           <a:xfrm>
-            <a:off x="495300" y="1600200"/>
-            <a:ext cx="4375149" cy="4525963"/>
+            <a:off x="495300" y="1600201"/>
+            <a:ext cx="4375150" cy="4525963"/>
           </a:xfrm>
           <a:prstGeom prst="rect">
             <a:avLst/>
@@ -7454,7 +7550,7 @@
           </a:ln>
         </p:spPr>
         <p:txBody>
-          <a:bodyPr anchorCtr="0" anchor="t" bIns="91425" lIns="91425" rIns="91425" tIns="91425"/>
+          <a:bodyPr anchorCtr="0" anchor="t" bIns="91425" lIns="91425" rIns="91425" wrap="square" tIns="91425"/>
           <a:lstStyle>
             <a:lvl1pPr indent="-165100" lvl="0" marL="342900" marR="0" rtl="0" algn="l">
               <a:spcBef>
@@ -7650,8 +7746,8 @@
         </p:nvSpPr>
         <p:spPr>
           <a:xfrm>
-            <a:off x="5035550" y="1600200"/>
-            <a:ext cx="4375149" cy="4525963"/>
+            <a:off x="5035550" y="1600201"/>
+            <a:ext cx="4375150" cy="4525963"/>
           </a:xfrm>
           <a:prstGeom prst="rect">
             <a:avLst/>
@@ -7662,7 +7758,7 @@
           </a:ln>
         </p:spPr>
         <p:txBody>
-          <a:bodyPr anchorCtr="0" anchor="t" bIns="91425" lIns="91425" rIns="91425" tIns="91425"/>
+          <a:bodyPr anchorCtr="0" anchor="t" bIns="91425" lIns="91425" rIns="91425" wrap="square" tIns="91425"/>
           <a:lstStyle>
             <a:lvl1pPr indent="-165100" lvl="0" marL="342900" marR="0" rtl="0" algn="l">
               <a:spcBef>
@@ -7870,7 +7966,7 @@
           </a:ln>
         </p:spPr>
         <p:txBody>
-          <a:bodyPr anchorCtr="0" anchor="ctr" bIns="91425" lIns="91425" rIns="91425" tIns="91425"/>
+          <a:bodyPr anchorCtr="0" anchor="ctr" bIns="91425" lIns="91425" rIns="91425" wrap="square" tIns="91425"/>
           <a:lstStyle>
             <a:lvl1pPr indent="0" lvl="0" marL="0" marR="0" rtl="0" algn="l">
               <a:spcBef>
@@ -8022,7 +8118,7 @@
         <p:spPr>
           <a:xfrm>
             <a:off x="3384550" y="6356351"/>
-            <a:ext cx="3136899" cy="365125"/>
+            <a:ext cx="3136900" cy="365125"/>
           </a:xfrm>
           <a:prstGeom prst="rect">
             <a:avLst/>
@@ -8033,7 +8129,7 @@
           </a:ln>
         </p:spPr>
         <p:txBody>
-          <a:bodyPr anchorCtr="0" anchor="ctr" bIns="91425" lIns="91425" rIns="91425" tIns="91425"/>
+          <a:bodyPr anchorCtr="0" anchor="ctr" bIns="91425" lIns="91425" rIns="91425" wrap="square" tIns="91425"/>
           <a:lstStyle>
             <a:lvl1pPr indent="0" lvl="0" marL="0" marR="0" rtl="0" algn="ctr">
               <a:spcBef>
@@ -8196,7 +8292,7 @@
           </a:ln>
         </p:spPr>
         <p:txBody>
-          <a:bodyPr anchorCtr="0" anchor="ctr" bIns="45700" lIns="91425" rIns="91425" tIns="45700">
+          <a:bodyPr anchorCtr="0" anchor="ctr" bIns="45700" lIns="91425" rIns="91425" wrap="square" tIns="45700">
             <a:noAutofit/>
           </a:bodyPr>
           <a:lstStyle/>
@@ -8258,7 +8354,7 @@
         </p:nvSpPr>
         <p:spPr>
           <a:xfrm>
-            <a:off x="495300" y="274637"/>
+            <a:off x="495300" y="274638"/>
             <a:ext cx="8915400" cy="1143000"/>
           </a:xfrm>
           <a:prstGeom prst="rect">
@@ -8270,7 +8366,7 @@
           </a:ln>
         </p:spPr>
         <p:txBody>
-          <a:bodyPr anchorCtr="0" anchor="ctr" bIns="91425" lIns="91425" rIns="91425" tIns="91425"/>
+          <a:bodyPr anchorCtr="0" anchor="ctr" bIns="91425" lIns="91425" rIns="91425" wrap="square" tIns="91425"/>
           <a:lstStyle>
             <a:lvl1pPr indent="0" lvl="0" marL="0" marR="0" rtl="0" algn="ctr">
               <a:spcBef>
@@ -8361,7 +8457,7 @@
         </p:nvSpPr>
         <p:spPr>
           <a:xfrm>
-            <a:off x="495300" y="1535112"/>
+            <a:off x="495300" y="1535113"/>
             <a:ext cx="4376870" cy="639762"/>
           </a:xfrm>
           <a:prstGeom prst="rect">
@@ -8373,7 +8469,7 @@
           </a:ln>
         </p:spPr>
         <p:txBody>
-          <a:bodyPr anchorCtr="0" anchor="b" bIns="91425" lIns="91425" rIns="91425" tIns="91425"/>
+          <a:bodyPr anchorCtr="0" anchor="b" bIns="91425" lIns="91425" rIns="91425" wrap="square" tIns="91425"/>
           <a:lstStyle>
             <a:lvl1pPr indent="0" lvl="0" marL="0" marR="0" rtl="0" algn="l">
               <a:spcBef>
@@ -8561,7 +8657,7 @@
         <p:spPr>
           <a:xfrm>
             <a:off x="495300" y="2174875"/>
-            <a:ext cx="4376870" cy="3951287"/>
+            <a:ext cx="4376870" cy="3951288"/>
           </a:xfrm>
           <a:prstGeom prst="rect">
             <a:avLst/>
@@ -8572,7 +8668,7 @@
           </a:ln>
         </p:spPr>
         <p:txBody>
-          <a:bodyPr anchorCtr="0" anchor="t" bIns="91425" lIns="91425" rIns="91425" tIns="91425"/>
+          <a:bodyPr anchorCtr="0" anchor="t" bIns="91425" lIns="91425" rIns="91425" wrap="square" tIns="91425"/>
           <a:lstStyle>
             <a:lvl1pPr indent="-190500" lvl="0" marL="342900" marR="0" rtl="0" algn="l">
               <a:spcBef>
@@ -8768,8 +8864,8 @@
         </p:nvSpPr>
         <p:spPr>
           <a:xfrm>
-            <a:off x="5032110" y="1535112"/>
-            <a:ext cx="4378589" cy="639762"/>
+            <a:off x="5032111" y="1535113"/>
+            <a:ext cx="4378590" cy="639762"/>
           </a:xfrm>
           <a:prstGeom prst="rect">
             <a:avLst/>
@@ -8780,7 +8876,7 @@
           </a:ln>
         </p:spPr>
         <p:txBody>
-          <a:bodyPr anchorCtr="0" anchor="b" bIns="91425" lIns="91425" rIns="91425" tIns="91425"/>
+          <a:bodyPr anchorCtr="0" anchor="b" bIns="91425" lIns="91425" rIns="91425" wrap="square" tIns="91425"/>
           <a:lstStyle>
             <a:lvl1pPr indent="0" lvl="0" marL="0" marR="0" rtl="0" algn="l">
               <a:spcBef>
@@ -8967,8 +9063,8 @@
         </p:nvSpPr>
         <p:spPr>
           <a:xfrm>
-            <a:off x="5032110" y="2174875"/>
-            <a:ext cx="4378589" cy="3951287"/>
+            <a:off x="5032111" y="2174875"/>
+            <a:ext cx="4378590" cy="3951288"/>
           </a:xfrm>
           <a:prstGeom prst="rect">
             <a:avLst/>
@@ -8979,7 +9075,7 @@
           </a:ln>
         </p:spPr>
         <p:txBody>
-          <a:bodyPr anchorCtr="0" anchor="t" bIns="91425" lIns="91425" rIns="91425" tIns="91425"/>
+          <a:bodyPr anchorCtr="0" anchor="t" bIns="91425" lIns="91425" rIns="91425" wrap="square" tIns="91425"/>
           <a:lstStyle>
             <a:lvl1pPr indent="-190500" lvl="0" marL="342900" marR="0" rtl="0" algn="l">
               <a:spcBef>
@@ -9187,7 +9283,7 @@
           </a:ln>
         </p:spPr>
         <p:txBody>
-          <a:bodyPr anchorCtr="0" anchor="ctr" bIns="91425" lIns="91425" rIns="91425" tIns="91425"/>
+          <a:bodyPr anchorCtr="0" anchor="ctr" bIns="91425" lIns="91425" rIns="91425" wrap="square" tIns="91425"/>
           <a:lstStyle>
             <a:lvl1pPr indent="0" lvl="0" marL="0" marR="0" rtl="0" algn="l">
               <a:spcBef>
@@ -9339,7 +9435,7 @@
         <p:spPr>
           <a:xfrm>
             <a:off x="3384550" y="6356351"/>
-            <a:ext cx="3136899" cy="365125"/>
+            <a:ext cx="3136900" cy="365125"/>
           </a:xfrm>
           <a:prstGeom prst="rect">
             <a:avLst/>
@@ -9350,7 +9446,7 @@
           </a:ln>
         </p:spPr>
         <p:txBody>
-          <a:bodyPr anchorCtr="0" anchor="ctr" bIns="91425" lIns="91425" rIns="91425" tIns="91425"/>
+          <a:bodyPr anchorCtr="0" anchor="ctr" bIns="91425" lIns="91425" rIns="91425" wrap="square" tIns="91425"/>
           <a:lstStyle>
             <a:lvl1pPr indent="0" lvl="0" marL="0" marR="0" rtl="0" algn="ctr">
               <a:spcBef>
@@ -9513,7 +9609,7 @@
           </a:ln>
         </p:spPr>
         <p:txBody>
-          <a:bodyPr anchorCtr="0" anchor="ctr" bIns="45700" lIns="91425" rIns="91425" tIns="45700">
+          <a:bodyPr anchorCtr="0" anchor="ctr" bIns="45700" lIns="91425" rIns="91425" wrap="square" tIns="45700">
             <a:noAutofit/>
           </a:bodyPr>
           <a:lstStyle/>
@@ -9575,7 +9671,7 @@
         </p:nvSpPr>
         <p:spPr>
           <a:xfrm>
-            <a:off x="495300" y="274637"/>
+            <a:off x="495300" y="274638"/>
             <a:ext cx="8915400" cy="1143000"/>
           </a:xfrm>
           <a:prstGeom prst="rect">
@@ -9587,7 +9683,7 @@
           </a:ln>
         </p:spPr>
         <p:txBody>
-          <a:bodyPr anchorCtr="0" anchor="ctr" bIns="91425" lIns="91425" rIns="91425" tIns="91425"/>
+          <a:bodyPr anchorCtr="0" anchor="ctr" bIns="91425" lIns="91425" rIns="91425" wrap="square" tIns="91425"/>
           <a:lstStyle>
             <a:lvl1pPr indent="0" lvl="0" marL="0" marR="0" rtl="0" algn="ctr">
               <a:spcBef>
@@ -9690,7 +9786,7 @@
           </a:ln>
         </p:spPr>
         <p:txBody>
-          <a:bodyPr anchorCtr="0" anchor="ctr" bIns="91425" lIns="91425" rIns="91425" tIns="91425"/>
+          <a:bodyPr anchorCtr="0" anchor="ctr" bIns="91425" lIns="91425" rIns="91425" wrap="square" tIns="91425"/>
           <a:lstStyle>
             <a:lvl1pPr indent="0" lvl="0" marL="0" marR="0" rtl="0" algn="l">
               <a:spcBef>
@@ -9842,7 +9938,7 @@
         <p:spPr>
           <a:xfrm>
             <a:off x="3384550" y="6356351"/>
-            <a:ext cx="3136899" cy="365125"/>
+            <a:ext cx="3136900" cy="365125"/>
           </a:xfrm>
           <a:prstGeom prst="rect">
             <a:avLst/>
@@ -9853,7 +9949,7 @@
           </a:ln>
         </p:spPr>
         <p:txBody>
-          <a:bodyPr anchorCtr="0" anchor="ctr" bIns="91425" lIns="91425" rIns="91425" tIns="91425"/>
+          <a:bodyPr anchorCtr="0" anchor="ctr" bIns="91425" lIns="91425" rIns="91425" wrap="square" tIns="91425"/>
           <a:lstStyle>
             <a:lvl1pPr indent="0" lvl="0" marL="0" marR="0" rtl="0" algn="ctr">
               <a:spcBef>
@@ -10016,7 +10112,7 @@
           </a:ln>
         </p:spPr>
         <p:txBody>
-          <a:bodyPr anchorCtr="0" anchor="ctr" bIns="45700" lIns="91425" rIns="91425" tIns="45700">
+          <a:bodyPr anchorCtr="0" anchor="ctr" bIns="45700" lIns="91425" rIns="91425" wrap="square" tIns="45700">
             <a:noAutofit/>
           </a:bodyPr>
           <a:lstStyle/>
@@ -10090,7 +10186,7 @@
           </a:ln>
         </p:spPr>
         <p:txBody>
-          <a:bodyPr anchorCtr="0" anchor="ctr" bIns="91425" lIns="91425" rIns="91425" tIns="91425"/>
+          <a:bodyPr anchorCtr="0" anchor="ctr" bIns="91425" lIns="91425" rIns="91425" wrap="square" tIns="91425"/>
           <a:lstStyle>
             <a:lvl1pPr indent="0" lvl="0" marL="0" marR="0" rtl="0" algn="l">
               <a:spcBef>
@@ -10242,7 +10338,7 @@
         <p:spPr>
           <a:xfrm>
             <a:off x="3384550" y="6356351"/>
-            <a:ext cx="3136899" cy="365125"/>
+            <a:ext cx="3136900" cy="365125"/>
           </a:xfrm>
           <a:prstGeom prst="rect">
             <a:avLst/>
@@ -10253,7 +10349,7 @@
           </a:ln>
         </p:spPr>
         <p:txBody>
-          <a:bodyPr anchorCtr="0" anchor="ctr" bIns="91425" lIns="91425" rIns="91425" tIns="91425"/>
+          <a:bodyPr anchorCtr="0" anchor="ctr" bIns="91425" lIns="91425" rIns="91425" wrap="square" tIns="91425"/>
           <a:lstStyle>
             <a:lvl1pPr indent="0" lvl="0" marL="0" marR="0" rtl="0" algn="ctr">
               <a:spcBef>
@@ -10416,7 +10512,7 @@
           </a:ln>
         </p:spPr>
         <p:txBody>
-          <a:bodyPr anchorCtr="0" anchor="ctr" bIns="45700" lIns="91425" rIns="91425" tIns="45700">
+          <a:bodyPr anchorCtr="0" anchor="ctr" bIns="45700" lIns="91425" rIns="91425" wrap="square" tIns="45700">
             <a:noAutofit/>
           </a:bodyPr>
           <a:lstStyle/>
@@ -10479,7 +10575,7 @@
         <p:spPr>
           <a:xfrm>
             <a:off x="495300" y="273050"/>
-            <a:ext cx="3259005" cy="1162049"/>
+            <a:ext cx="3259006" cy="1162050"/>
           </a:xfrm>
           <a:prstGeom prst="rect">
             <a:avLst/>
@@ -10490,7 +10586,7 @@
           </a:ln>
         </p:spPr>
         <p:txBody>
-          <a:bodyPr anchorCtr="0" anchor="b" bIns="91425" lIns="91425" rIns="91425" tIns="91425"/>
+          <a:bodyPr anchorCtr="0" anchor="b" bIns="91425" lIns="91425" rIns="91425" wrap="square" tIns="91425"/>
           <a:lstStyle>
             <a:lvl1pPr indent="0" lvl="0" marL="0" marR="0" rtl="0" algn="l">
               <a:spcBef>
@@ -10582,7 +10678,7 @@
         <p:spPr>
           <a:xfrm>
             <a:off x="3872971" y="273051"/>
-            <a:ext cx="5537729" cy="5853112"/>
+            <a:ext cx="5537729" cy="5853113"/>
           </a:xfrm>
           <a:prstGeom prst="rect">
             <a:avLst/>
@@ -10593,7 +10689,7 @@
           </a:ln>
         </p:spPr>
         <p:txBody>
-          <a:bodyPr anchorCtr="0" anchor="t" bIns="91425" lIns="91425" rIns="91425" tIns="91425"/>
+          <a:bodyPr anchorCtr="0" anchor="t" bIns="91425" lIns="91425" rIns="91425" wrap="square" tIns="91425"/>
           <a:lstStyle>
             <a:lvl1pPr indent="-139700" lvl="0" marL="342900" marR="0" rtl="0" algn="l">
               <a:spcBef>
@@ -10789,8 +10885,8 @@
         </p:nvSpPr>
         <p:spPr>
           <a:xfrm>
-            <a:off x="495300" y="1435100"/>
-            <a:ext cx="3259005" cy="4691063"/>
+            <a:off x="495300" y="1435101"/>
+            <a:ext cx="3259006" cy="4691063"/>
           </a:xfrm>
           <a:prstGeom prst="rect">
             <a:avLst/>
@@ -10801,7 +10897,7 @@
           </a:ln>
         </p:spPr>
         <p:txBody>
-          <a:bodyPr anchorCtr="0" anchor="t" bIns="91425" lIns="91425" rIns="91425" tIns="91425"/>
+          <a:bodyPr anchorCtr="0" anchor="t" bIns="91425" lIns="91425" rIns="91425" wrap="square" tIns="91425"/>
           <a:lstStyle>
             <a:lvl1pPr indent="0" lvl="0" marL="0" marR="0" rtl="0" algn="l">
               <a:spcBef>
@@ -11000,7 +11096,7 @@
           </a:ln>
         </p:spPr>
         <p:txBody>
-          <a:bodyPr anchorCtr="0" anchor="ctr" bIns="91425" lIns="91425" rIns="91425" tIns="91425"/>
+          <a:bodyPr anchorCtr="0" anchor="ctr" bIns="91425" lIns="91425" rIns="91425" wrap="square" tIns="91425"/>
           <a:lstStyle>
             <a:lvl1pPr indent="0" lvl="0" marL="0" marR="0" rtl="0" algn="l">
               <a:spcBef>
@@ -11152,7 +11248,7 @@
         <p:spPr>
           <a:xfrm>
             <a:off x="3384550" y="6356351"/>
-            <a:ext cx="3136899" cy="365125"/>
+            <a:ext cx="3136900" cy="365125"/>
           </a:xfrm>
           <a:prstGeom prst="rect">
             <a:avLst/>
@@ -11163,7 +11259,7 @@
           </a:ln>
         </p:spPr>
         <p:txBody>
-          <a:bodyPr anchorCtr="0" anchor="ctr" bIns="91425" lIns="91425" rIns="91425" tIns="91425"/>
+          <a:bodyPr anchorCtr="0" anchor="ctr" bIns="91425" lIns="91425" rIns="91425" wrap="square" tIns="91425"/>
           <a:lstStyle>
             <a:lvl1pPr indent="0" lvl="0" marL="0" marR="0" rtl="0" algn="ctr">
               <a:spcBef>
@@ -11326,7 +11422,7 @@
           </a:ln>
         </p:spPr>
         <p:txBody>
-          <a:bodyPr anchorCtr="0" anchor="ctr" bIns="45700" lIns="91425" rIns="91425" tIns="45700">
+          <a:bodyPr anchorCtr="0" anchor="ctr" bIns="45700" lIns="91425" rIns="91425" wrap="square" tIns="45700">
             <a:noAutofit/>
           </a:bodyPr>
           <a:lstStyle/>
@@ -11388,8 +11484,8 @@
         </p:nvSpPr>
         <p:spPr>
           <a:xfrm>
-            <a:off x="1941644" y="4800600"/>
-            <a:ext cx="5943599" cy="566737"/>
+            <a:off x="1941645" y="4800600"/>
+            <a:ext cx="5943600" cy="566738"/>
           </a:xfrm>
           <a:prstGeom prst="rect">
             <a:avLst/>
@@ -11400,7 +11496,7 @@
           </a:ln>
         </p:spPr>
         <p:txBody>
-          <a:bodyPr anchorCtr="0" anchor="b" bIns="91425" lIns="91425" rIns="91425" tIns="91425"/>
+          <a:bodyPr anchorCtr="0" anchor="b" bIns="91425" lIns="91425" rIns="91425" wrap="square" tIns="91425"/>
           <a:lstStyle>
             <a:lvl1pPr indent="0" lvl="0" marL="0" marR="0" rtl="0" algn="l">
               <a:spcBef>
@@ -11491,8 +11587,8 @@
         </p:nvSpPr>
         <p:spPr>
           <a:xfrm>
-            <a:off x="1941644" y="612775"/>
-            <a:ext cx="5943599" cy="4114800"/>
+            <a:off x="1941645" y="612775"/>
+            <a:ext cx="5943600" cy="4114800"/>
           </a:xfrm>
           <a:prstGeom prst="rect">
             <a:avLst/>
@@ -11503,7 +11599,7 @@
           </a:ln>
         </p:spPr>
         <p:txBody>
-          <a:bodyPr anchorCtr="0" anchor="t" bIns="91425" lIns="91425" rIns="91425" tIns="91425"/>
+          <a:bodyPr anchorCtr="0" anchor="t" bIns="91425" lIns="91425" rIns="91425" wrap="square" tIns="91425"/>
           <a:lstStyle>
             <a:lvl1pPr indent="0" lvl="0" marL="0" marR="0" rtl="0" algn="l">
               <a:spcBef>
@@ -11690,8 +11786,8 @@
         </p:nvSpPr>
         <p:spPr>
           <a:xfrm>
-            <a:off x="1941644" y="5367337"/>
-            <a:ext cx="5943599" cy="804861"/>
+            <a:off x="1941645" y="5367338"/>
+            <a:ext cx="5943600" cy="804862"/>
           </a:xfrm>
           <a:prstGeom prst="rect">
             <a:avLst/>
@@ -11702,7 +11798,7 @@
           </a:ln>
         </p:spPr>
         <p:txBody>
-          <a:bodyPr anchorCtr="0" anchor="t" bIns="91425" lIns="91425" rIns="91425" tIns="91425"/>
+          <a:bodyPr anchorCtr="0" anchor="t" bIns="91425" lIns="91425" rIns="91425" wrap="square" tIns="91425"/>
           <a:lstStyle>
             <a:lvl1pPr indent="0" lvl="0" marL="0" marR="0" rtl="0" algn="l">
               <a:spcBef>
@@ -11901,7 +11997,7 @@
           </a:ln>
         </p:spPr>
         <p:txBody>
-          <a:bodyPr anchorCtr="0" anchor="ctr" bIns="91425" lIns="91425" rIns="91425" tIns="91425"/>
+          <a:bodyPr anchorCtr="0" anchor="ctr" bIns="91425" lIns="91425" rIns="91425" wrap="square" tIns="91425"/>
           <a:lstStyle>
             <a:lvl1pPr indent="0" lvl="0" marL="0" marR="0" rtl="0" algn="l">
               <a:spcBef>
@@ -12053,7 +12149,7 @@
         <p:spPr>
           <a:xfrm>
             <a:off x="3384550" y="6356351"/>
-            <a:ext cx="3136899" cy="365125"/>
+            <a:ext cx="3136900" cy="365125"/>
           </a:xfrm>
           <a:prstGeom prst="rect">
             <a:avLst/>
@@ -12064,7 +12160,7 @@
           </a:ln>
         </p:spPr>
         <p:txBody>
-          <a:bodyPr anchorCtr="0" anchor="ctr" bIns="91425" lIns="91425" rIns="91425" tIns="91425"/>
+          <a:bodyPr anchorCtr="0" anchor="ctr" bIns="91425" lIns="91425" rIns="91425" wrap="square" tIns="91425"/>
           <a:lstStyle>
             <a:lvl1pPr indent="0" lvl="0" marL="0" marR="0" rtl="0" algn="ctr">
               <a:spcBef>
@@ -12227,7 +12323,7 @@
           </a:ln>
         </p:spPr>
         <p:txBody>
-          <a:bodyPr anchorCtr="0" anchor="ctr" bIns="45700" lIns="91425" rIns="91425" tIns="45700">
+          <a:bodyPr anchorCtr="0" anchor="ctr" bIns="45700" lIns="91425" rIns="91425" wrap="square" tIns="45700">
             <a:noAutofit/>
           </a:bodyPr>
           <a:lstStyle/>
@@ -12296,7 +12392,7 @@
         </p:nvSpPr>
         <p:spPr>
           <a:xfrm>
-            <a:off x="495300" y="274637"/>
+            <a:off x="495300" y="274638"/>
             <a:ext cx="8915400" cy="1143000"/>
           </a:xfrm>
           <a:prstGeom prst="rect">
@@ -12308,7 +12404,7 @@
           </a:ln>
         </p:spPr>
         <p:txBody>
-          <a:bodyPr anchorCtr="0" anchor="ctr" bIns="91425" lIns="91425" rIns="91425" tIns="91425"/>
+          <a:bodyPr anchorCtr="0" anchor="ctr" bIns="91425" lIns="91425" rIns="91425" wrap="square" tIns="91425"/>
           <a:lstStyle>
             <a:lvl1pPr indent="0" lvl="0" marL="0" marR="0" rtl="0" algn="ctr">
               <a:spcBef>
@@ -12399,7 +12495,7 @@
         </p:nvSpPr>
         <p:spPr>
           <a:xfrm>
-            <a:off x="495300" y="1600200"/>
+            <a:off x="495300" y="1600201"/>
             <a:ext cx="8915400" cy="4525963"/>
           </a:xfrm>
           <a:prstGeom prst="rect">
@@ -12411,7 +12507,7 @@
           </a:ln>
         </p:spPr>
         <p:txBody>
-          <a:bodyPr anchorCtr="0" anchor="t" bIns="91425" lIns="91425" rIns="91425" tIns="91425"/>
+          <a:bodyPr anchorCtr="0" anchor="t" bIns="91425" lIns="91425" rIns="91425" wrap="square" tIns="91425"/>
           <a:lstStyle>
             <a:lvl1pPr indent="-139700" lvl="0" marL="342900" marR="0" rtl="0" algn="l">
               <a:spcBef>
@@ -12619,7 +12715,7 @@
           </a:ln>
         </p:spPr>
         <p:txBody>
-          <a:bodyPr anchorCtr="0" anchor="ctr" bIns="91425" lIns="91425" rIns="91425" tIns="91425"/>
+          <a:bodyPr anchorCtr="0" anchor="ctr" bIns="91425" lIns="91425" rIns="91425" wrap="square" tIns="91425"/>
           <a:lstStyle>
             <a:lvl1pPr indent="0" lvl="0" marL="0" marR="0" rtl="0" algn="l">
               <a:spcBef>
@@ -12771,7 +12867,7 @@
         <p:spPr>
           <a:xfrm>
             <a:off x="3384550" y="6356351"/>
-            <a:ext cx="3136899" cy="365125"/>
+            <a:ext cx="3136900" cy="365125"/>
           </a:xfrm>
           <a:prstGeom prst="rect">
             <a:avLst/>
@@ -12782,7 +12878,7 @@
           </a:ln>
         </p:spPr>
         <p:txBody>
-          <a:bodyPr anchorCtr="0" anchor="ctr" bIns="91425" lIns="91425" rIns="91425" tIns="91425"/>
+          <a:bodyPr anchorCtr="0" anchor="ctr" bIns="91425" lIns="91425" rIns="91425" wrap="square" tIns="91425"/>
           <a:lstStyle>
             <a:lvl1pPr indent="0" lvl="0" marL="0" marR="0" rtl="0" algn="ctr">
               <a:spcBef>
@@ -12945,7 +13041,7 @@
           </a:ln>
         </p:spPr>
         <p:txBody>
-          <a:bodyPr anchorCtr="0" anchor="ctr" bIns="45700" lIns="91425" rIns="91425" tIns="45700">
+          <a:bodyPr anchorCtr="0" anchor="ctr" bIns="45700" lIns="91425" rIns="91425" wrap="square" tIns="45700">
             <a:noAutofit/>
           </a:bodyPr>
           <a:lstStyle/>
@@ -13459,8 +13555,8 @@
         </p:nvSpPr>
         <p:spPr>
           <a:xfrm>
-            <a:off x="160215" y="867508"/>
-            <a:ext cx="9585569" cy="5258656"/>
+            <a:off x="160215" y="867509"/>
+            <a:ext cx="9585570" cy="5258656"/>
           </a:xfrm>
           <a:prstGeom prst="rect">
             <a:avLst/>
@@ -13471,7 +13567,7 @@
           </a:ln>
         </p:spPr>
         <p:txBody>
-          <a:bodyPr anchorCtr="0" anchor="t" bIns="45700" lIns="91425" rIns="91425" tIns="45700">
+          <a:bodyPr anchorCtr="0" anchor="t" bIns="45700" lIns="91425" rIns="91425" wrap="square" tIns="45700">
             <a:noAutofit/>
           </a:bodyPr>
           <a:lstStyle/>
@@ -13542,8 +13638,8 @@
         </p:nvSpPr>
         <p:spPr>
           <a:xfrm>
-            <a:off x="101504" y="109409"/>
-            <a:ext cx="9691170" cy="540000"/>
+            <a:off x="101505" y="109410"/>
+            <a:ext cx="9691171" cy="540000"/>
           </a:xfrm>
           <a:prstGeom prst="rect">
             <a:avLst/>
@@ -13562,7 +13658,7 @@
           </a:ln>
         </p:spPr>
         <p:txBody>
-          <a:bodyPr anchorCtr="0" anchor="ctr" bIns="45700" lIns="91425" rIns="91425" tIns="45700">
+          <a:bodyPr anchorCtr="0" anchor="ctr" bIns="45700" lIns="91425" rIns="91425" wrap="square" tIns="45700">
             <a:noAutofit/>
           </a:bodyPr>
           <a:lstStyle/>
@@ -13622,7 +13718,7 @@
         </p:nvSpPr>
         <p:spPr>
           <a:xfrm>
-            <a:off x="39152" y="109409"/>
+            <a:off x="39153" y="109410"/>
             <a:ext cx="720000" cy="540000"/>
           </a:xfrm>
           <a:prstGeom prst="rect">
@@ -13642,7 +13738,7 @@
           </a:ln>
         </p:spPr>
         <p:txBody>
-          <a:bodyPr anchorCtr="0" anchor="ctr" bIns="45700" lIns="0" rIns="0" tIns="45700">
+          <a:bodyPr anchorCtr="0" anchor="ctr" bIns="45700" lIns="0" rIns="0" wrap="square" tIns="45700">
             <a:noAutofit/>
           </a:bodyPr>
           <a:lstStyle/>
@@ -13677,7 +13773,7 @@
         </p:nvSpPr>
         <p:spPr>
           <a:xfrm>
-            <a:off x="831153" y="109409"/>
+            <a:off x="831153" y="109410"/>
             <a:ext cx="7380000" cy="540000"/>
           </a:xfrm>
           <a:prstGeom prst="rect">
@@ -13697,7 +13793,7 @@
           </a:ln>
         </p:spPr>
         <p:txBody>
-          <a:bodyPr anchorCtr="0" anchor="ctr" bIns="45700" lIns="91425" rIns="91425" tIns="45700">
+          <a:bodyPr anchorCtr="0" anchor="ctr" bIns="45700" lIns="91425" rIns="91425" wrap="square" tIns="45700">
             <a:noAutofit/>
           </a:bodyPr>
           <a:lstStyle/>
@@ -13732,7 +13828,7 @@
         </p:nvSpPr>
         <p:spPr>
           <a:xfrm>
-            <a:off x="39152" y="822470"/>
+            <a:off x="39153" y="822470"/>
             <a:ext cx="9828000" cy="2340000"/>
           </a:xfrm>
           <a:prstGeom prst="rect">
@@ -13752,7 +13848,7 @@
           </a:ln>
         </p:spPr>
         <p:txBody>
-          <a:bodyPr anchorCtr="0" anchor="t" bIns="45700" lIns="91425" rIns="91425" tIns="45700">
+          <a:bodyPr anchorCtr="0" anchor="t" bIns="45700" lIns="91425" rIns="91425" wrap="square" tIns="45700">
             <a:noAutofit/>
           </a:bodyPr>
           <a:lstStyle/>
@@ -13903,7 +13999,7 @@
           </a:ln>
         </p:spPr>
         <p:txBody>
-          <a:bodyPr anchorCtr="0" anchor="t" bIns="45700" lIns="91425" rIns="91425" tIns="36000">
+          <a:bodyPr anchorCtr="0" anchor="t" bIns="45700" lIns="91425" rIns="91425" wrap="square" tIns="36000">
             <a:noAutofit/>
           </a:bodyPr>
           <a:lstStyle/>
@@ -14038,7 +14134,7 @@
         </p:nvSpPr>
         <p:spPr>
           <a:xfrm>
-            <a:off x="9147153" y="109409"/>
+            <a:off x="9147153" y="109410"/>
             <a:ext cx="720000" cy="540000"/>
           </a:xfrm>
           <a:prstGeom prst="rect">
@@ -14060,7 +14156,7 @@
           </a:ln>
         </p:spPr>
         <p:txBody>
-          <a:bodyPr anchorCtr="0" anchor="ctr" bIns="45700" lIns="0" rIns="0" tIns="45700">
+          <a:bodyPr anchorCtr="0" anchor="ctr" bIns="45700" lIns="0" rIns="0" wrap="square" tIns="45700">
             <a:noAutofit/>
           </a:bodyPr>
           <a:lstStyle/>
@@ -14095,7 +14191,7 @@
         </p:nvSpPr>
         <p:spPr>
           <a:xfrm>
-            <a:off x="8283153" y="109409"/>
+            <a:off x="8283153" y="109410"/>
             <a:ext cx="792000" cy="540000"/>
           </a:xfrm>
           <a:prstGeom prst="rect">
@@ -14115,7 +14211,7 @@
           </a:ln>
         </p:spPr>
         <p:txBody>
-          <a:bodyPr anchorCtr="0" anchor="ctr" bIns="45700" lIns="0" rIns="0" tIns="45700">
+          <a:bodyPr anchorCtr="0" anchor="ctr" bIns="45700" lIns="0" rIns="0" wrap="square" tIns="45700">
             <a:noAutofit/>
           </a:bodyPr>
           <a:lstStyle/>
@@ -14170,7 +14266,7 @@
           </a:ln>
         </p:spPr>
         <p:txBody>
-          <a:bodyPr anchorCtr="0" anchor="t" bIns="45700" lIns="91425" rIns="91425" tIns="36000">
+          <a:bodyPr anchorCtr="0" anchor="t" bIns="45700" lIns="91425" rIns="91425" wrap="square" tIns="36000">
             <a:noAutofit/>
           </a:bodyPr>
           <a:lstStyle/>
@@ -14255,7 +14351,7 @@
         </p:nvSpPr>
         <p:spPr>
           <a:xfrm>
-            <a:off x="39152" y="109409"/>
+            <a:off x="39153" y="109410"/>
             <a:ext cx="720000" cy="540000"/>
           </a:xfrm>
           <a:prstGeom prst="rect">
@@ -14275,7 +14371,7 @@
           </a:ln>
         </p:spPr>
         <p:txBody>
-          <a:bodyPr anchorCtr="0" anchor="ctr" bIns="45700" lIns="0" rIns="0" tIns="45700">
+          <a:bodyPr anchorCtr="0" anchor="ctr" bIns="45700" lIns="0" rIns="0" wrap="square" tIns="45700">
             <a:noAutofit/>
           </a:bodyPr>
           <a:lstStyle/>
@@ -14310,7 +14406,7 @@
         </p:nvSpPr>
         <p:spPr>
           <a:xfrm>
-            <a:off x="831153" y="109409"/>
+            <a:off x="831153" y="109410"/>
             <a:ext cx="7380000" cy="540000"/>
           </a:xfrm>
           <a:prstGeom prst="rect">
@@ -14330,7 +14426,7 @@
           </a:ln>
         </p:spPr>
         <p:txBody>
-          <a:bodyPr anchorCtr="0" anchor="ctr" bIns="45700" lIns="91425" rIns="91425" tIns="45700">
+          <a:bodyPr anchorCtr="0" anchor="ctr" bIns="45700" lIns="91425" rIns="91425" wrap="square" tIns="45700">
             <a:noAutofit/>
           </a:bodyPr>
           <a:lstStyle/>
@@ -14365,7 +14461,7 @@
         </p:nvSpPr>
         <p:spPr>
           <a:xfrm>
-            <a:off x="39152" y="822470"/>
+            <a:off x="39153" y="822470"/>
             <a:ext cx="9828000" cy="2340000"/>
           </a:xfrm>
           <a:prstGeom prst="rect">
@@ -14385,7 +14481,7 @@
           </a:ln>
         </p:spPr>
         <p:txBody>
-          <a:bodyPr anchorCtr="0" anchor="t" bIns="45700" lIns="91425" rIns="91425" tIns="45700">
+          <a:bodyPr anchorCtr="0" anchor="t" bIns="45700" lIns="91425" rIns="91425" wrap="square" tIns="45700">
             <a:noAutofit/>
           </a:bodyPr>
           <a:lstStyle/>
@@ -14488,7 +14584,7 @@
           </a:ln>
         </p:spPr>
         <p:txBody>
-          <a:bodyPr anchorCtr="0" anchor="t" bIns="45700" lIns="91425" rIns="91425" tIns="36000">
+          <a:bodyPr anchorCtr="0" anchor="t" bIns="45700" lIns="91425" rIns="91425" wrap="square" tIns="36000">
             <a:noAutofit/>
           </a:bodyPr>
           <a:lstStyle/>
@@ -14623,7 +14719,7 @@
         </p:nvSpPr>
         <p:spPr>
           <a:xfrm>
-            <a:off x="9147153" y="109409"/>
+            <a:off x="9147153" y="109410"/>
             <a:ext cx="720000" cy="540000"/>
           </a:xfrm>
           <a:prstGeom prst="rect">
@@ -14645,7 +14741,7 @@
           </a:ln>
         </p:spPr>
         <p:txBody>
-          <a:bodyPr anchorCtr="0" anchor="ctr" bIns="45700" lIns="0" rIns="0" tIns="45700">
+          <a:bodyPr anchorCtr="0" anchor="ctr" bIns="45700" lIns="0" rIns="0" wrap="square" tIns="45700">
             <a:noAutofit/>
           </a:bodyPr>
           <a:lstStyle/>
@@ -14680,7 +14776,7 @@
         </p:nvSpPr>
         <p:spPr>
           <a:xfrm>
-            <a:off x="8283153" y="109409"/>
+            <a:off x="8283153" y="109410"/>
             <a:ext cx="792000" cy="540000"/>
           </a:xfrm>
           <a:prstGeom prst="rect">
@@ -14700,7 +14796,7 @@
           </a:ln>
         </p:spPr>
         <p:txBody>
-          <a:bodyPr anchorCtr="0" anchor="ctr" bIns="45700" lIns="0" rIns="0" tIns="45700">
+          <a:bodyPr anchorCtr="0" anchor="ctr" bIns="45700" lIns="0" rIns="0" wrap="square" tIns="45700">
             <a:noAutofit/>
           </a:bodyPr>
           <a:lstStyle/>
@@ -14755,7 +14851,7 @@
           </a:ln>
         </p:spPr>
         <p:txBody>
-          <a:bodyPr anchorCtr="0" anchor="t" bIns="45700" lIns="91425" rIns="91425" tIns="36000">
+          <a:bodyPr anchorCtr="0" anchor="t" bIns="45700" lIns="91425" rIns="91425" wrap="square" tIns="36000">
             <a:noAutofit/>
           </a:bodyPr>
           <a:lstStyle/>
@@ -14840,7 +14936,7 @@
         </p:nvSpPr>
         <p:spPr>
           <a:xfrm>
-            <a:off x="39152" y="109409"/>
+            <a:off x="39153" y="109410"/>
             <a:ext cx="720000" cy="540000"/>
           </a:xfrm>
           <a:prstGeom prst="rect">
@@ -14860,7 +14956,7 @@
           </a:ln>
         </p:spPr>
         <p:txBody>
-          <a:bodyPr anchorCtr="0" anchor="ctr" bIns="45700" lIns="0" rIns="0" tIns="45700">
+          <a:bodyPr anchorCtr="0" anchor="ctr" bIns="45700" lIns="0" rIns="0" wrap="square" tIns="45700">
             <a:noAutofit/>
           </a:bodyPr>
           <a:lstStyle/>
@@ -14895,7 +14991,7 @@
         </p:nvSpPr>
         <p:spPr>
           <a:xfrm>
-            <a:off x="831153" y="109409"/>
+            <a:off x="831153" y="109410"/>
             <a:ext cx="7380000" cy="540000"/>
           </a:xfrm>
           <a:prstGeom prst="rect">
@@ -14915,7 +15011,7 @@
           </a:ln>
         </p:spPr>
         <p:txBody>
-          <a:bodyPr anchorCtr="0" anchor="ctr" bIns="45700" lIns="91425" rIns="91425" tIns="45700">
+          <a:bodyPr anchorCtr="0" anchor="ctr" bIns="45700" lIns="91425" rIns="91425" wrap="square" tIns="45700">
             <a:noAutofit/>
           </a:bodyPr>
           <a:lstStyle/>
@@ -14950,7 +15046,7 @@
         </p:nvSpPr>
         <p:spPr>
           <a:xfrm>
-            <a:off x="39152" y="822470"/>
+            <a:off x="39153" y="822470"/>
             <a:ext cx="9828000" cy="2340000"/>
           </a:xfrm>
           <a:prstGeom prst="rect">
@@ -14970,7 +15066,7 @@
           </a:ln>
         </p:spPr>
         <p:txBody>
-          <a:bodyPr anchorCtr="0" anchor="t" bIns="45700" lIns="91425" rIns="91425" tIns="45700">
+          <a:bodyPr anchorCtr="0" anchor="t" bIns="45700" lIns="91425" rIns="91425" wrap="square" tIns="45700">
             <a:noAutofit/>
           </a:bodyPr>
           <a:lstStyle/>
@@ -15073,7 +15169,7 @@
           </a:ln>
         </p:spPr>
         <p:txBody>
-          <a:bodyPr anchorCtr="0" anchor="t" bIns="45700" lIns="91425" rIns="91425" tIns="36000">
+          <a:bodyPr anchorCtr="0" anchor="t" bIns="45700" lIns="91425" rIns="91425" wrap="square" tIns="36000">
             <a:noAutofit/>
           </a:bodyPr>
           <a:lstStyle/>
@@ -15173,6 +15269,31 @@
               <a:t>Button with warnings for removal</a:t>
             </a:r>
           </a:p>
+          <a:p>
+            <a:pPr indent="-342900" lvl="0" marL="457200" rtl="0">
+              <a:spcBef>
+                <a:spcPts val="0"/>
+              </a:spcBef>
+              <a:buClr>
+                <a:schemeClr val="dk1"/>
+              </a:buClr>
+              <a:buSzPct val="100000"/>
+              <a:buFont typeface="Calibri"/>
+              <a:buChar char="●"/>
+            </a:pPr>
+            <a:r>
+              <a:rPr lang="en-AU" sz="1800">
+                <a:solidFill>
+                  <a:schemeClr val="dk1"/>
+                </a:solidFill>
+                <a:latin typeface="Calibri"/>
+                <a:ea typeface="Calibri"/>
+                <a:cs typeface="Calibri"/>
+                <a:sym typeface="Calibri"/>
+              </a:rPr>
+              <a:t>Fail safe in place incase of accidental deletion </a:t>
+            </a:r>
+          </a:p>
         </p:txBody>
       </p:sp>
       <p:sp>
@@ -15183,7 +15304,7 @@
         </p:nvSpPr>
         <p:spPr>
           <a:xfrm>
-            <a:off x="9147153" y="109409"/>
+            <a:off x="9147153" y="109410"/>
             <a:ext cx="720000" cy="540000"/>
           </a:xfrm>
           <a:prstGeom prst="rect">
@@ -15205,7 +15326,7 @@
           </a:ln>
         </p:spPr>
         <p:txBody>
-          <a:bodyPr anchorCtr="0" anchor="ctr" bIns="45700" lIns="0" rIns="0" tIns="45700">
+          <a:bodyPr anchorCtr="0" anchor="ctr" bIns="45700" lIns="0" rIns="0" wrap="square" tIns="45700">
             <a:noAutofit/>
           </a:bodyPr>
           <a:lstStyle/>
@@ -15240,7 +15361,7 @@
         </p:nvSpPr>
         <p:spPr>
           <a:xfrm>
-            <a:off x="8283153" y="109409"/>
+            <a:off x="8283153" y="109410"/>
             <a:ext cx="792000" cy="540000"/>
           </a:xfrm>
           <a:prstGeom prst="rect">
@@ -15260,7 +15381,7 @@
           </a:ln>
         </p:spPr>
         <p:txBody>
-          <a:bodyPr anchorCtr="0" anchor="ctr" bIns="45700" lIns="0" rIns="0" tIns="45700">
+          <a:bodyPr anchorCtr="0" anchor="ctr" bIns="45700" lIns="0" rIns="0" wrap="square" tIns="45700">
             <a:noAutofit/>
           </a:bodyPr>
           <a:lstStyle/>
@@ -15315,7 +15436,7 @@
           </a:ln>
         </p:spPr>
         <p:txBody>
-          <a:bodyPr anchorCtr="0" anchor="t" bIns="45700" lIns="91425" rIns="91425" tIns="36000">
+          <a:bodyPr anchorCtr="0" anchor="t" bIns="45700" lIns="91425" rIns="91425" wrap="square" tIns="36000">
             <a:noAutofit/>
           </a:bodyPr>
           <a:lstStyle/>
@@ -15400,7 +15521,7 @@
         </p:nvSpPr>
         <p:spPr>
           <a:xfrm>
-            <a:off x="39152" y="109409"/>
+            <a:off x="39153" y="109410"/>
             <a:ext cx="720000" cy="540000"/>
           </a:xfrm>
           <a:prstGeom prst="rect">
@@ -15420,7 +15541,7 @@
           </a:ln>
         </p:spPr>
         <p:txBody>
-          <a:bodyPr anchorCtr="0" anchor="ctr" bIns="45700" lIns="0" rIns="0" tIns="45700">
+          <a:bodyPr anchorCtr="0" anchor="ctr" bIns="45700" lIns="0" rIns="0" wrap="square" tIns="45700">
             <a:noAutofit/>
           </a:bodyPr>
           <a:lstStyle/>
@@ -15455,7 +15576,7 @@
         </p:nvSpPr>
         <p:spPr>
           <a:xfrm>
-            <a:off x="831153" y="109409"/>
+            <a:off x="831153" y="109410"/>
             <a:ext cx="7380000" cy="540000"/>
           </a:xfrm>
           <a:prstGeom prst="rect">
@@ -15475,7 +15596,7 @@
           </a:ln>
         </p:spPr>
         <p:txBody>
-          <a:bodyPr anchorCtr="0" anchor="ctr" bIns="45700" lIns="91425" rIns="91425" tIns="45700">
+          <a:bodyPr anchorCtr="0" anchor="ctr" bIns="45700" lIns="91425" rIns="91425" wrap="square" tIns="45700">
             <a:noAutofit/>
           </a:bodyPr>
           <a:lstStyle/>
@@ -15510,7 +15631,7 @@
         </p:nvSpPr>
         <p:spPr>
           <a:xfrm>
-            <a:off x="39152" y="822470"/>
+            <a:off x="39153" y="822470"/>
             <a:ext cx="9828000" cy="2340000"/>
           </a:xfrm>
           <a:prstGeom prst="rect">
@@ -15530,7 +15651,7 @@
           </a:ln>
         </p:spPr>
         <p:txBody>
-          <a:bodyPr anchorCtr="0" anchor="t" bIns="45700" lIns="91425" rIns="91425" tIns="45700">
+          <a:bodyPr anchorCtr="0" anchor="t" bIns="45700" lIns="91425" rIns="91425" wrap="square" tIns="45700">
             <a:noAutofit/>
           </a:bodyPr>
           <a:lstStyle/>
@@ -15681,7 +15802,7 @@
           </a:ln>
         </p:spPr>
         <p:txBody>
-          <a:bodyPr anchorCtr="0" anchor="t" bIns="45700" lIns="91425" rIns="91425" tIns="36000">
+          <a:bodyPr anchorCtr="0" anchor="t" bIns="45700" lIns="91425" rIns="91425" wrap="square" tIns="36000">
             <a:noAutofit/>
           </a:bodyPr>
           <a:lstStyle/>
@@ -15753,6 +15874,31 @@
                 <a:cs typeface="Calibri"/>
                 <a:sym typeface="Calibri"/>
               </a:rPr>
+              <a:t>Text input field with submit button.</a:t>
+            </a:r>
+          </a:p>
+          <a:p>
+            <a:pPr indent="-342900" lvl="0" marL="457200" rtl="0">
+              <a:spcBef>
+                <a:spcPts val="0"/>
+              </a:spcBef>
+              <a:buClr>
+                <a:schemeClr val="dk1"/>
+              </a:buClr>
+              <a:buSzPct val="100000"/>
+              <a:buFont typeface="Calibri"/>
+              <a:buChar char="●"/>
+            </a:pPr>
+            <a:r>
+              <a:rPr lang="en-AU" sz="1800">
+                <a:solidFill>
+                  <a:schemeClr val="dk1"/>
+                </a:solidFill>
+                <a:latin typeface="Calibri"/>
+                <a:ea typeface="Calibri"/>
+                <a:cs typeface="Calibri"/>
+                <a:sym typeface="Calibri"/>
+              </a:rPr>
               <a:t>Search button to submit query to DB and display dynamic page.</a:t>
             </a:r>
           </a:p>
@@ -15766,7 +15912,7 @@
         </p:nvSpPr>
         <p:spPr>
           <a:xfrm>
-            <a:off x="9147153" y="109409"/>
+            <a:off x="9147153" y="109410"/>
             <a:ext cx="720000" cy="540000"/>
           </a:xfrm>
           <a:prstGeom prst="rect">
@@ -15788,7 +15934,7 @@
           </a:ln>
         </p:spPr>
         <p:txBody>
-          <a:bodyPr anchorCtr="0" anchor="ctr" bIns="45700" lIns="0" rIns="0" tIns="45700">
+          <a:bodyPr anchorCtr="0" anchor="ctr" bIns="45700" lIns="0" rIns="0" wrap="square" tIns="45700">
             <a:noAutofit/>
           </a:bodyPr>
           <a:lstStyle/>
@@ -15810,7 +15956,7 @@
                 <a:cs typeface="Calibri"/>
                 <a:sym typeface="Calibri"/>
               </a:rPr>
-              <a:t>3</a:t>
+              <a:t>2</a:t>
             </a:r>
           </a:p>
         </p:txBody>
@@ -15823,7 +15969,7 @@
         </p:nvSpPr>
         <p:spPr>
           <a:xfrm>
-            <a:off x="8283153" y="109409"/>
+            <a:off x="8283153" y="109410"/>
             <a:ext cx="792000" cy="540000"/>
           </a:xfrm>
           <a:prstGeom prst="rect">
@@ -15843,7 +15989,7 @@
           </a:ln>
         </p:spPr>
         <p:txBody>
-          <a:bodyPr anchorCtr="0" anchor="ctr" bIns="45700" lIns="0" rIns="0" tIns="45700">
+          <a:bodyPr anchorCtr="0" anchor="ctr" bIns="45700" lIns="0" rIns="0" wrap="square" tIns="45700">
             <a:noAutofit/>
           </a:bodyPr>
           <a:lstStyle/>
@@ -15898,7 +16044,7 @@
           </a:ln>
         </p:spPr>
         <p:txBody>
-          <a:bodyPr anchorCtr="0" anchor="t" bIns="45700" lIns="91425" rIns="91425" tIns="36000">
+          <a:bodyPr anchorCtr="0" anchor="t" bIns="45700" lIns="91425" rIns="91425" wrap="square" tIns="36000">
             <a:noAutofit/>
           </a:bodyPr>
           <a:lstStyle/>
@@ -15983,7 +16129,7 @@
         </p:nvSpPr>
         <p:spPr>
           <a:xfrm>
-            <a:off x="39152" y="109409"/>
+            <a:off x="39153" y="109410"/>
             <a:ext cx="720000" cy="540000"/>
           </a:xfrm>
           <a:prstGeom prst="rect">
@@ -16003,7 +16149,7 @@
           </a:ln>
         </p:spPr>
         <p:txBody>
-          <a:bodyPr anchorCtr="0" anchor="ctr" bIns="45700" lIns="0" rIns="0" tIns="45700">
+          <a:bodyPr anchorCtr="0" anchor="ctr" bIns="45700" lIns="0" rIns="0" wrap="square" tIns="45700">
             <a:noAutofit/>
           </a:bodyPr>
           <a:lstStyle/>
@@ -16038,7 +16184,7 @@
         </p:nvSpPr>
         <p:spPr>
           <a:xfrm>
-            <a:off x="831153" y="109409"/>
+            <a:off x="831153" y="109410"/>
             <a:ext cx="7380000" cy="540000"/>
           </a:xfrm>
           <a:prstGeom prst="rect">
@@ -16058,7 +16204,7 @@
           </a:ln>
         </p:spPr>
         <p:txBody>
-          <a:bodyPr anchorCtr="0" anchor="ctr" bIns="45700" lIns="91425" rIns="91425" tIns="45700">
+          <a:bodyPr anchorCtr="0" anchor="ctr" bIns="45700" lIns="91425" rIns="91425" wrap="square" tIns="45700">
             <a:noAutofit/>
           </a:bodyPr>
           <a:lstStyle/>
@@ -16093,7 +16239,7 @@
         </p:nvSpPr>
         <p:spPr>
           <a:xfrm>
-            <a:off x="39152" y="822470"/>
+            <a:off x="39153" y="822470"/>
             <a:ext cx="9828000" cy="2340000"/>
           </a:xfrm>
           <a:prstGeom prst="rect">
@@ -16113,7 +16259,7 @@
           </a:ln>
         </p:spPr>
         <p:txBody>
-          <a:bodyPr anchorCtr="0" anchor="t" bIns="45700" lIns="91425" rIns="91425" tIns="45700">
+          <a:bodyPr anchorCtr="0" anchor="t" bIns="45700" lIns="91425" rIns="91425" wrap="square" tIns="45700">
             <a:noAutofit/>
           </a:bodyPr>
           <a:lstStyle/>
@@ -16216,7 +16362,7 @@
           </a:ln>
         </p:spPr>
         <p:txBody>
-          <a:bodyPr anchorCtr="0" anchor="t" bIns="45700" lIns="91425" rIns="91425" tIns="36000">
+          <a:bodyPr anchorCtr="0" anchor="t" bIns="45700" lIns="91425" rIns="91425" wrap="square" tIns="36000">
             <a:noAutofit/>
           </a:bodyPr>
           <a:lstStyle/>
@@ -16326,7 +16472,7 @@
         </p:nvSpPr>
         <p:spPr>
           <a:xfrm>
-            <a:off x="9147153" y="109409"/>
+            <a:off x="9147153" y="109410"/>
             <a:ext cx="720000" cy="540000"/>
           </a:xfrm>
           <a:prstGeom prst="rect">
@@ -16348,7 +16494,7 @@
           </a:ln>
         </p:spPr>
         <p:txBody>
-          <a:bodyPr anchorCtr="0" anchor="ctr" bIns="45700" lIns="0" rIns="0" tIns="45700">
+          <a:bodyPr anchorCtr="0" anchor="ctr" bIns="45700" lIns="0" rIns="0" wrap="square" tIns="45700">
             <a:noAutofit/>
           </a:bodyPr>
           <a:lstStyle/>
@@ -16383,7 +16529,7 @@
         </p:nvSpPr>
         <p:spPr>
           <a:xfrm>
-            <a:off x="8283153" y="109409"/>
+            <a:off x="8283153" y="109410"/>
             <a:ext cx="792000" cy="540000"/>
           </a:xfrm>
           <a:prstGeom prst="rect">
@@ -16403,7 +16549,7 @@
           </a:ln>
         </p:spPr>
         <p:txBody>
-          <a:bodyPr anchorCtr="0" anchor="ctr" bIns="45700" lIns="0" rIns="0" tIns="45700">
+          <a:bodyPr anchorCtr="0" anchor="ctr" bIns="45700" lIns="0" rIns="0" wrap="square" tIns="45700">
             <a:noAutofit/>
           </a:bodyPr>
           <a:lstStyle/>
@@ -16458,7 +16604,7 @@
           </a:ln>
         </p:spPr>
         <p:txBody>
-          <a:bodyPr anchorCtr="0" anchor="t" bIns="45700" lIns="91425" rIns="91425" tIns="36000">
+          <a:bodyPr anchorCtr="0" anchor="t" bIns="45700" lIns="91425" rIns="91425" wrap="square" tIns="36000">
             <a:noAutofit/>
           </a:bodyPr>
           <a:lstStyle/>
@@ -16543,7 +16689,7 @@
         </p:nvSpPr>
         <p:spPr>
           <a:xfrm>
-            <a:off x="39152" y="109409"/>
+            <a:off x="39153" y="109410"/>
             <a:ext cx="720000" cy="540000"/>
           </a:xfrm>
           <a:prstGeom prst="rect">
@@ -16563,7 +16709,7 @@
           </a:ln>
         </p:spPr>
         <p:txBody>
-          <a:bodyPr anchorCtr="0" anchor="ctr" bIns="45700" lIns="0" rIns="0" tIns="45700">
+          <a:bodyPr anchorCtr="0" anchor="ctr" bIns="45700" lIns="0" rIns="0" wrap="square" tIns="45700">
             <a:noAutofit/>
           </a:bodyPr>
           <a:lstStyle/>
@@ -16598,7 +16744,7 @@
         </p:nvSpPr>
         <p:spPr>
           <a:xfrm>
-            <a:off x="831153" y="109409"/>
+            <a:off x="831153" y="109410"/>
             <a:ext cx="7380000" cy="540000"/>
           </a:xfrm>
           <a:prstGeom prst="rect">
@@ -16618,7 +16764,7 @@
           </a:ln>
         </p:spPr>
         <p:txBody>
-          <a:bodyPr anchorCtr="0" anchor="ctr" bIns="45700" lIns="91425" rIns="91425" tIns="45700">
+          <a:bodyPr anchorCtr="0" anchor="ctr" bIns="45700" lIns="91425" rIns="91425" wrap="square" tIns="45700">
             <a:noAutofit/>
           </a:bodyPr>
           <a:lstStyle/>
@@ -16653,7 +16799,7 @@
         </p:nvSpPr>
         <p:spPr>
           <a:xfrm>
-            <a:off x="39152" y="822470"/>
+            <a:off x="39153" y="822470"/>
             <a:ext cx="9828000" cy="2340000"/>
           </a:xfrm>
           <a:prstGeom prst="rect">
@@ -16673,7 +16819,7 @@
           </a:ln>
         </p:spPr>
         <p:txBody>
-          <a:bodyPr anchorCtr="0" anchor="t" bIns="45700" lIns="91425" rIns="91425" tIns="45700">
+          <a:bodyPr anchorCtr="0" anchor="t" bIns="45700" lIns="91425" rIns="91425" wrap="square" tIns="45700">
             <a:noAutofit/>
           </a:bodyPr>
           <a:lstStyle/>
@@ -16776,7 +16922,7 @@
           </a:ln>
         </p:spPr>
         <p:txBody>
-          <a:bodyPr anchorCtr="0" anchor="t" bIns="45700" lIns="91425" rIns="91425" tIns="36000">
+          <a:bodyPr anchorCtr="0" anchor="t" bIns="45700" lIns="91425" rIns="91425" wrap="square" tIns="36000">
             <a:noAutofit/>
           </a:bodyPr>
           <a:lstStyle/>
@@ -16851,6 +16997,31 @@
               <a:t>Webpage refreshed and is recreated/represented to user with new sorting method</a:t>
             </a:r>
           </a:p>
+          <a:p>
+            <a:pPr indent="-342900" lvl="0" marL="457200" rtl="0">
+              <a:spcBef>
+                <a:spcPts val="0"/>
+              </a:spcBef>
+              <a:buClr>
+                <a:schemeClr val="dk1"/>
+              </a:buClr>
+              <a:buSzPct val="100000"/>
+              <a:buFont typeface="Calibri"/>
+              <a:buChar char="●"/>
+            </a:pPr>
+            <a:r>
+              <a:rPr lang="en-AU" sz="1800">
+                <a:solidFill>
+                  <a:schemeClr val="dk1"/>
+                </a:solidFill>
+                <a:latin typeface="Calibri"/>
+                <a:ea typeface="Calibri"/>
+                <a:cs typeface="Calibri"/>
+                <a:sym typeface="Calibri"/>
+              </a:rPr>
+              <a:t>Options for users to change sort type</a:t>
+            </a:r>
+          </a:p>
         </p:txBody>
       </p:sp>
       <p:sp>
@@ -16861,7 +17032,7 @@
         </p:nvSpPr>
         <p:spPr>
           <a:xfrm>
-            <a:off x="9147153" y="109409"/>
+            <a:off x="9147153" y="109410"/>
             <a:ext cx="720000" cy="540000"/>
           </a:xfrm>
           <a:prstGeom prst="rect">
@@ -16883,7 +17054,7 @@
           </a:ln>
         </p:spPr>
         <p:txBody>
-          <a:bodyPr anchorCtr="0" anchor="ctr" bIns="45700" lIns="0" rIns="0" tIns="45700">
+          <a:bodyPr anchorCtr="0" anchor="ctr" bIns="45700" lIns="0" rIns="0" wrap="square" tIns="45700">
             <a:noAutofit/>
           </a:bodyPr>
           <a:lstStyle/>
@@ -16905,7 +17076,7 @@
                 <a:cs typeface="Calibri"/>
                 <a:sym typeface="Calibri"/>
               </a:rPr>
-              <a:t>2</a:t>
+              <a:t>3</a:t>
             </a:r>
           </a:p>
         </p:txBody>
@@ -16918,7 +17089,7 @@
         </p:nvSpPr>
         <p:spPr>
           <a:xfrm>
-            <a:off x="8283153" y="109409"/>
+            <a:off x="8283153" y="109410"/>
             <a:ext cx="792000" cy="540000"/>
           </a:xfrm>
           <a:prstGeom prst="rect">
@@ -16938,7 +17109,7 @@
           </a:ln>
         </p:spPr>
         <p:txBody>
-          <a:bodyPr anchorCtr="0" anchor="ctr" bIns="45700" lIns="0" rIns="0" tIns="45700">
+          <a:bodyPr anchorCtr="0" anchor="ctr" bIns="45700" lIns="0" rIns="0" wrap="square" tIns="45700">
             <a:noAutofit/>
           </a:bodyPr>
           <a:lstStyle/>
@@ -16993,7 +17164,7 @@
           </a:ln>
         </p:spPr>
         <p:txBody>
-          <a:bodyPr anchorCtr="0" anchor="t" bIns="45700" lIns="91425" rIns="91425" tIns="36000">
+          <a:bodyPr anchorCtr="0" anchor="t" bIns="45700" lIns="91425" rIns="91425" wrap="square" tIns="36000">
             <a:noAutofit/>
           </a:bodyPr>
           <a:lstStyle/>
@@ -17078,7 +17249,7 @@
         </p:nvSpPr>
         <p:spPr>
           <a:xfrm>
-            <a:off x="39152" y="109409"/>
+            <a:off x="39153" y="109410"/>
             <a:ext cx="720000" cy="540000"/>
           </a:xfrm>
           <a:prstGeom prst="rect">
@@ -17098,7 +17269,7 @@
           </a:ln>
         </p:spPr>
         <p:txBody>
-          <a:bodyPr anchorCtr="0" anchor="ctr" bIns="45700" lIns="0" rIns="0" tIns="45700">
+          <a:bodyPr anchorCtr="0" anchor="ctr" bIns="45700" lIns="0" rIns="0" wrap="square" tIns="45700">
             <a:noAutofit/>
           </a:bodyPr>
           <a:lstStyle/>
@@ -17133,7 +17304,7 @@
         </p:nvSpPr>
         <p:spPr>
           <a:xfrm>
-            <a:off x="831153" y="109409"/>
+            <a:off x="831153" y="109410"/>
             <a:ext cx="7380000" cy="540000"/>
           </a:xfrm>
           <a:prstGeom prst="rect">
@@ -17153,7 +17324,7 @@
           </a:ln>
         </p:spPr>
         <p:txBody>
-          <a:bodyPr anchorCtr="0" anchor="ctr" bIns="45700" lIns="91425" rIns="91425" tIns="45700">
+          <a:bodyPr anchorCtr="0" anchor="ctr" bIns="45700" lIns="91425" rIns="91425" wrap="square" tIns="45700">
             <a:noAutofit/>
           </a:bodyPr>
           <a:lstStyle/>
@@ -17188,7 +17359,7 @@
         </p:nvSpPr>
         <p:spPr>
           <a:xfrm>
-            <a:off x="39152" y="822470"/>
+            <a:off x="39153" y="822470"/>
             <a:ext cx="9828000" cy="2340000"/>
           </a:xfrm>
           <a:prstGeom prst="rect">
@@ -17208,7 +17379,7 @@
           </a:ln>
         </p:spPr>
         <p:txBody>
-          <a:bodyPr anchorCtr="0" anchor="t" bIns="45700" lIns="91425" rIns="91425" tIns="45700">
+          <a:bodyPr anchorCtr="0" anchor="t" bIns="45700" lIns="91425" rIns="91425" wrap="square" tIns="45700">
             <a:noAutofit/>
           </a:bodyPr>
           <a:lstStyle/>
@@ -17263,7 +17434,7 @@
           </a:ln>
         </p:spPr>
         <p:txBody>
-          <a:bodyPr anchorCtr="0" anchor="t" bIns="45700" lIns="91425" rIns="91425" tIns="36000">
+          <a:bodyPr anchorCtr="0" anchor="t" bIns="45700" lIns="91425" rIns="91425" wrap="square" tIns="36000">
             <a:noAutofit/>
           </a:bodyPr>
           <a:lstStyle/>
@@ -17398,7 +17569,7 @@
         </p:nvSpPr>
         <p:spPr>
           <a:xfrm>
-            <a:off x="9147153" y="109409"/>
+            <a:off x="9147153" y="109410"/>
             <a:ext cx="720000" cy="540000"/>
           </a:xfrm>
           <a:prstGeom prst="rect">
@@ -17420,7 +17591,7 @@
           </a:ln>
         </p:spPr>
         <p:txBody>
-          <a:bodyPr anchorCtr="0" anchor="ctr" bIns="45700" lIns="0" rIns="0" tIns="45700">
+          <a:bodyPr anchorCtr="0" anchor="ctr" bIns="45700" lIns="0" rIns="0" wrap="square" tIns="45700">
             <a:noAutofit/>
           </a:bodyPr>
           <a:lstStyle/>
@@ -17455,7 +17626,7 @@
         </p:nvSpPr>
         <p:spPr>
           <a:xfrm>
-            <a:off x="8283153" y="109409"/>
+            <a:off x="8283153" y="109410"/>
             <a:ext cx="792000" cy="540000"/>
           </a:xfrm>
           <a:prstGeom prst="rect">
@@ -17475,7 +17646,7 @@
           </a:ln>
         </p:spPr>
         <p:txBody>
-          <a:bodyPr anchorCtr="0" anchor="ctr" bIns="45700" lIns="0" rIns="0" tIns="45700">
+          <a:bodyPr anchorCtr="0" anchor="ctr" bIns="45700" lIns="0" rIns="0" wrap="square" tIns="45700">
             <a:noAutofit/>
           </a:bodyPr>
           <a:lstStyle/>
@@ -17530,7 +17701,7 @@
           </a:ln>
         </p:spPr>
         <p:txBody>
-          <a:bodyPr anchorCtr="0" anchor="t" bIns="45700" lIns="91425" rIns="91425" tIns="36000">
+          <a:bodyPr anchorCtr="0" anchor="t" bIns="45700" lIns="91425" rIns="91425" wrap="square" tIns="36000">
             <a:noAutofit/>
           </a:bodyPr>
           <a:lstStyle/>
@@ -17615,7 +17786,7 @@
         </p:nvSpPr>
         <p:spPr>
           <a:xfrm>
-            <a:off x="39152" y="109409"/>
+            <a:off x="39153" y="109410"/>
             <a:ext cx="720000" cy="540000"/>
           </a:xfrm>
           <a:prstGeom prst="rect">
@@ -17635,7 +17806,7 @@
           </a:ln>
         </p:spPr>
         <p:txBody>
-          <a:bodyPr anchorCtr="0" anchor="ctr" bIns="45700" lIns="0" rIns="0" tIns="45700">
+          <a:bodyPr anchorCtr="0" anchor="ctr" bIns="45700" lIns="0" rIns="0" wrap="square" tIns="45700">
             <a:noAutofit/>
           </a:bodyPr>
           <a:lstStyle/>
@@ -17670,7 +17841,7 @@
         </p:nvSpPr>
         <p:spPr>
           <a:xfrm>
-            <a:off x="831153" y="109409"/>
+            <a:off x="831153" y="109410"/>
             <a:ext cx="7380000" cy="540000"/>
           </a:xfrm>
           <a:prstGeom prst="rect">
@@ -17690,7 +17861,7 @@
           </a:ln>
         </p:spPr>
         <p:txBody>
-          <a:bodyPr anchorCtr="0" anchor="ctr" bIns="45700" lIns="91425" rIns="91425" tIns="45700">
+          <a:bodyPr anchorCtr="0" anchor="ctr" bIns="45700" lIns="91425" rIns="91425" wrap="square" tIns="45700">
             <a:noAutofit/>
           </a:bodyPr>
           <a:lstStyle/>
@@ -17725,7 +17896,7 @@
         </p:nvSpPr>
         <p:spPr>
           <a:xfrm>
-            <a:off x="39152" y="822470"/>
+            <a:off x="39153" y="822470"/>
             <a:ext cx="9828000" cy="2340000"/>
           </a:xfrm>
           <a:prstGeom prst="rect">
@@ -17745,7 +17916,7 @@
           </a:ln>
         </p:spPr>
         <p:txBody>
-          <a:bodyPr anchorCtr="0" anchor="t" bIns="45700" lIns="91425" rIns="91425" tIns="45700">
+          <a:bodyPr anchorCtr="0" anchor="t" bIns="45700" lIns="91425" rIns="91425" wrap="square" tIns="45700">
             <a:noAutofit/>
           </a:bodyPr>
           <a:lstStyle/>
@@ -17800,7 +17971,7 @@
           </a:ln>
         </p:spPr>
         <p:txBody>
-          <a:bodyPr anchorCtr="0" anchor="t" bIns="45700" lIns="91425" rIns="91425" tIns="36000">
+          <a:bodyPr anchorCtr="0" anchor="t" bIns="45700" lIns="91425" rIns="91425" wrap="square" tIns="36000">
             <a:noAutofit/>
           </a:bodyPr>
           <a:lstStyle/>
@@ -17910,7 +18081,7 @@
         </p:nvSpPr>
         <p:spPr>
           <a:xfrm>
-            <a:off x="9147153" y="109409"/>
+            <a:off x="9147153" y="109410"/>
             <a:ext cx="720000" cy="540000"/>
           </a:xfrm>
           <a:prstGeom prst="rect">
@@ -17932,7 +18103,7 @@
           </a:ln>
         </p:spPr>
         <p:txBody>
-          <a:bodyPr anchorCtr="0" anchor="ctr" bIns="45700" lIns="0" rIns="0" tIns="45700">
+          <a:bodyPr anchorCtr="0" anchor="ctr" bIns="45700" lIns="0" rIns="0" wrap="square" tIns="45700">
             <a:noAutofit/>
           </a:bodyPr>
           <a:lstStyle/>
@@ -17954,7 +18125,7 @@
                 <a:cs typeface="Calibri"/>
                 <a:sym typeface="Calibri"/>
               </a:rPr>
-              <a:t>2</a:t>
+              <a:t>1</a:t>
             </a:r>
           </a:p>
         </p:txBody>
@@ -17967,7 +18138,7 @@
         </p:nvSpPr>
         <p:spPr>
           <a:xfrm>
-            <a:off x="8283153" y="109409"/>
+            <a:off x="8283153" y="109410"/>
             <a:ext cx="792000" cy="540000"/>
           </a:xfrm>
           <a:prstGeom prst="rect">
@@ -17987,7 +18158,7 @@
           </a:ln>
         </p:spPr>
         <p:txBody>
-          <a:bodyPr anchorCtr="0" anchor="ctr" bIns="45700" lIns="0" rIns="0" tIns="45700">
+          <a:bodyPr anchorCtr="0" anchor="ctr" bIns="45700" lIns="0" rIns="0" wrap="square" tIns="45700">
             <a:noAutofit/>
           </a:bodyPr>
           <a:lstStyle/>
@@ -18042,7 +18213,7 @@
           </a:ln>
         </p:spPr>
         <p:txBody>
-          <a:bodyPr anchorCtr="0" anchor="t" bIns="45700" lIns="91425" rIns="91425" tIns="36000">
+          <a:bodyPr anchorCtr="0" anchor="t" bIns="45700" lIns="91425" rIns="91425" wrap="square" tIns="36000">
             <a:noAutofit/>
           </a:bodyPr>
           <a:lstStyle/>
@@ -18127,7 +18298,7 @@
         </p:nvSpPr>
         <p:spPr>
           <a:xfrm>
-            <a:off x="39152" y="109409"/>
+            <a:off x="39153" y="109410"/>
             <a:ext cx="720000" cy="540000"/>
           </a:xfrm>
           <a:prstGeom prst="rect">
@@ -18147,7 +18318,7 @@
           </a:ln>
         </p:spPr>
         <p:txBody>
-          <a:bodyPr anchorCtr="0" anchor="ctr" bIns="45700" lIns="0" rIns="0" tIns="45700">
+          <a:bodyPr anchorCtr="0" anchor="ctr" bIns="45700" lIns="0" rIns="0" wrap="square" tIns="45700">
             <a:noAutofit/>
           </a:bodyPr>
           <a:lstStyle/>
@@ -18182,7 +18353,7 @@
         </p:nvSpPr>
         <p:spPr>
           <a:xfrm>
-            <a:off x="831153" y="109409"/>
+            <a:off x="831153" y="109410"/>
             <a:ext cx="7380000" cy="540000"/>
           </a:xfrm>
           <a:prstGeom prst="rect">
@@ -18202,7 +18373,7 @@
           </a:ln>
         </p:spPr>
         <p:txBody>
-          <a:bodyPr anchorCtr="0" anchor="ctr" bIns="45700" lIns="91425" rIns="91425" tIns="45700">
+          <a:bodyPr anchorCtr="0" anchor="ctr" bIns="45700" lIns="91425" rIns="91425" wrap="square" tIns="45700">
             <a:noAutofit/>
           </a:bodyPr>
           <a:lstStyle/>
@@ -18237,7 +18408,7 @@
         </p:nvSpPr>
         <p:spPr>
           <a:xfrm>
-            <a:off x="39152" y="822470"/>
+            <a:off x="39153" y="822470"/>
             <a:ext cx="9828000" cy="2340000"/>
           </a:xfrm>
           <a:prstGeom prst="rect">
@@ -18257,7 +18428,7 @@
           </a:ln>
         </p:spPr>
         <p:txBody>
-          <a:bodyPr anchorCtr="0" anchor="t" bIns="45700" lIns="91425" rIns="91425" tIns="45700">
+          <a:bodyPr anchorCtr="0" anchor="t" bIns="45700" lIns="91425" rIns="91425" wrap="square" tIns="45700">
             <a:noAutofit/>
           </a:bodyPr>
           <a:lstStyle/>
@@ -18312,7 +18483,7 @@
           </a:ln>
         </p:spPr>
         <p:txBody>
-          <a:bodyPr anchorCtr="0" anchor="t" bIns="45700" lIns="91425" rIns="91425" tIns="36000">
+          <a:bodyPr anchorCtr="0" anchor="t" bIns="45700" lIns="91425" rIns="91425" wrap="square" tIns="36000">
             <a:noAutofit/>
           </a:bodyPr>
           <a:lstStyle/>
@@ -18387,6 +18558,31 @@
               <a:t>Easily accessible and readable</a:t>
             </a:r>
           </a:p>
+          <a:p>
+            <a:pPr indent="-342900" lvl="0" marL="457200" rtl="0">
+              <a:spcBef>
+                <a:spcPts val="0"/>
+              </a:spcBef>
+              <a:buClr>
+                <a:schemeClr val="dk1"/>
+              </a:buClr>
+              <a:buSzPct val="100000"/>
+              <a:buFont typeface="Calibri"/>
+              <a:buChar char="●"/>
+            </a:pPr>
+            <a:r>
+              <a:rPr lang="en-AU" sz="1800">
+                <a:solidFill>
+                  <a:schemeClr val="dk1"/>
+                </a:solidFill>
+                <a:latin typeface="Calibri"/>
+                <a:ea typeface="Calibri"/>
+                <a:cs typeface="Calibri"/>
+                <a:sym typeface="Calibri"/>
+              </a:rPr>
+              <a:t>Admins responsible for replying / reading customer emails</a:t>
+            </a:r>
+          </a:p>
         </p:txBody>
       </p:sp>
       <p:sp>
@@ -18397,7 +18593,7 @@
         </p:nvSpPr>
         <p:spPr>
           <a:xfrm>
-            <a:off x="9147153" y="109409"/>
+            <a:off x="9147153" y="109410"/>
             <a:ext cx="720000" cy="540000"/>
           </a:xfrm>
           <a:prstGeom prst="rect">
@@ -18419,7 +18615,7 @@
           </a:ln>
         </p:spPr>
         <p:txBody>
-          <a:bodyPr anchorCtr="0" anchor="ctr" bIns="45700" lIns="0" rIns="0" tIns="45700">
+          <a:bodyPr anchorCtr="0" anchor="ctr" bIns="45700" lIns="0" rIns="0" wrap="square" tIns="45700">
             <a:noAutofit/>
           </a:bodyPr>
           <a:lstStyle/>
@@ -18454,7 +18650,7 @@
         </p:nvSpPr>
         <p:spPr>
           <a:xfrm>
-            <a:off x="8283153" y="109409"/>
+            <a:off x="8283153" y="109410"/>
             <a:ext cx="792000" cy="540000"/>
           </a:xfrm>
           <a:prstGeom prst="rect">
@@ -18474,7 +18670,7 @@
           </a:ln>
         </p:spPr>
         <p:txBody>
-          <a:bodyPr anchorCtr="0" anchor="ctr" bIns="45700" lIns="0" rIns="0" tIns="45700">
+          <a:bodyPr anchorCtr="0" anchor="ctr" bIns="45700" lIns="0" rIns="0" wrap="square" tIns="45700">
             <a:noAutofit/>
           </a:bodyPr>
           <a:lstStyle/>
@@ -18529,7 +18725,7 @@
           </a:ln>
         </p:spPr>
         <p:txBody>
-          <a:bodyPr anchorCtr="0" anchor="t" bIns="45700" lIns="91425" rIns="91425" tIns="36000">
+          <a:bodyPr anchorCtr="0" anchor="t" bIns="45700" lIns="91425" rIns="91425" wrap="square" tIns="36000">
             <a:noAutofit/>
           </a:bodyPr>
           <a:lstStyle/>
@@ -18614,7 +18810,7 @@
         </p:nvSpPr>
         <p:spPr>
           <a:xfrm>
-            <a:off x="39152" y="109409"/>
+            <a:off x="39153" y="109410"/>
             <a:ext cx="720000" cy="540000"/>
           </a:xfrm>
           <a:prstGeom prst="rect">
@@ -18634,7 +18830,7 @@
           </a:ln>
         </p:spPr>
         <p:txBody>
-          <a:bodyPr anchorCtr="0" anchor="ctr" bIns="45700" lIns="0" rIns="0" tIns="45700">
+          <a:bodyPr anchorCtr="0" anchor="ctr" bIns="45700" lIns="0" rIns="0" wrap="square" tIns="45700">
             <a:noAutofit/>
           </a:bodyPr>
           <a:lstStyle/>
@@ -18669,7 +18865,7 @@
         </p:nvSpPr>
         <p:spPr>
           <a:xfrm>
-            <a:off x="831153" y="109409"/>
+            <a:off x="831153" y="109410"/>
             <a:ext cx="7380000" cy="540000"/>
           </a:xfrm>
           <a:prstGeom prst="rect">
@@ -18689,7 +18885,7 @@
           </a:ln>
         </p:spPr>
         <p:txBody>
-          <a:bodyPr anchorCtr="0" anchor="ctr" bIns="45700" lIns="91425" rIns="91425" tIns="45700">
+          <a:bodyPr anchorCtr="0" anchor="ctr" bIns="45700" lIns="91425" rIns="91425" wrap="square" tIns="45700">
             <a:noAutofit/>
           </a:bodyPr>
           <a:lstStyle/>
@@ -18724,7 +18920,7 @@
         </p:nvSpPr>
         <p:spPr>
           <a:xfrm>
-            <a:off x="39152" y="822470"/>
+            <a:off x="39153" y="822470"/>
             <a:ext cx="9828000" cy="2340000"/>
           </a:xfrm>
           <a:prstGeom prst="rect">
@@ -18744,7 +18940,7 @@
           </a:ln>
         </p:spPr>
         <p:txBody>
-          <a:bodyPr anchorCtr="0" anchor="t" bIns="45700" lIns="91425" rIns="91425" tIns="45700">
+          <a:bodyPr anchorCtr="0" anchor="t" bIns="45700" lIns="91425" rIns="91425" wrap="square" tIns="45700">
             <a:noAutofit/>
           </a:bodyPr>
           <a:lstStyle/>
@@ -18847,7 +19043,7 @@
           </a:ln>
         </p:spPr>
         <p:txBody>
-          <a:bodyPr anchorCtr="0" anchor="t" bIns="45700" lIns="91425" rIns="91425" tIns="36000">
+          <a:bodyPr anchorCtr="0" anchor="t" bIns="45700" lIns="91425" rIns="91425" wrap="square" tIns="36000">
             <a:noAutofit/>
           </a:bodyPr>
           <a:lstStyle/>
@@ -18957,7 +19153,7 @@
         </p:nvSpPr>
         <p:spPr>
           <a:xfrm>
-            <a:off x="9147153" y="109409"/>
+            <a:off x="9147153" y="109410"/>
             <a:ext cx="720000" cy="540000"/>
           </a:xfrm>
           <a:prstGeom prst="rect">
@@ -18979,7 +19175,7 @@
           </a:ln>
         </p:spPr>
         <p:txBody>
-          <a:bodyPr anchorCtr="0" anchor="ctr" bIns="45700" lIns="0" rIns="0" tIns="45700">
+          <a:bodyPr anchorCtr="0" anchor="ctr" bIns="45700" lIns="0" rIns="0" wrap="square" tIns="45700">
             <a:noAutofit/>
           </a:bodyPr>
           <a:lstStyle/>
@@ -19014,7 +19210,7 @@
         </p:nvSpPr>
         <p:spPr>
           <a:xfrm>
-            <a:off x="8283153" y="109409"/>
+            <a:off x="8283153" y="109410"/>
             <a:ext cx="792000" cy="540000"/>
           </a:xfrm>
           <a:prstGeom prst="rect">
@@ -19034,7 +19230,7 @@
           </a:ln>
         </p:spPr>
         <p:txBody>
-          <a:bodyPr anchorCtr="0" anchor="ctr" bIns="45700" lIns="0" rIns="0" tIns="45700">
+          <a:bodyPr anchorCtr="0" anchor="ctr" bIns="45700" lIns="0" rIns="0" wrap="square" tIns="45700">
             <a:noAutofit/>
           </a:bodyPr>
           <a:lstStyle/>
@@ -19089,7 +19285,7 @@
           </a:ln>
         </p:spPr>
         <p:txBody>
-          <a:bodyPr anchorCtr="0" anchor="t" bIns="45700" lIns="91425" rIns="91425" tIns="36000">
+          <a:bodyPr anchorCtr="0" anchor="t" bIns="45700" lIns="91425" rIns="91425" wrap="square" tIns="36000">
             <a:noAutofit/>
           </a:bodyPr>
           <a:lstStyle/>
@@ -19176,7 +19372,7 @@
         </p:nvSpPr>
         <p:spPr>
           <a:xfrm>
-            <a:off x="160215" y="867508"/>
+            <a:off x="160215" y="867509"/>
             <a:ext cx="9585600" cy="5258700"/>
           </a:xfrm>
           <a:prstGeom prst="rect">
@@ -19188,7 +19384,7 @@
           </a:ln>
         </p:spPr>
         <p:txBody>
-          <a:bodyPr anchorCtr="0" anchor="t" bIns="45700" lIns="91425" rIns="91425" tIns="45700">
+          <a:bodyPr anchorCtr="0" anchor="t" bIns="45700" lIns="91425" rIns="91425" wrap="square" tIns="45700">
             <a:noAutofit/>
           </a:bodyPr>
           <a:lstStyle/>
@@ -19270,7 +19466,7 @@
         </p:nvSpPr>
         <p:spPr>
           <a:xfrm>
-            <a:off x="101505" y="109409"/>
+            <a:off x="101505" y="109410"/>
             <a:ext cx="9691200" cy="540000"/>
           </a:xfrm>
           <a:prstGeom prst="rect">
@@ -19290,7 +19486,7 @@
           </a:ln>
         </p:spPr>
         <p:txBody>
-          <a:bodyPr anchorCtr="0" anchor="ctr" bIns="45700" lIns="91425" rIns="91425" tIns="45700">
+          <a:bodyPr anchorCtr="0" anchor="ctr" bIns="45700" lIns="91425" rIns="91425" wrap="square" tIns="45700">
             <a:noAutofit/>
           </a:bodyPr>
           <a:lstStyle/>
@@ -19350,7 +19546,7 @@
         </p:nvSpPr>
         <p:spPr>
           <a:xfrm>
-            <a:off x="39152" y="109409"/>
+            <a:off x="39153" y="109410"/>
             <a:ext cx="720000" cy="540000"/>
           </a:xfrm>
           <a:prstGeom prst="rect">
@@ -19370,7 +19566,7 @@
           </a:ln>
         </p:spPr>
         <p:txBody>
-          <a:bodyPr anchorCtr="0" anchor="ctr" bIns="45700" lIns="0" rIns="0" tIns="45700">
+          <a:bodyPr anchorCtr="0" anchor="ctr" bIns="45700" lIns="0" rIns="0" wrap="square" tIns="45700">
             <a:noAutofit/>
           </a:bodyPr>
           <a:lstStyle/>
@@ -19405,7 +19601,7 @@
         </p:nvSpPr>
         <p:spPr>
           <a:xfrm>
-            <a:off x="831153" y="109409"/>
+            <a:off x="831153" y="109410"/>
             <a:ext cx="7380000" cy="540000"/>
           </a:xfrm>
           <a:prstGeom prst="rect">
@@ -19425,7 +19621,7 @@
           </a:ln>
         </p:spPr>
         <p:txBody>
-          <a:bodyPr anchorCtr="0" anchor="ctr" bIns="45700" lIns="91425" rIns="91425" tIns="45700">
+          <a:bodyPr anchorCtr="0" anchor="ctr" bIns="45700" lIns="91425" rIns="91425" wrap="square" tIns="45700">
             <a:noAutofit/>
           </a:bodyPr>
           <a:lstStyle/>
@@ -19460,7 +19656,7 @@
         </p:nvSpPr>
         <p:spPr>
           <a:xfrm>
-            <a:off x="39152" y="822470"/>
+            <a:off x="39153" y="822470"/>
             <a:ext cx="9828000" cy="2340000"/>
           </a:xfrm>
           <a:prstGeom prst="rect">
@@ -19480,7 +19676,7 @@
           </a:ln>
         </p:spPr>
         <p:txBody>
-          <a:bodyPr anchorCtr="0" anchor="t" bIns="45700" lIns="91425" rIns="91425" tIns="45700">
+          <a:bodyPr anchorCtr="0" anchor="t" bIns="45700" lIns="91425" rIns="91425" wrap="square" tIns="45700">
             <a:noAutofit/>
           </a:bodyPr>
           <a:lstStyle/>
@@ -19535,7 +19731,7 @@
           </a:ln>
         </p:spPr>
         <p:txBody>
-          <a:bodyPr anchorCtr="0" anchor="t" bIns="45700" lIns="91425" rIns="91425" tIns="36000">
+          <a:bodyPr anchorCtr="0" anchor="t" bIns="45700" lIns="91425" rIns="91425" wrap="square" tIns="36000">
             <a:noAutofit/>
           </a:bodyPr>
           <a:lstStyle/>
@@ -19610,6 +19806,31 @@
               <a:t>Links to respective pages</a:t>
             </a:r>
           </a:p>
+          <a:p>
+            <a:pPr indent="-342900" lvl="0" marL="457200" rtl="0">
+              <a:spcBef>
+                <a:spcPts val="0"/>
+              </a:spcBef>
+              <a:buClr>
+                <a:schemeClr val="dk1"/>
+              </a:buClr>
+              <a:buSzPct val="100000"/>
+              <a:buFont typeface="Calibri"/>
+              <a:buChar char="●"/>
+            </a:pPr>
+            <a:r>
+              <a:rPr lang="en-AU" sz="1800">
+                <a:solidFill>
+                  <a:schemeClr val="dk1"/>
+                </a:solidFill>
+                <a:latin typeface="Calibri"/>
+                <a:ea typeface="Calibri"/>
+                <a:cs typeface="Calibri"/>
+                <a:sym typeface="Calibri"/>
+              </a:rPr>
+              <a:t>Clean GUI with easily accessible pages </a:t>
+            </a:r>
+          </a:p>
         </p:txBody>
       </p:sp>
       <p:sp>
@@ -19620,7 +19841,7 @@
         </p:nvSpPr>
         <p:spPr>
           <a:xfrm>
-            <a:off x="9147153" y="109409"/>
+            <a:off x="9147153" y="109410"/>
             <a:ext cx="720000" cy="540000"/>
           </a:xfrm>
           <a:prstGeom prst="rect">
@@ -19642,7 +19863,7 @@
           </a:ln>
         </p:spPr>
         <p:txBody>
-          <a:bodyPr anchorCtr="0" anchor="ctr" bIns="45700" lIns="0" rIns="0" tIns="45700">
+          <a:bodyPr anchorCtr="0" anchor="ctr" bIns="45700" lIns="0" rIns="0" wrap="square" tIns="45700">
             <a:noAutofit/>
           </a:bodyPr>
           <a:lstStyle/>
@@ -19677,7 +19898,7 @@
         </p:nvSpPr>
         <p:spPr>
           <a:xfrm>
-            <a:off x="8283153" y="109409"/>
+            <a:off x="8283153" y="109410"/>
             <a:ext cx="792000" cy="540000"/>
           </a:xfrm>
           <a:prstGeom prst="rect">
@@ -19697,7 +19918,7 @@
           </a:ln>
         </p:spPr>
         <p:txBody>
-          <a:bodyPr anchorCtr="0" anchor="ctr" bIns="45700" lIns="0" rIns="0" tIns="45700">
+          <a:bodyPr anchorCtr="0" anchor="ctr" bIns="45700" lIns="0" rIns="0" wrap="square" tIns="45700">
             <a:noAutofit/>
           </a:bodyPr>
           <a:lstStyle/>
@@ -19752,7 +19973,7 @@
           </a:ln>
         </p:spPr>
         <p:txBody>
-          <a:bodyPr anchorCtr="0" anchor="t" bIns="45700" lIns="91425" rIns="91425" tIns="36000">
+          <a:bodyPr anchorCtr="0" anchor="t" bIns="45700" lIns="91425" rIns="91425" wrap="square" tIns="36000">
             <a:noAutofit/>
           </a:bodyPr>
           <a:lstStyle/>
@@ -19837,7 +20058,7 @@
         </p:nvSpPr>
         <p:spPr>
           <a:xfrm>
-            <a:off x="39152" y="109409"/>
+            <a:off x="39153" y="109410"/>
             <a:ext cx="720000" cy="540000"/>
           </a:xfrm>
           <a:prstGeom prst="rect">
@@ -19857,7 +20078,7 @@
           </a:ln>
         </p:spPr>
         <p:txBody>
-          <a:bodyPr anchorCtr="0" anchor="ctr" bIns="45700" lIns="0" rIns="0" tIns="45700">
+          <a:bodyPr anchorCtr="0" anchor="ctr" bIns="45700" lIns="0" rIns="0" wrap="square" tIns="45700">
             <a:noAutofit/>
           </a:bodyPr>
           <a:lstStyle/>
@@ -19892,7 +20113,7 @@
         </p:nvSpPr>
         <p:spPr>
           <a:xfrm>
-            <a:off x="831153" y="109409"/>
+            <a:off x="831153" y="109410"/>
             <a:ext cx="7380000" cy="540000"/>
           </a:xfrm>
           <a:prstGeom prst="rect">
@@ -19912,7 +20133,7 @@
           </a:ln>
         </p:spPr>
         <p:txBody>
-          <a:bodyPr anchorCtr="0" anchor="ctr" bIns="45700" lIns="91425" rIns="91425" tIns="45700">
+          <a:bodyPr anchorCtr="0" anchor="ctr" bIns="45700" lIns="91425" rIns="91425" wrap="square" tIns="45700">
             <a:noAutofit/>
           </a:bodyPr>
           <a:lstStyle/>
@@ -19947,7 +20168,7 @@
         </p:nvSpPr>
         <p:spPr>
           <a:xfrm>
-            <a:off x="39152" y="822470"/>
+            <a:off x="39153" y="822470"/>
             <a:ext cx="9828000" cy="2340000"/>
           </a:xfrm>
           <a:prstGeom prst="rect">
@@ -19967,7 +20188,7 @@
           </a:ln>
         </p:spPr>
         <p:txBody>
-          <a:bodyPr anchorCtr="0" anchor="t" bIns="45700" lIns="91425" rIns="91425" tIns="45700">
+          <a:bodyPr anchorCtr="0" anchor="t" bIns="45700" lIns="91425" rIns="91425" wrap="square" tIns="45700">
             <a:noAutofit/>
           </a:bodyPr>
           <a:lstStyle/>
@@ -20070,7 +20291,7 @@
           </a:ln>
         </p:spPr>
         <p:txBody>
-          <a:bodyPr anchorCtr="0" anchor="t" bIns="45700" lIns="91425" rIns="91425" tIns="36000">
+          <a:bodyPr anchorCtr="0" anchor="t" bIns="45700" lIns="91425" rIns="91425" wrap="square" tIns="36000">
             <a:noAutofit/>
           </a:bodyPr>
           <a:lstStyle/>
@@ -20145,6 +20366,31 @@
               <a:t>Stores recently accessed pages / locations up to a certain number then deletes older locations</a:t>
             </a:r>
           </a:p>
+          <a:p>
+            <a:pPr indent="-342900" lvl="0" marL="457200" rtl="0">
+              <a:spcBef>
+                <a:spcPts val="0"/>
+              </a:spcBef>
+              <a:buClr>
+                <a:schemeClr val="dk1"/>
+              </a:buClr>
+              <a:buSzPct val="100000"/>
+              <a:buFont typeface="Calibri"/>
+              <a:buChar char="●"/>
+            </a:pPr>
+            <a:r>
+              <a:rPr lang="en-AU" sz="1800">
+                <a:solidFill>
+                  <a:schemeClr val="dk1"/>
+                </a:solidFill>
+                <a:latin typeface="Calibri"/>
+                <a:ea typeface="Calibri"/>
+                <a:cs typeface="Calibri"/>
+                <a:sym typeface="Calibri"/>
+              </a:rPr>
+              <a:t>Removes old content with new recently viewed content </a:t>
+            </a:r>
+          </a:p>
         </p:txBody>
       </p:sp>
       <p:sp>
@@ -20155,7 +20401,7 @@
         </p:nvSpPr>
         <p:spPr>
           <a:xfrm>
-            <a:off x="9147153" y="109409"/>
+            <a:off x="9147153" y="109410"/>
             <a:ext cx="720000" cy="540000"/>
           </a:xfrm>
           <a:prstGeom prst="rect">
@@ -20177,7 +20423,7 @@
           </a:ln>
         </p:spPr>
         <p:txBody>
-          <a:bodyPr anchorCtr="0" anchor="ctr" bIns="45700" lIns="0" rIns="0" tIns="45700">
+          <a:bodyPr anchorCtr="0" anchor="ctr" bIns="45700" lIns="0" rIns="0" wrap="square" tIns="45700">
             <a:noAutofit/>
           </a:bodyPr>
           <a:lstStyle/>
@@ -20212,7 +20458,7 @@
         </p:nvSpPr>
         <p:spPr>
           <a:xfrm>
-            <a:off x="8283153" y="109409"/>
+            <a:off x="8283153" y="109410"/>
             <a:ext cx="792000" cy="540000"/>
           </a:xfrm>
           <a:prstGeom prst="rect">
@@ -20232,7 +20478,7 @@
           </a:ln>
         </p:spPr>
         <p:txBody>
-          <a:bodyPr anchorCtr="0" anchor="ctr" bIns="45700" lIns="0" rIns="0" tIns="45700">
+          <a:bodyPr anchorCtr="0" anchor="ctr" bIns="45700" lIns="0" rIns="0" wrap="square" tIns="45700">
             <a:noAutofit/>
           </a:bodyPr>
           <a:lstStyle/>
@@ -20287,7 +20533,7 @@
           </a:ln>
         </p:spPr>
         <p:txBody>
-          <a:bodyPr anchorCtr="0" anchor="t" bIns="45700" lIns="91425" rIns="91425" tIns="36000">
+          <a:bodyPr anchorCtr="0" anchor="t" bIns="45700" lIns="91425" rIns="91425" wrap="square" tIns="36000">
             <a:noAutofit/>
           </a:bodyPr>
           <a:lstStyle/>
@@ -20372,7 +20618,7 @@
         </p:nvSpPr>
         <p:spPr>
           <a:xfrm>
-            <a:off x="39152" y="109409"/>
+            <a:off x="39153" y="109410"/>
             <a:ext cx="720000" cy="540000"/>
           </a:xfrm>
           <a:prstGeom prst="rect">
@@ -20392,7 +20638,7 @@
           </a:ln>
         </p:spPr>
         <p:txBody>
-          <a:bodyPr anchorCtr="0" anchor="ctr" bIns="45700" lIns="0" rIns="0" tIns="45700">
+          <a:bodyPr anchorCtr="0" anchor="ctr" bIns="45700" lIns="0" rIns="0" wrap="square" tIns="45700">
             <a:noAutofit/>
           </a:bodyPr>
           <a:lstStyle/>
@@ -20427,7 +20673,7 @@
         </p:nvSpPr>
         <p:spPr>
           <a:xfrm>
-            <a:off x="831153" y="109409"/>
+            <a:off x="831153" y="109410"/>
             <a:ext cx="7380000" cy="540000"/>
           </a:xfrm>
           <a:prstGeom prst="rect">
@@ -20447,7 +20693,7 @@
           </a:ln>
         </p:spPr>
         <p:txBody>
-          <a:bodyPr anchorCtr="0" anchor="ctr" bIns="45700" lIns="91425" rIns="91425" tIns="45700">
+          <a:bodyPr anchorCtr="0" anchor="ctr" bIns="45700" lIns="91425" rIns="91425" wrap="square" tIns="45700">
             <a:noAutofit/>
           </a:bodyPr>
           <a:lstStyle/>
@@ -20482,7 +20728,7 @@
         </p:nvSpPr>
         <p:spPr>
           <a:xfrm>
-            <a:off x="39152" y="822470"/>
+            <a:off x="39153" y="822470"/>
             <a:ext cx="9828000" cy="2340000"/>
           </a:xfrm>
           <a:prstGeom prst="rect">
@@ -20502,7 +20748,7 @@
           </a:ln>
         </p:spPr>
         <p:txBody>
-          <a:bodyPr anchorCtr="0" anchor="t" bIns="45700" lIns="91425" rIns="91425" tIns="45700">
+          <a:bodyPr anchorCtr="0" anchor="t" bIns="45700" lIns="91425" rIns="91425" wrap="square" tIns="45700">
             <a:noAutofit/>
           </a:bodyPr>
           <a:lstStyle/>
@@ -20557,7 +20803,7 @@
           </a:ln>
         </p:spPr>
         <p:txBody>
-          <a:bodyPr anchorCtr="0" anchor="t" bIns="45700" lIns="91425" rIns="91425" tIns="36000">
+          <a:bodyPr anchorCtr="0" anchor="t" bIns="45700" lIns="91425" rIns="91425" wrap="square" tIns="36000">
             <a:noAutofit/>
           </a:bodyPr>
           <a:lstStyle/>
@@ -20604,7 +20850,7 @@
                 <a:cs typeface="Calibri"/>
                 <a:sym typeface="Calibri"/>
               </a:rPr>
-              <a:t>Text input field with submit button.</a:t>
+              <a:t>Text box with appropriate editing tools and submition options</a:t>
             </a:r>
           </a:p>
           <a:p>
@@ -20667,7 +20913,7 @@
         </p:nvSpPr>
         <p:spPr>
           <a:xfrm>
-            <a:off x="9147153" y="109409"/>
+            <a:off x="9147153" y="109410"/>
             <a:ext cx="720000" cy="540000"/>
           </a:xfrm>
           <a:prstGeom prst="rect">
@@ -20689,7 +20935,7 @@
           </a:ln>
         </p:spPr>
         <p:txBody>
-          <a:bodyPr anchorCtr="0" anchor="ctr" bIns="45700" lIns="0" rIns="0" tIns="45700">
+          <a:bodyPr anchorCtr="0" anchor="ctr" bIns="45700" lIns="0" rIns="0" wrap="square" tIns="45700">
             <a:noAutofit/>
           </a:bodyPr>
           <a:lstStyle/>
@@ -20724,7 +20970,7 @@
         </p:nvSpPr>
         <p:spPr>
           <a:xfrm>
-            <a:off x="8283153" y="109409"/>
+            <a:off x="8283153" y="109410"/>
             <a:ext cx="792000" cy="540000"/>
           </a:xfrm>
           <a:prstGeom prst="rect">
@@ -20744,7 +20990,7 @@
           </a:ln>
         </p:spPr>
         <p:txBody>
-          <a:bodyPr anchorCtr="0" anchor="ctr" bIns="45700" lIns="0" rIns="0" tIns="45700">
+          <a:bodyPr anchorCtr="0" anchor="ctr" bIns="45700" lIns="0" rIns="0" wrap="square" tIns="45700">
             <a:noAutofit/>
           </a:bodyPr>
           <a:lstStyle/>
@@ -20799,7 +21045,7 @@
           </a:ln>
         </p:spPr>
         <p:txBody>
-          <a:bodyPr anchorCtr="0" anchor="t" bIns="45700" lIns="91425" rIns="91425" tIns="36000">
+          <a:bodyPr anchorCtr="0" anchor="t" bIns="45700" lIns="91425" rIns="91425" wrap="square" tIns="36000">
             <a:noAutofit/>
           </a:bodyPr>
           <a:lstStyle/>
@@ -20884,7 +21130,7 @@
         </p:nvSpPr>
         <p:spPr>
           <a:xfrm>
-            <a:off x="39152" y="109409"/>
+            <a:off x="39153" y="109410"/>
             <a:ext cx="720000" cy="540000"/>
           </a:xfrm>
           <a:prstGeom prst="rect">
@@ -20904,7 +21150,7 @@
           </a:ln>
         </p:spPr>
         <p:txBody>
-          <a:bodyPr anchorCtr="0" anchor="ctr" bIns="45700" lIns="0" rIns="0" tIns="45700">
+          <a:bodyPr anchorCtr="0" anchor="ctr" bIns="45700" lIns="0" rIns="0" wrap="square" tIns="45700">
             <a:noAutofit/>
           </a:bodyPr>
           <a:lstStyle/>
@@ -20939,7 +21185,7 @@
         </p:nvSpPr>
         <p:spPr>
           <a:xfrm>
-            <a:off x="831153" y="109409"/>
+            <a:off x="831153" y="109410"/>
             <a:ext cx="7380000" cy="540000"/>
           </a:xfrm>
           <a:prstGeom prst="rect">
@@ -20959,7 +21205,7 @@
           </a:ln>
         </p:spPr>
         <p:txBody>
-          <a:bodyPr anchorCtr="0" anchor="ctr" bIns="45700" lIns="91425" rIns="91425" tIns="45700">
+          <a:bodyPr anchorCtr="0" anchor="ctr" bIns="45700" lIns="91425" rIns="91425" wrap="square" tIns="45700">
             <a:noAutofit/>
           </a:bodyPr>
           <a:lstStyle/>
@@ -20994,7 +21240,7 @@
         </p:nvSpPr>
         <p:spPr>
           <a:xfrm>
-            <a:off x="39152" y="822470"/>
+            <a:off x="39153" y="822470"/>
             <a:ext cx="9828000" cy="2340000"/>
           </a:xfrm>
           <a:prstGeom prst="rect">
@@ -21014,7 +21260,7 @@
           </a:ln>
         </p:spPr>
         <p:txBody>
-          <a:bodyPr anchorCtr="0" anchor="t" bIns="45700" lIns="91425" rIns="91425" tIns="45700">
+          <a:bodyPr anchorCtr="0" anchor="t" bIns="45700" lIns="91425" rIns="91425" wrap="square" tIns="45700">
             <a:noAutofit/>
           </a:bodyPr>
           <a:lstStyle/>
@@ -21069,7 +21315,7 @@
           </a:ln>
         </p:spPr>
         <p:txBody>
-          <a:bodyPr anchorCtr="0" anchor="t" bIns="45700" lIns="91425" rIns="91425" tIns="36000">
+          <a:bodyPr anchorCtr="0" anchor="t" bIns="45700" lIns="91425" rIns="91425" wrap="square" tIns="36000">
             <a:noAutofit/>
           </a:bodyPr>
           <a:lstStyle/>
@@ -21204,7 +21450,7 @@
         </p:nvSpPr>
         <p:spPr>
           <a:xfrm>
-            <a:off x="9147153" y="109409"/>
+            <a:off x="9147153" y="109410"/>
             <a:ext cx="720000" cy="540000"/>
           </a:xfrm>
           <a:prstGeom prst="rect">
@@ -21226,7 +21472,7 @@
           </a:ln>
         </p:spPr>
         <p:txBody>
-          <a:bodyPr anchorCtr="0" anchor="ctr" bIns="45700" lIns="0" rIns="0" tIns="45700">
+          <a:bodyPr anchorCtr="0" anchor="ctr" bIns="45700" lIns="0" rIns="0" wrap="square" tIns="45700">
             <a:noAutofit/>
           </a:bodyPr>
           <a:lstStyle/>
@@ -21261,7 +21507,7 @@
         </p:nvSpPr>
         <p:spPr>
           <a:xfrm>
-            <a:off x="8283153" y="109409"/>
+            <a:off x="8283153" y="109410"/>
             <a:ext cx="792000" cy="540000"/>
           </a:xfrm>
           <a:prstGeom prst="rect">
@@ -21281,7 +21527,7 @@
           </a:ln>
         </p:spPr>
         <p:txBody>
-          <a:bodyPr anchorCtr="0" anchor="ctr" bIns="45700" lIns="0" rIns="0" tIns="45700">
+          <a:bodyPr anchorCtr="0" anchor="ctr" bIns="45700" lIns="0" rIns="0" wrap="square" tIns="45700">
             <a:noAutofit/>
           </a:bodyPr>
           <a:lstStyle/>
@@ -21336,7 +21582,7 @@
           </a:ln>
         </p:spPr>
         <p:txBody>
-          <a:bodyPr anchorCtr="0" anchor="t" bIns="45700" lIns="91425" rIns="91425" tIns="36000">
+          <a:bodyPr anchorCtr="0" anchor="t" bIns="45700" lIns="91425" rIns="91425" wrap="square" tIns="36000">
             <a:noAutofit/>
           </a:bodyPr>
           <a:lstStyle/>
@@ -21421,7 +21667,7 @@
         </p:nvSpPr>
         <p:spPr>
           <a:xfrm>
-            <a:off x="39152" y="109409"/>
+            <a:off x="39153" y="109410"/>
             <a:ext cx="720000" cy="540000"/>
           </a:xfrm>
           <a:prstGeom prst="rect">
@@ -21441,7 +21687,7 @@
           </a:ln>
         </p:spPr>
         <p:txBody>
-          <a:bodyPr anchorCtr="0" anchor="ctr" bIns="45700" lIns="0" rIns="0" tIns="45700">
+          <a:bodyPr anchorCtr="0" anchor="ctr" bIns="45700" lIns="0" rIns="0" wrap="square" tIns="45700">
             <a:noAutofit/>
           </a:bodyPr>
           <a:lstStyle/>
@@ -21476,7 +21722,7 @@
         </p:nvSpPr>
         <p:spPr>
           <a:xfrm>
-            <a:off x="831153" y="109409"/>
+            <a:off x="831153" y="109410"/>
             <a:ext cx="7380000" cy="540000"/>
           </a:xfrm>
           <a:prstGeom prst="rect">
@@ -21496,7 +21742,7 @@
           </a:ln>
         </p:spPr>
         <p:txBody>
-          <a:bodyPr anchorCtr="0" anchor="ctr" bIns="45700" lIns="91425" rIns="91425" tIns="45700">
+          <a:bodyPr anchorCtr="0" anchor="ctr" bIns="45700" lIns="91425" rIns="91425" wrap="square" tIns="45700">
             <a:noAutofit/>
           </a:bodyPr>
           <a:lstStyle/>
@@ -21531,7 +21777,7 @@
         </p:nvSpPr>
         <p:spPr>
           <a:xfrm>
-            <a:off x="39152" y="822470"/>
+            <a:off x="39153" y="822470"/>
             <a:ext cx="9828000" cy="2340000"/>
           </a:xfrm>
           <a:prstGeom prst="rect">
@@ -21551,7 +21797,7 @@
           </a:ln>
         </p:spPr>
         <p:txBody>
-          <a:bodyPr anchorCtr="0" anchor="t" bIns="45700" lIns="91425" rIns="91425" tIns="45700">
+          <a:bodyPr anchorCtr="0" anchor="t" bIns="45700" lIns="91425" rIns="91425" wrap="square" tIns="45700">
             <a:noAutofit/>
           </a:bodyPr>
           <a:lstStyle/>
@@ -21606,7 +21852,7 @@
           </a:ln>
         </p:spPr>
         <p:txBody>
-          <a:bodyPr anchorCtr="0" anchor="t" bIns="45700" lIns="91425" rIns="91425" tIns="36000">
+          <a:bodyPr anchorCtr="0" anchor="t" bIns="45700" lIns="91425" rIns="91425" wrap="square" tIns="36000">
             <a:noAutofit/>
           </a:bodyPr>
           <a:lstStyle/>
@@ -21681,6 +21927,31 @@
               <a:t>Exists as a separate webpage accessible through a drop down in the search bar</a:t>
             </a:r>
           </a:p>
+          <a:p>
+            <a:pPr indent="-342900" lvl="0" marL="457200" rtl="0">
+              <a:spcBef>
+                <a:spcPts val="0"/>
+              </a:spcBef>
+              <a:buClr>
+                <a:schemeClr val="dk1"/>
+              </a:buClr>
+              <a:buSzPct val="100000"/>
+              <a:buFont typeface="Calibri"/>
+              <a:buChar char="●"/>
+            </a:pPr>
+            <a:r>
+              <a:rPr lang="en-AU" sz="1800">
+                <a:solidFill>
+                  <a:schemeClr val="dk1"/>
+                </a:solidFill>
+                <a:latin typeface="Calibri"/>
+                <a:ea typeface="Calibri"/>
+                <a:cs typeface="Calibri"/>
+                <a:sym typeface="Calibri"/>
+              </a:rPr>
+              <a:t>Easy scroll navigation integrated for displaying all the stories </a:t>
+            </a:r>
+          </a:p>
         </p:txBody>
       </p:sp>
       <p:sp>
@@ -21691,7 +21962,7 @@
         </p:nvSpPr>
         <p:spPr>
           <a:xfrm>
-            <a:off x="9147153" y="109409"/>
+            <a:off x="9147153" y="109410"/>
             <a:ext cx="720000" cy="540000"/>
           </a:xfrm>
           <a:prstGeom prst="rect">
@@ -21713,7 +21984,7 @@
           </a:ln>
         </p:spPr>
         <p:txBody>
-          <a:bodyPr anchorCtr="0" anchor="ctr" bIns="45700" lIns="0" rIns="0" tIns="45700">
+          <a:bodyPr anchorCtr="0" anchor="ctr" bIns="45700" lIns="0" rIns="0" wrap="square" tIns="45700">
             <a:noAutofit/>
           </a:bodyPr>
           <a:lstStyle/>
@@ -21735,7 +22006,7 @@
                 <a:cs typeface="Calibri"/>
                 <a:sym typeface="Calibri"/>
               </a:rPr>
-              <a:t>3</a:t>
+              <a:t>2</a:t>
             </a:r>
           </a:p>
         </p:txBody>
@@ -21748,7 +22019,7 @@
         </p:nvSpPr>
         <p:spPr>
           <a:xfrm>
-            <a:off x="8283153" y="109409"/>
+            <a:off x="8283153" y="109410"/>
             <a:ext cx="792000" cy="540000"/>
           </a:xfrm>
           <a:prstGeom prst="rect">
@@ -21768,7 +22039,7 @@
           </a:ln>
         </p:spPr>
         <p:txBody>
-          <a:bodyPr anchorCtr="0" anchor="ctr" bIns="45700" lIns="0" rIns="0" tIns="45700">
+          <a:bodyPr anchorCtr="0" anchor="ctr" bIns="45700" lIns="0" rIns="0" wrap="square" tIns="45700">
             <a:noAutofit/>
           </a:bodyPr>
           <a:lstStyle/>
@@ -21823,7 +22094,7 @@
           </a:ln>
         </p:spPr>
         <p:txBody>
-          <a:bodyPr anchorCtr="0" anchor="t" bIns="45700" lIns="91425" rIns="91425" tIns="36000">
+          <a:bodyPr anchorCtr="0" anchor="t" bIns="45700" lIns="91425" rIns="91425" wrap="square" tIns="36000">
             <a:noAutofit/>
           </a:bodyPr>
           <a:lstStyle/>
@@ -21908,7 +22179,7 @@
         </p:nvSpPr>
         <p:spPr>
           <a:xfrm>
-            <a:off x="39152" y="109409"/>
+            <a:off x="39153" y="109410"/>
             <a:ext cx="720000" cy="540000"/>
           </a:xfrm>
           <a:prstGeom prst="rect">
@@ -21928,7 +22199,7 @@
           </a:ln>
         </p:spPr>
         <p:txBody>
-          <a:bodyPr anchorCtr="0" anchor="ctr" bIns="45700" lIns="0" rIns="0" tIns="45700">
+          <a:bodyPr anchorCtr="0" anchor="ctr" bIns="45700" lIns="0" rIns="0" wrap="square" tIns="45700">
             <a:noAutofit/>
           </a:bodyPr>
           <a:lstStyle/>
@@ -21963,7 +22234,7 @@
         </p:nvSpPr>
         <p:spPr>
           <a:xfrm>
-            <a:off x="831153" y="109409"/>
+            <a:off x="831153" y="109410"/>
             <a:ext cx="7380000" cy="540000"/>
           </a:xfrm>
           <a:prstGeom prst="rect">
@@ -21983,7 +22254,7 @@
           </a:ln>
         </p:spPr>
         <p:txBody>
-          <a:bodyPr anchorCtr="0" anchor="ctr" bIns="45700" lIns="91425" rIns="91425" tIns="45700">
+          <a:bodyPr anchorCtr="0" anchor="ctr" bIns="45700" lIns="91425" rIns="91425" wrap="square" tIns="45700">
             <a:noAutofit/>
           </a:bodyPr>
           <a:lstStyle/>
@@ -22018,7 +22289,7 @@
         </p:nvSpPr>
         <p:spPr>
           <a:xfrm>
-            <a:off x="39152" y="822470"/>
+            <a:off x="39153" y="822470"/>
             <a:ext cx="9828000" cy="2340000"/>
           </a:xfrm>
           <a:prstGeom prst="rect">
@@ -22038,7 +22309,7 @@
           </a:ln>
         </p:spPr>
         <p:txBody>
-          <a:bodyPr anchorCtr="0" anchor="t" bIns="45700" lIns="91425" rIns="91425" tIns="45700">
+          <a:bodyPr anchorCtr="0" anchor="t" bIns="45700" lIns="91425" rIns="91425" wrap="square" tIns="45700">
             <a:noAutofit/>
           </a:bodyPr>
           <a:lstStyle/>
@@ -22093,7 +22364,7 @@
           </a:ln>
         </p:spPr>
         <p:txBody>
-          <a:bodyPr anchorCtr="0" anchor="t" bIns="45700" lIns="91425" rIns="91425" tIns="36000">
+          <a:bodyPr anchorCtr="0" anchor="t" bIns="45700" lIns="91425" rIns="91425" wrap="square" tIns="36000">
             <a:noAutofit/>
           </a:bodyPr>
           <a:lstStyle/>
@@ -22253,7 +22524,7 @@
         </p:nvSpPr>
         <p:spPr>
           <a:xfrm>
-            <a:off x="9147153" y="109409"/>
+            <a:off x="9147153" y="109410"/>
             <a:ext cx="720000" cy="540000"/>
           </a:xfrm>
           <a:prstGeom prst="rect">
@@ -22275,7 +22546,7 @@
           </a:ln>
         </p:spPr>
         <p:txBody>
-          <a:bodyPr anchorCtr="0" anchor="ctr" bIns="45700" lIns="0" rIns="0" tIns="45700">
+          <a:bodyPr anchorCtr="0" anchor="ctr" bIns="45700" lIns="0" rIns="0" wrap="square" tIns="45700">
             <a:noAutofit/>
           </a:bodyPr>
           <a:lstStyle/>
@@ -22310,7 +22581,7 @@
         </p:nvSpPr>
         <p:spPr>
           <a:xfrm>
-            <a:off x="8283153" y="109409"/>
+            <a:off x="8283153" y="109410"/>
             <a:ext cx="792000" cy="540000"/>
           </a:xfrm>
           <a:prstGeom prst="rect">
@@ -22330,7 +22601,7 @@
           </a:ln>
         </p:spPr>
         <p:txBody>
-          <a:bodyPr anchorCtr="0" anchor="ctr" bIns="45700" lIns="0" rIns="0" tIns="45700">
+          <a:bodyPr anchorCtr="0" anchor="ctr" bIns="45700" lIns="0" rIns="0" wrap="square" tIns="45700">
             <a:noAutofit/>
           </a:bodyPr>
           <a:lstStyle/>
@@ -22385,7 +22656,7 @@
           </a:ln>
         </p:spPr>
         <p:txBody>
-          <a:bodyPr anchorCtr="0" anchor="t" bIns="45700" lIns="91425" rIns="91425" tIns="36000">
+          <a:bodyPr anchorCtr="0" anchor="t" bIns="45700" lIns="91425" rIns="91425" wrap="square" tIns="36000">
             <a:noAutofit/>
           </a:bodyPr>
           <a:lstStyle/>
@@ -22470,7 +22741,7 @@
         </p:nvSpPr>
         <p:spPr>
           <a:xfrm>
-            <a:off x="39152" y="109409"/>
+            <a:off x="39153" y="109410"/>
             <a:ext cx="720000" cy="540000"/>
           </a:xfrm>
           <a:prstGeom prst="rect">
@@ -22490,7 +22761,7 @@
           </a:ln>
         </p:spPr>
         <p:txBody>
-          <a:bodyPr anchorCtr="0" anchor="ctr" bIns="45700" lIns="0" rIns="0" tIns="45700">
+          <a:bodyPr anchorCtr="0" anchor="ctr" bIns="45700" lIns="0" rIns="0" wrap="square" tIns="45700">
             <a:noAutofit/>
           </a:bodyPr>
           <a:lstStyle/>
@@ -22525,7 +22796,7 @@
         </p:nvSpPr>
         <p:spPr>
           <a:xfrm>
-            <a:off x="831153" y="109409"/>
+            <a:off x="831153" y="109410"/>
             <a:ext cx="7380000" cy="540000"/>
           </a:xfrm>
           <a:prstGeom prst="rect">
@@ -22545,7 +22816,7 @@
           </a:ln>
         </p:spPr>
         <p:txBody>
-          <a:bodyPr anchorCtr="0" anchor="ctr" bIns="45700" lIns="91425" rIns="91425" tIns="45700">
+          <a:bodyPr anchorCtr="0" anchor="ctr" bIns="45700" lIns="91425" rIns="91425" wrap="square" tIns="45700">
             <a:noAutofit/>
           </a:bodyPr>
           <a:lstStyle/>
@@ -22580,7 +22851,7 @@
         </p:nvSpPr>
         <p:spPr>
           <a:xfrm>
-            <a:off x="39152" y="822470"/>
+            <a:off x="39153" y="822470"/>
             <a:ext cx="9828000" cy="2340000"/>
           </a:xfrm>
           <a:prstGeom prst="rect">
@@ -22600,7 +22871,7 @@
           </a:ln>
         </p:spPr>
         <p:txBody>
-          <a:bodyPr anchorCtr="0" anchor="t" bIns="45700" lIns="91425" rIns="91425" tIns="45700">
+          <a:bodyPr anchorCtr="0" anchor="t" bIns="45700" lIns="91425" rIns="91425" wrap="square" tIns="45700">
             <a:noAutofit/>
           </a:bodyPr>
           <a:lstStyle/>
@@ -22703,7 +22974,7 @@
           </a:ln>
         </p:spPr>
         <p:txBody>
-          <a:bodyPr anchorCtr="0" anchor="t" bIns="45700" lIns="91425" rIns="91425" tIns="36000">
+          <a:bodyPr anchorCtr="0" anchor="t" bIns="45700" lIns="91425" rIns="91425" wrap="square" tIns="36000">
             <a:noAutofit/>
           </a:bodyPr>
           <a:lstStyle/>
@@ -22838,7 +23109,7 @@
         </p:nvSpPr>
         <p:spPr>
           <a:xfrm>
-            <a:off x="9147153" y="109409"/>
+            <a:off x="9147153" y="109410"/>
             <a:ext cx="720000" cy="540000"/>
           </a:xfrm>
           <a:prstGeom prst="rect">
@@ -22860,7 +23131,7 @@
           </a:ln>
         </p:spPr>
         <p:txBody>
-          <a:bodyPr anchorCtr="0" anchor="ctr" bIns="45700" lIns="0" rIns="0" tIns="45700">
+          <a:bodyPr anchorCtr="0" anchor="ctr" bIns="45700" lIns="0" rIns="0" wrap="square" tIns="45700">
             <a:noAutofit/>
           </a:bodyPr>
           <a:lstStyle/>
@@ -22895,7 +23166,7 @@
         </p:nvSpPr>
         <p:spPr>
           <a:xfrm>
-            <a:off x="8283153" y="109409"/>
+            <a:off x="8283153" y="109410"/>
             <a:ext cx="792000" cy="540000"/>
           </a:xfrm>
           <a:prstGeom prst="rect">
@@ -22915,7 +23186,7 @@
           </a:ln>
         </p:spPr>
         <p:txBody>
-          <a:bodyPr anchorCtr="0" anchor="ctr" bIns="45700" lIns="0" rIns="0" tIns="45700">
+          <a:bodyPr anchorCtr="0" anchor="ctr" bIns="45700" lIns="0" rIns="0" wrap="square" tIns="45700">
             <a:noAutofit/>
           </a:bodyPr>
           <a:lstStyle/>
@@ -22970,7 +23241,7 @@
           </a:ln>
         </p:spPr>
         <p:txBody>
-          <a:bodyPr anchorCtr="0" anchor="t" bIns="45700" lIns="91425" rIns="91425" tIns="36000">
+          <a:bodyPr anchorCtr="0" anchor="t" bIns="45700" lIns="91425" rIns="91425" wrap="square" tIns="36000">
             <a:noAutofit/>
           </a:bodyPr>
           <a:lstStyle/>
@@ -23055,7 +23326,7 @@
         </p:nvSpPr>
         <p:spPr>
           <a:xfrm>
-            <a:off x="39152" y="109409"/>
+            <a:off x="39153" y="109410"/>
             <a:ext cx="720000" cy="540000"/>
           </a:xfrm>
           <a:prstGeom prst="rect">
@@ -23075,7 +23346,7 @@
           </a:ln>
         </p:spPr>
         <p:txBody>
-          <a:bodyPr anchorCtr="0" anchor="ctr" bIns="45700" lIns="0" rIns="0" tIns="45700">
+          <a:bodyPr anchorCtr="0" anchor="ctr" bIns="45700" lIns="0" rIns="0" wrap="square" tIns="45700">
             <a:noAutofit/>
           </a:bodyPr>
           <a:lstStyle/>
@@ -23110,7 +23381,7 @@
         </p:nvSpPr>
         <p:spPr>
           <a:xfrm>
-            <a:off x="831153" y="109409"/>
+            <a:off x="831153" y="109410"/>
             <a:ext cx="7380000" cy="540000"/>
           </a:xfrm>
           <a:prstGeom prst="rect">
@@ -23130,7 +23401,7 @@
           </a:ln>
         </p:spPr>
         <p:txBody>
-          <a:bodyPr anchorCtr="0" anchor="ctr" bIns="45700" lIns="91425" rIns="91425" tIns="45700">
+          <a:bodyPr anchorCtr="0" anchor="ctr" bIns="45700" lIns="91425" rIns="91425" wrap="square" tIns="45700">
             <a:noAutofit/>
           </a:bodyPr>
           <a:lstStyle/>
@@ -23165,7 +23436,7 @@
         </p:nvSpPr>
         <p:spPr>
           <a:xfrm>
-            <a:off x="39152" y="822470"/>
+            <a:off x="39153" y="822470"/>
             <a:ext cx="9828000" cy="2340000"/>
           </a:xfrm>
           <a:prstGeom prst="rect">
@@ -23185,7 +23456,7 @@
           </a:ln>
         </p:spPr>
         <p:txBody>
-          <a:bodyPr anchorCtr="0" anchor="t" bIns="45700" lIns="91425" rIns="91425" tIns="45700">
+          <a:bodyPr anchorCtr="0" anchor="t" bIns="45700" lIns="91425" rIns="91425" wrap="square" tIns="45700">
             <a:noAutofit/>
           </a:bodyPr>
           <a:lstStyle/>
@@ -23288,7 +23559,7 @@
           </a:ln>
         </p:spPr>
         <p:txBody>
-          <a:bodyPr anchorCtr="0" anchor="t" bIns="45700" lIns="91425" rIns="91425" tIns="36000">
+          <a:bodyPr anchorCtr="0" anchor="t" bIns="45700" lIns="91425" rIns="91425" wrap="square" tIns="36000">
             <a:noAutofit/>
           </a:bodyPr>
           <a:lstStyle/>
@@ -23388,6 +23659,31 @@
               <a:t>  Requests must be filtered to reduce spam</a:t>
             </a:r>
           </a:p>
+          <a:p>
+            <a:pPr indent="-342900" lvl="0" marL="457200" rtl="0">
+              <a:spcBef>
+                <a:spcPts val="0"/>
+              </a:spcBef>
+              <a:buClr>
+                <a:schemeClr val="dk1"/>
+              </a:buClr>
+              <a:buSzPct val="100000"/>
+              <a:buFont typeface="Calibri"/>
+              <a:buChar char="●"/>
+            </a:pPr>
+            <a:r>
+              <a:rPr lang="en-AU" sz="1800">
+                <a:solidFill>
+                  <a:schemeClr val="dk1"/>
+                </a:solidFill>
+                <a:latin typeface="Calibri"/>
+                <a:ea typeface="Calibri"/>
+                <a:cs typeface="Calibri"/>
+                <a:sym typeface="Calibri"/>
+              </a:rPr>
+              <a:t>  Users have a limited amount of requests to reduce spam</a:t>
+            </a:r>
+          </a:p>
         </p:txBody>
       </p:sp>
       <p:sp>
@@ -23398,7 +23694,7 @@
         </p:nvSpPr>
         <p:spPr>
           <a:xfrm>
-            <a:off x="9147153" y="109409"/>
+            <a:off x="9147153" y="109410"/>
             <a:ext cx="720000" cy="540000"/>
           </a:xfrm>
           <a:prstGeom prst="rect">
@@ -23420,7 +23716,7 @@
           </a:ln>
         </p:spPr>
         <p:txBody>
-          <a:bodyPr anchorCtr="0" anchor="ctr" bIns="45700" lIns="0" rIns="0" tIns="45700">
+          <a:bodyPr anchorCtr="0" anchor="ctr" bIns="45700" lIns="0" rIns="0" wrap="square" tIns="45700">
             <a:noAutofit/>
           </a:bodyPr>
           <a:lstStyle/>
@@ -23455,7 +23751,7 @@
         </p:nvSpPr>
         <p:spPr>
           <a:xfrm>
-            <a:off x="8283153" y="109409"/>
+            <a:off x="8283153" y="109410"/>
             <a:ext cx="792000" cy="540000"/>
           </a:xfrm>
           <a:prstGeom prst="rect">
@@ -23475,7 +23771,7 @@
           </a:ln>
         </p:spPr>
         <p:txBody>
-          <a:bodyPr anchorCtr="0" anchor="ctr" bIns="45700" lIns="0" rIns="0" tIns="45700">
+          <a:bodyPr anchorCtr="0" anchor="ctr" bIns="45700" lIns="0" rIns="0" wrap="square" tIns="45700">
             <a:noAutofit/>
           </a:bodyPr>
           <a:lstStyle/>
@@ -23530,7 +23826,7 @@
           </a:ln>
         </p:spPr>
         <p:txBody>
-          <a:bodyPr anchorCtr="0" anchor="t" bIns="45700" lIns="91425" rIns="91425" tIns="36000">
+          <a:bodyPr anchorCtr="0" anchor="t" bIns="45700" lIns="91425" rIns="91425" wrap="square" tIns="36000">
             <a:noAutofit/>
           </a:bodyPr>
           <a:lstStyle/>
@@ -23615,7 +23911,7 @@
         </p:nvSpPr>
         <p:spPr>
           <a:xfrm>
-            <a:off x="39152" y="109409"/>
+            <a:off x="39153" y="109410"/>
             <a:ext cx="720000" cy="540000"/>
           </a:xfrm>
           <a:prstGeom prst="rect">
@@ -23635,7 +23931,7 @@
           </a:ln>
         </p:spPr>
         <p:txBody>
-          <a:bodyPr anchorCtr="0" anchor="ctr" bIns="45700" lIns="0" rIns="0" tIns="45700">
+          <a:bodyPr anchorCtr="0" anchor="ctr" bIns="45700" lIns="0" rIns="0" wrap="square" tIns="45700">
             <a:noAutofit/>
           </a:bodyPr>
           <a:lstStyle/>
@@ -23670,7 +23966,7 @@
         </p:nvSpPr>
         <p:spPr>
           <a:xfrm>
-            <a:off x="831153" y="109409"/>
+            <a:off x="831153" y="109410"/>
             <a:ext cx="7380000" cy="540000"/>
           </a:xfrm>
           <a:prstGeom prst="rect">
@@ -23690,7 +23986,7 @@
           </a:ln>
         </p:spPr>
         <p:txBody>
-          <a:bodyPr anchorCtr="0" anchor="ctr" bIns="45700" lIns="91425" rIns="91425" tIns="45700">
+          <a:bodyPr anchorCtr="0" anchor="ctr" bIns="45700" lIns="91425" rIns="91425" wrap="square" tIns="45700">
             <a:noAutofit/>
           </a:bodyPr>
           <a:lstStyle/>
@@ -23725,7 +24021,7 @@
         </p:nvSpPr>
         <p:spPr>
           <a:xfrm>
-            <a:off x="39152" y="822470"/>
+            <a:off x="39153" y="822470"/>
             <a:ext cx="9828000" cy="2340000"/>
           </a:xfrm>
           <a:prstGeom prst="rect">
@@ -23745,7 +24041,7 @@
           </a:ln>
         </p:spPr>
         <p:txBody>
-          <a:bodyPr anchorCtr="0" anchor="t" bIns="45700" lIns="91425" rIns="91425" tIns="45700">
+          <a:bodyPr anchorCtr="0" anchor="t" bIns="45700" lIns="91425" rIns="91425" wrap="square" tIns="45700">
             <a:noAutofit/>
           </a:bodyPr>
           <a:lstStyle/>
@@ -23780,8 +24076,8 @@
         </p:nvSpPr>
         <p:spPr>
           <a:xfrm>
-            <a:off x="39152" y="3335530"/>
-            <a:ext cx="9828000" cy="1620000"/>
+            <a:off x="39150" y="3335525"/>
+            <a:ext cx="9828000" cy="1635900"/>
           </a:xfrm>
           <a:prstGeom prst="rect">
             <a:avLst/>
@@ -23800,7 +24096,7 @@
           </a:ln>
         </p:spPr>
         <p:txBody>
-          <a:bodyPr anchorCtr="0" anchor="t" bIns="45700" lIns="91425" rIns="91425" tIns="36000">
+          <a:bodyPr anchorCtr="0" anchor="t" bIns="45700" lIns="91425" rIns="91425" wrap="square" tIns="36000">
             <a:noAutofit/>
           </a:bodyPr>
           <a:lstStyle/>
@@ -23847,7 +24143,7 @@
                 <a:cs typeface="Calibri"/>
                 <a:sym typeface="Calibri"/>
               </a:rPr>
-              <a:t> Multiple social media platforms supported</a:t>
+              <a:t> Multiple social media platforms supported (facebook, twitter, instagram, linkedIn and google+)</a:t>
             </a:r>
           </a:p>
           <a:p>
@@ -23900,6 +24196,31 @@
               <a:t> Simple button clicks to share to social media platform</a:t>
             </a:r>
           </a:p>
+          <a:p>
+            <a:pPr indent="-166687" lvl="0" marL="179387" marR="0" rtl="0" algn="l">
+              <a:spcBef>
+                <a:spcPts val="0"/>
+              </a:spcBef>
+              <a:buClr>
+                <a:schemeClr val="dk1"/>
+              </a:buClr>
+              <a:buSzPct val="100000"/>
+              <a:buFont typeface="Calibri"/>
+              <a:buChar char="•"/>
+            </a:pPr>
+            <a:r>
+              <a:rPr lang="en-AU" sz="1800">
+                <a:solidFill>
+                  <a:schemeClr val="dk1"/>
+                </a:solidFill>
+                <a:latin typeface="Calibri"/>
+                <a:ea typeface="Calibri"/>
+                <a:cs typeface="Calibri"/>
+                <a:sym typeface="Calibri"/>
+              </a:rPr>
+              <a:t> Ability to like, share etc for each social media platform </a:t>
+            </a:r>
+          </a:p>
         </p:txBody>
       </p:sp>
       <p:sp>
@@ -23910,7 +24231,7 @@
         </p:nvSpPr>
         <p:spPr>
           <a:xfrm>
-            <a:off x="9147153" y="109409"/>
+            <a:off x="9147153" y="109410"/>
             <a:ext cx="720000" cy="540000"/>
           </a:xfrm>
           <a:prstGeom prst="rect">
@@ -23932,7 +24253,7 @@
           </a:ln>
         </p:spPr>
         <p:txBody>
-          <a:bodyPr anchorCtr="0" anchor="ctr" bIns="45700" lIns="0" rIns="0" tIns="45700">
+          <a:bodyPr anchorCtr="0" anchor="ctr" bIns="45700" lIns="0" rIns="0" wrap="square" tIns="45700">
             <a:noAutofit/>
           </a:bodyPr>
           <a:lstStyle/>
@@ -23967,7 +24288,7 @@
         </p:nvSpPr>
         <p:spPr>
           <a:xfrm>
-            <a:off x="8283153" y="109409"/>
+            <a:off x="8283153" y="109410"/>
             <a:ext cx="792000" cy="540000"/>
           </a:xfrm>
           <a:prstGeom prst="rect">
@@ -23987,7 +24308,7 @@
           </a:ln>
         </p:spPr>
         <p:txBody>
-          <a:bodyPr anchorCtr="0" anchor="ctr" bIns="45700" lIns="0" rIns="0" tIns="45700">
+          <a:bodyPr anchorCtr="0" anchor="ctr" bIns="45700" lIns="0" rIns="0" wrap="square" tIns="45700">
             <a:noAutofit/>
           </a:bodyPr>
           <a:lstStyle/>
@@ -24022,7 +24343,7 @@
         </p:nvSpPr>
         <p:spPr>
           <a:xfrm>
-            <a:off x="39152" y="5128589"/>
+            <a:off x="39153" y="5128590"/>
             <a:ext cx="9828000" cy="1620000"/>
           </a:xfrm>
           <a:prstGeom prst="rect">
@@ -24042,7 +24363,7 @@
           </a:ln>
         </p:spPr>
         <p:txBody>
-          <a:bodyPr anchorCtr="0" anchor="t" bIns="45700" lIns="91425" rIns="91425" tIns="36000">
+          <a:bodyPr anchorCtr="0" anchor="t" bIns="45700" lIns="91425" rIns="91425" wrap="square" tIns="36000">
             <a:noAutofit/>
           </a:bodyPr>
           <a:lstStyle/>
@@ -24127,7 +24448,7 @@
         </p:nvSpPr>
         <p:spPr>
           <a:xfrm>
-            <a:off x="39152" y="109409"/>
+            <a:off x="39153" y="109410"/>
             <a:ext cx="720000" cy="540000"/>
           </a:xfrm>
           <a:prstGeom prst="rect">
@@ -24147,7 +24468,7 @@
           </a:ln>
         </p:spPr>
         <p:txBody>
-          <a:bodyPr anchorCtr="0" anchor="ctr" bIns="45700" lIns="0" rIns="0" tIns="45700">
+          <a:bodyPr anchorCtr="0" anchor="ctr" bIns="45700" lIns="0" rIns="0" wrap="square" tIns="45700">
             <a:noAutofit/>
           </a:bodyPr>
           <a:lstStyle/>
@@ -24182,7 +24503,7 @@
         </p:nvSpPr>
         <p:spPr>
           <a:xfrm>
-            <a:off x="831153" y="109409"/>
+            <a:off x="831153" y="109410"/>
             <a:ext cx="7380000" cy="540000"/>
           </a:xfrm>
           <a:prstGeom prst="rect">
@@ -24202,7 +24523,7 @@
           </a:ln>
         </p:spPr>
         <p:txBody>
-          <a:bodyPr anchorCtr="0" anchor="ctr" bIns="45700" lIns="91425" rIns="91425" tIns="45700">
+          <a:bodyPr anchorCtr="0" anchor="ctr" bIns="45700" lIns="91425" rIns="91425" wrap="square" tIns="45700">
             <a:noAutofit/>
           </a:bodyPr>
           <a:lstStyle/>
@@ -24237,7 +24558,7 @@
         </p:nvSpPr>
         <p:spPr>
           <a:xfrm>
-            <a:off x="39152" y="822470"/>
+            <a:off x="39153" y="822470"/>
             <a:ext cx="9828000" cy="2340000"/>
           </a:xfrm>
           <a:prstGeom prst="rect">
@@ -24257,7 +24578,7 @@
           </a:ln>
         </p:spPr>
         <p:txBody>
-          <a:bodyPr anchorCtr="0" anchor="t" bIns="45700" lIns="91425" rIns="91425" tIns="45700">
+          <a:bodyPr anchorCtr="0" anchor="t" bIns="45700" lIns="91425" rIns="91425" wrap="square" tIns="45700">
             <a:noAutofit/>
           </a:bodyPr>
           <a:lstStyle/>
@@ -24292,7 +24613,7 @@
         </p:nvSpPr>
         <p:spPr>
           <a:xfrm>
-            <a:off x="39152" y="3335530"/>
+            <a:off x="39153" y="3335530"/>
             <a:ext cx="9828000" cy="1620000"/>
           </a:xfrm>
           <a:prstGeom prst="rect">
@@ -24312,7 +24633,7 @@
           </a:ln>
         </p:spPr>
         <p:txBody>
-          <a:bodyPr anchorCtr="0" anchor="t" bIns="45700" lIns="91425" rIns="91425" tIns="36000">
+          <a:bodyPr anchorCtr="0" anchor="t" bIns="45700" lIns="91425" rIns="91425" wrap="square" tIns="36000">
             <a:noAutofit/>
           </a:bodyPr>
           <a:lstStyle/>
@@ -24412,6 +24733,31 @@
               <a:t> Security questions must be answered before link is sent</a:t>
             </a:r>
           </a:p>
+          <a:p>
+            <a:pPr indent="-166687" lvl="0" marL="179387" marR="0" rtl="0" algn="l">
+              <a:spcBef>
+                <a:spcPts val="0"/>
+              </a:spcBef>
+              <a:buClr>
+                <a:schemeClr val="dk1"/>
+              </a:buClr>
+              <a:buSzPct val="100000"/>
+              <a:buFont typeface="Calibri"/>
+              <a:buChar char="•"/>
+            </a:pPr>
+            <a:r>
+              <a:rPr lang="en-AU" sz="1800">
+                <a:solidFill>
+                  <a:schemeClr val="dk1"/>
+                </a:solidFill>
+                <a:latin typeface="Calibri"/>
+                <a:ea typeface="Calibri"/>
+                <a:cs typeface="Calibri"/>
+                <a:sym typeface="Calibri"/>
+              </a:rPr>
+              <a:t>possibility for cellphone verification </a:t>
+            </a:r>
+          </a:p>
         </p:txBody>
       </p:sp>
       <p:sp>
@@ -24422,7 +24768,7 @@
         </p:nvSpPr>
         <p:spPr>
           <a:xfrm>
-            <a:off x="9147153" y="109409"/>
+            <a:off x="9147153" y="109410"/>
             <a:ext cx="720000" cy="540000"/>
           </a:xfrm>
           <a:prstGeom prst="rect">
@@ -24444,7 +24790,7 @@
           </a:ln>
         </p:spPr>
         <p:txBody>
-          <a:bodyPr anchorCtr="0" anchor="ctr" bIns="45700" lIns="0" rIns="0" tIns="45700">
+          <a:bodyPr anchorCtr="0" anchor="ctr" bIns="45700" lIns="0" rIns="0" wrap="square" tIns="45700">
             <a:noAutofit/>
           </a:bodyPr>
           <a:lstStyle/>
@@ -24479,7 +24825,7 @@
         </p:nvSpPr>
         <p:spPr>
           <a:xfrm>
-            <a:off x="8283153" y="109409"/>
+            <a:off x="8283153" y="109410"/>
             <a:ext cx="792000" cy="540000"/>
           </a:xfrm>
           <a:prstGeom prst="rect">
@@ -24499,7 +24845,7 @@
           </a:ln>
         </p:spPr>
         <p:txBody>
-          <a:bodyPr anchorCtr="0" anchor="ctr" bIns="45700" lIns="0" rIns="0" tIns="45700">
+          <a:bodyPr anchorCtr="0" anchor="ctr" bIns="45700" lIns="0" rIns="0" wrap="square" tIns="45700">
             <a:noAutofit/>
           </a:bodyPr>
           <a:lstStyle/>
@@ -24534,7 +24880,7 @@
         </p:nvSpPr>
         <p:spPr>
           <a:xfrm>
-            <a:off x="39152" y="5128589"/>
+            <a:off x="39153" y="5128590"/>
             <a:ext cx="9828000" cy="1620000"/>
           </a:xfrm>
           <a:prstGeom prst="rect">
@@ -24554,7 +24900,7 @@
           </a:ln>
         </p:spPr>
         <p:txBody>
-          <a:bodyPr anchorCtr="0" anchor="t" bIns="45700" lIns="91425" rIns="91425" tIns="36000">
+          <a:bodyPr anchorCtr="0" anchor="t" bIns="45700" lIns="91425" rIns="91425" wrap="square" tIns="36000">
             <a:noAutofit/>
           </a:bodyPr>
           <a:lstStyle/>
@@ -24639,8 +24985,8 @@
         </p:nvSpPr>
         <p:spPr>
           <a:xfrm>
-            <a:off x="39152" y="109409"/>
-            <a:ext cx="719999" cy="540000"/>
+            <a:off x="39153" y="109410"/>
+            <a:ext cx="720000" cy="540000"/>
           </a:xfrm>
           <a:prstGeom prst="rect">
             <a:avLst/>
@@ -24659,7 +25005,7 @@
           </a:ln>
         </p:spPr>
         <p:txBody>
-          <a:bodyPr anchorCtr="0" anchor="ctr" bIns="45700" lIns="0" rIns="0" tIns="45700">
+          <a:bodyPr anchorCtr="0" anchor="ctr" bIns="45700" lIns="0" rIns="0" wrap="square" tIns="45700">
             <a:noAutofit/>
           </a:bodyPr>
           <a:lstStyle/>
@@ -24694,7 +25040,7 @@
         </p:nvSpPr>
         <p:spPr>
           <a:xfrm>
-            <a:off x="831153" y="109409"/>
+            <a:off x="831153" y="109410"/>
             <a:ext cx="7380000" cy="540000"/>
           </a:xfrm>
           <a:prstGeom prst="rect">
@@ -24714,7 +25060,7 @@
           </a:ln>
         </p:spPr>
         <p:txBody>
-          <a:bodyPr anchorCtr="0" anchor="ctr" bIns="45700" lIns="91425" rIns="91425" tIns="45700">
+          <a:bodyPr anchorCtr="0" anchor="ctr" bIns="45700" lIns="91425" rIns="91425" wrap="square" tIns="45700">
             <a:noAutofit/>
           </a:bodyPr>
           <a:lstStyle/>
@@ -24736,7 +25082,7 @@
                 <a:cs typeface="Calibri"/>
                 <a:sym typeface="Calibri"/>
               </a:rPr>
-              <a:t>User/Admin Login</a:t>
+              <a:t>User Login</a:t>
             </a:r>
           </a:p>
         </p:txBody>
@@ -24749,8 +25095,8 @@
         </p:nvSpPr>
         <p:spPr>
           <a:xfrm>
-            <a:off x="39152" y="822470"/>
-            <a:ext cx="9828000" cy="2339999"/>
+            <a:off x="39153" y="822470"/>
+            <a:ext cx="9828000" cy="2340000"/>
           </a:xfrm>
           <a:prstGeom prst="rect">
             <a:avLst/>
@@ -24769,7 +25115,7 @@
           </a:ln>
         </p:spPr>
         <p:txBody>
-          <a:bodyPr anchorCtr="0" anchor="t" bIns="45700" lIns="91425" rIns="91425" tIns="45700">
+          <a:bodyPr anchorCtr="0" anchor="t" bIns="45700" lIns="91425" rIns="91425" wrap="square" tIns="45700">
             <a:noAutofit/>
           </a:bodyPr>
           <a:lstStyle/>
@@ -24828,7 +25174,7 @@
         </p:nvSpPr>
         <p:spPr>
           <a:xfrm>
-            <a:off x="39152" y="3335530"/>
+            <a:off x="39153" y="3335530"/>
             <a:ext cx="9828000" cy="1620000"/>
           </a:xfrm>
           <a:prstGeom prst="rect">
@@ -24848,7 +25194,7 @@
           </a:ln>
         </p:spPr>
         <p:txBody>
-          <a:bodyPr anchorCtr="0" anchor="t" bIns="45700" lIns="91425" rIns="91425" tIns="36000">
+          <a:bodyPr anchorCtr="0" anchor="t" bIns="45700" lIns="91425" rIns="91425" wrap="square" tIns="36000">
             <a:noAutofit/>
           </a:bodyPr>
           <a:lstStyle/>
@@ -24947,6 +25293,31 @@
               <a:t>Display errors on invalid input data</a:t>
             </a:r>
           </a:p>
+          <a:p>
+            <a:pPr indent="-166687" lvl="0" marL="179387" marR="0" rtl="0" algn="l">
+              <a:spcBef>
+                <a:spcPts val="0"/>
+              </a:spcBef>
+              <a:buClr>
+                <a:schemeClr val="dk1"/>
+              </a:buClr>
+              <a:buSzPct val="100000"/>
+              <a:buFont typeface="Calibri"/>
+              <a:buChar char="•"/>
+            </a:pPr>
+            <a:r>
+              <a:rPr lang="en-AU" sz="1800">
+                <a:solidFill>
+                  <a:schemeClr val="dk1"/>
+                </a:solidFill>
+                <a:latin typeface="Calibri"/>
+                <a:ea typeface="Calibri"/>
+                <a:cs typeface="Calibri"/>
+                <a:sym typeface="Calibri"/>
+              </a:rPr>
+              <a:t>redirect back to login field if input is not successful and provide a register button</a:t>
+            </a:r>
+          </a:p>
         </p:txBody>
       </p:sp>
       <p:sp>
@@ -24957,8 +25328,8 @@
         </p:nvSpPr>
         <p:spPr>
           <a:xfrm>
-            <a:off x="9147153" y="109409"/>
-            <a:ext cx="719999" cy="540000"/>
+            <a:off x="9147153" y="109410"/>
+            <a:ext cx="720000" cy="540000"/>
           </a:xfrm>
           <a:prstGeom prst="rect">
             <a:avLst/>
@@ -24979,7 +25350,7 @@
           </a:ln>
         </p:spPr>
         <p:txBody>
-          <a:bodyPr anchorCtr="0" anchor="ctr" bIns="45700" lIns="0" rIns="0" tIns="45700">
+          <a:bodyPr anchorCtr="0" anchor="ctr" bIns="45700" lIns="0" rIns="0" wrap="square" tIns="45700">
             <a:noAutofit/>
           </a:bodyPr>
           <a:lstStyle/>
@@ -25014,8 +25385,8 @@
         </p:nvSpPr>
         <p:spPr>
           <a:xfrm>
-            <a:off x="8283153" y="109409"/>
-            <a:ext cx="791999" cy="540000"/>
+            <a:off x="8283153" y="109410"/>
+            <a:ext cx="792000" cy="540000"/>
           </a:xfrm>
           <a:prstGeom prst="rect">
             <a:avLst/>
@@ -25034,7 +25405,7 @@
           </a:ln>
         </p:spPr>
         <p:txBody>
-          <a:bodyPr anchorCtr="0" anchor="ctr" bIns="45700" lIns="0" rIns="0" tIns="45700">
+          <a:bodyPr anchorCtr="0" anchor="ctr" bIns="45700" lIns="0" rIns="0" wrap="square" tIns="45700">
             <a:noAutofit/>
           </a:bodyPr>
           <a:lstStyle/>
@@ -25069,7 +25440,7 @@
         </p:nvSpPr>
         <p:spPr>
           <a:xfrm>
-            <a:off x="39152" y="5128589"/>
+            <a:off x="39153" y="5128590"/>
             <a:ext cx="9828000" cy="1620000"/>
           </a:xfrm>
           <a:prstGeom prst="rect">
@@ -25089,7 +25460,7 @@
           </a:ln>
         </p:spPr>
         <p:txBody>
-          <a:bodyPr anchorCtr="0" anchor="t" bIns="45700" lIns="91425" rIns="91425" tIns="36000">
+          <a:bodyPr anchorCtr="0" anchor="t" bIns="45700" lIns="91425" rIns="91425" wrap="square" tIns="36000">
             <a:noAutofit/>
           </a:bodyPr>
           <a:lstStyle/>
@@ -25116,6 +25487,542 @@
           </a:p>
           <a:p>
             <a:pPr indent="-179388" lvl="0" marL="179388" marR="0" rtl="0" algn="l">
+              <a:spcBef>
+                <a:spcPts val="0"/>
+              </a:spcBef>
+              <a:buClr>
+                <a:schemeClr val="dk1"/>
+              </a:buClr>
+              <a:buSzPct val="100000"/>
+              <a:buFont typeface="Arial"/>
+              <a:buChar char="•"/>
+            </a:pPr>
+            <a:r>
+              <a:rPr lang="en-AU" sz="2000">
+                <a:solidFill>
+                  <a:schemeClr val="dk1"/>
+                </a:solidFill>
+                <a:latin typeface="Calibri"/>
+                <a:ea typeface="Calibri"/>
+                <a:cs typeface="Calibri"/>
+                <a:sym typeface="Calibri"/>
+              </a:rPr>
+              <a:t> </a:t>
+            </a:r>
+          </a:p>
+        </p:txBody>
+      </p:sp>
+    </p:spTree>
+  </p:cSld>
+  <p:clrMapOvr>
+    <a:masterClrMapping/>
+  </p:clrMapOvr>
+</p:sld>
+</file>
+
+<file path=ppt/slides/slide30.xml><?xml version="1.0" encoding="utf-8"?>
+<p:sld xmlns:a="http://schemas.openxmlformats.org/drawingml/2006/main" xmlns:r="http://schemas.openxmlformats.org/officeDocument/2006/relationships" xmlns:mc="http://schemas.openxmlformats.org/markup-compatibility/2006" xmlns:mv="urn:schemas-microsoft-com:mac:vml" xmlns:p="http://schemas.openxmlformats.org/presentationml/2006/main" xmlns:c="http://schemas.openxmlformats.org/drawingml/2006/chart" xmlns:dgm="http://schemas.openxmlformats.org/drawingml/2006/diagram" xmlns:o="urn:schemas-microsoft-com:office:office" xmlns:v="urn:schemas-microsoft-com:vml" xmlns:pvml="urn:schemas-microsoft-com:office:powerpoint" xmlns:com="http://schemas.openxmlformats.org/drawingml/2006/compatibility" xmlns:p14="http://schemas.microsoft.com/office/powerpoint/2010/main" xmlns:p15="http://schemas.microsoft.com/office/powerpoint/2012/main">
+  <p:cSld>
+    <p:spTree>
+      <p:nvGrpSpPr>
+        <p:cNvPr id="396" name="Shape 396"/>
+        <p:cNvGrpSpPr/>
+        <p:nvPr/>
+      </p:nvGrpSpPr>
+      <p:grpSpPr>
+        <a:xfrm>
+          <a:off x="0" y="0"/>
+          <a:ext cx="0" cy="0"/>
+          <a:chOff x="0" y="0"/>
+          <a:chExt cx="0" cy="0"/>
+        </a:xfrm>
+      </p:grpSpPr>
+      <p:sp>
+        <p:nvSpPr>
+          <p:cNvPr id="397" name="Shape 397"/>
+          <p:cNvSpPr/>
+          <p:nvPr/>
+        </p:nvSpPr>
+        <p:spPr>
+          <a:xfrm>
+            <a:off x="39153" y="109410"/>
+            <a:ext cx="720000" cy="540000"/>
+          </a:xfrm>
+          <a:prstGeom prst="rect">
+            <a:avLst/>
+          </a:prstGeom>
+          <a:solidFill>
+            <a:srgbClr val="B7CCE4"/>
+          </a:solidFill>
+          <a:ln cap="flat" cmpd="sng" w="25400">
+            <a:solidFill>
+              <a:srgbClr val="244061"/>
+            </a:solidFill>
+            <a:prstDash val="solid"/>
+            <a:round/>
+            <a:headEnd len="med" w="med" type="none"/>
+            <a:tailEnd len="med" w="med" type="none"/>
+          </a:ln>
+        </p:spPr>
+        <p:txBody>
+          <a:bodyPr anchorCtr="0" anchor="ctr" bIns="45700" lIns="0" rIns="0" wrap="square" tIns="45700">
+            <a:noAutofit/>
+          </a:bodyPr>
+          <a:lstStyle/>
+          <a:p>
+            <a:pPr indent="0" lvl="0" marL="0" marR="0" rtl="0" algn="ctr">
+              <a:spcBef>
+                <a:spcPts val="0"/>
+              </a:spcBef>
+              <a:buSzPct val="25000"/>
+              <a:buNone/>
+            </a:pPr>
+            <a:r>
+              <a:rPr lang="en-AU" sz="2000">
+                <a:solidFill>
+                  <a:schemeClr val="dk1"/>
+                </a:solidFill>
+                <a:latin typeface="Calibri"/>
+                <a:ea typeface="Calibri"/>
+                <a:cs typeface="Calibri"/>
+                <a:sym typeface="Calibri"/>
+              </a:rPr>
+              <a:t>028</a:t>
+            </a:r>
+          </a:p>
+        </p:txBody>
+      </p:sp>
+      <p:sp>
+        <p:nvSpPr>
+          <p:cNvPr id="398" name="Shape 398"/>
+          <p:cNvSpPr/>
+          <p:nvPr/>
+        </p:nvSpPr>
+        <p:spPr>
+          <a:xfrm>
+            <a:off x="831153" y="109410"/>
+            <a:ext cx="7380000" cy="540000"/>
+          </a:xfrm>
+          <a:prstGeom prst="rect">
+            <a:avLst/>
+          </a:prstGeom>
+          <a:solidFill>
+            <a:schemeClr val="accent1"/>
+          </a:solidFill>
+          <a:ln cap="flat" cmpd="sng" w="25400">
+            <a:solidFill>
+              <a:srgbClr val="244061"/>
+            </a:solidFill>
+            <a:prstDash val="solid"/>
+            <a:round/>
+            <a:headEnd len="med" w="med" type="none"/>
+            <a:tailEnd len="med" w="med" type="none"/>
+          </a:ln>
+        </p:spPr>
+        <p:txBody>
+          <a:bodyPr anchorCtr="0" anchor="ctr" bIns="45700" lIns="91425" rIns="91425" wrap="square" tIns="45700">
+            <a:noAutofit/>
+          </a:bodyPr>
+          <a:lstStyle/>
+          <a:p>
+            <a:pPr indent="0" lvl="0" marL="0" marR="0" rtl="0" algn="ctr">
+              <a:spcBef>
+                <a:spcPts val="0"/>
+              </a:spcBef>
+              <a:buSzPct val="25000"/>
+              <a:buNone/>
+            </a:pPr>
+            <a:r>
+              <a:rPr lang="en-AU" sz="2800">
+                <a:solidFill>
+                  <a:schemeClr val="lt1"/>
+                </a:solidFill>
+                <a:latin typeface="Calibri"/>
+                <a:ea typeface="Calibri"/>
+                <a:cs typeface="Calibri"/>
+                <a:sym typeface="Calibri"/>
+              </a:rPr>
+              <a:t>Pull services from google</a:t>
+            </a:r>
+          </a:p>
+        </p:txBody>
+      </p:sp>
+      <p:sp>
+        <p:nvSpPr>
+          <p:cNvPr id="399" name="Shape 399"/>
+          <p:cNvSpPr/>
+          <p:nvPr/>
+        </p:nvSpPr>
+        <p:spPr>
+          <a:xfrm>
+            <a:off x="39153" y="822470"/>
+            <a:ext cx="9828000" cy="2340000"/>
+          </a:xfrm>
+          <a:prstGeom prst="rect">
+            <a:avLst/>
+          </a:prstGeom>
+          <a:solidFill>
+            <a:srgbClr val="C5D8F1"/>
+          </a:solidFill>
+          <a:ln cap="flat" cmpd="sng" w="25400">
+            <a:solidFill>
+              <a:srgbClr val="244061"/>
+            </a:solidFill>
+            <a:prstDash val="solid"/>
+            <a:round/>
+            <a:headEnd len="med" w="med" type="none"/>
+            <a:tailEnd len="med" w="med" type="none"/>
+          </a:ln>
+        </p:spPr>
+        <p:txBody>
+          <a:bodyPr anchorCtr="0" anchor="t" bIns="45700" lIns="91425" rIns="91425" wrap="square" tIns="45700">
+            <a:noAutofit/>
+          </a:bodyPr>
+          <a:lstStyle/>
+          <a:p>
+            <a:pPr indent="0" lvl="0" marL="0" marR="0" rtl="0" algn="l">
+              <a:spcBef>
+                <a:spcPts val="0"/>
+              </a:spcBef>
+              <a:buSzPct val="25000"/>
+              <a:buNone/>
+            </a:pPr>
+            <a:r>
+              <a:rPr lang="en-AU" sz="2400">
+                <a:solidFill>
+                  <a:schemeClr val="dk1"/>
+                </a:solidFill>
+                <a:latin typeface="Calibri"/>
+                <a:ea typeface="Calibri"/>
+                <a:cs typeface="Calibri"/>
+                <a:sym typeface="Calibri"/>
+              </a:rPr>
+              <a:t>As a user i want to have access to the widest </a:t>
+            </a:r>
+            <a:r>
+              <a:rPr lang="en-AU" sz="2400">
+                <a:solidFill>
+                  <a:schemeClr val="dk1"/>
+                </a:solidFill>
+                <a:latin typeface="Calibri"/>
+                <a:ea typeface="Calibri"/>
+                <a:cs typeface="Calibri"/>
+                <a:sym typeface="Calibri"/>
+              </a:rPr>
+              <a:t>amount</a:t>
+            </a:r>
+            <a:r>
+              <a:rPr lang="en-AU" sz="2400">
+                <a:solidFill>
+                  <a:schemeClr val="dk1"/>
+                </a:solidFill>
+                <a:latin typeface="Calibri"/>
+                <a:ea typeface="Calibri"/>
+                <a:cs typeface="Calibri"/>
+                <a:sym typeface="Calibri"/>
+              </a:rPr>
+              <a:t> of results possible.   </a:t>
+            </a:r>
+          </a:p>
+        </p:txBody>
+      </p:sp>
+      <p:sp>
+        <p:nvSpPr>
+          <p:cNvPr id="400" name="Shape 400"/>
+          <p:cNvSpPr/>
+          <p:nvPr/>
+        </p:nvSpPr>
+        <p:spPr>
+          <a:xfrm>
+            <a:off x="39153" y="3335530"/>
+            <a:ext cx="9828000" cy="1620000"/>
+          </a:xfrm>
+          <a:prstGeom prst="rect">
+            <a:avLst/>
+          </a:prstGeom>
+          <a:solidFill>
+            <a:srgbClr val="DAE5F1"/>
+          </a:solidFill>
+          <a:ln cap="flat" cmpd="sng" w="25400">
+            <a:solidFill>
+              <a:srgbClr val="244061"/>
+            </a:solidFill>
+            <a:prstDash val="solid"/>
+            <a:round/>
+            <a:headEnd len="med" w="med" type="none"/>
+            <a:tailEnd len="med" w="med" type="none"/>
+          </a:ln>
+        </p:spPr>
+        <p:txBody>
+          <a:bodyPr anchorCtr="0" anchor="t" bIns="45700" lIns="91425" rIns="91425" wrap="square" tIns="36000">
+            <a:noAutofit/>
+          </a:bodyPr>
+          <a:lstStyle/>
+          <a:p>
+            <a:pPr lvl="0" rtl="0">
+              <a:spcBef>
+                <a:spcPts val="0"/>
+              </a:spcBef>
+              <a:buSzPct val="25000"/>
+              <a:buNone/>
+            </a:pPr>
+            <a:r>
+              <a:rPr lang="en-AU" sz="2000">
+                <a:solidFill>
+                  <a:schemeClr val="dk1"/>
+                </a:solidFill>
+                <a:latin typeface="Calibri"/>
+                <a:ea typeface="Calibri"/>
+                <a:cs typeface="Calibri"/>
+                <a:sym typeface="Calibri"/>
+              </a:rPr>
+              <a:t>Acceptance criteria</a:t>
+            </a:r>
+          </a:p>
+          <a:p>
+            <a:pPr indent="-166687" lvl="0" marL="179387" marR="0" rtl="0" algn="l">
+              <a:spcBef>
+                <a:spcPts val="0"/>
+              </a:spcBef>
+              <a:buClr>
+                <a:schemeClr val="dk1"/>
+              </a:buClr>
+              <a:buSzPct val="100000"/>
+              <a:buFont typeface="Arial"/>
+              <a:buChar char="•"/>
+            </a:pPr>
+            <a:r>
+              <a:rPr lang="en-AU" sz="1800">
+                <a:solidFill>
+                  <a:schemeClr val="dk1"/>
+                </a:solidFill>
+                <a:latin typeface="Calibri"/>
+                <a:ea typeface="Calibri"/>
+                <a:cs typeface="Calibri"/>
+                <a:sym typeface="Calibri"/>
+              </a:rPr>
+              <a:t> Services are pulled from google maps and added to a table</a:t>
+            </a:r>
+          </a:p>
+          <a:p>
+            <a:pPr indent="-166687" lvl="0" marL="179387" marR="0" rtl="0" algn="l">
+              <a:spcBef>
+                <a:spcPts val="0"/>
+              </a:spcBef>
+              <a:buClr>
+                <a:schemeClr val="dk1"/>
+              </a:buClr>
+              <a:buSzPct val="100000"/>
+              <a:buFont typeface="Arial"/>
+              <a:buChar char="•"/>
+            </a:pPr>
+            <a:r>
+              <a:rPr lang="en-AU" sz="1800">
+                <a:solidFill>
+                  <a:schemeClr val="dk1"/>
+                </a:solidFill>
+                <a:latin typeface="Calibri"/>
+                <a:ea typeface="Calibri"/>
+                <a:cs typeface="Calibri"/>
+                <a:sym typeface="Calibri"/>
+              </a:rPr>
+              <a:t> Display all pulled services into the map</a:t>
+            </a:r>
+          </a:p>
+          <a:p>
+            <a:pPr indent="-166687" lvl="0" marL="179387" marR="0" rtl="0" algn="l">
+              <a:spcBef>
+                <a:spcPts val="0"/>
+              </a:spcBef>
+              <a:buClr>
+                <a:schemeClr val="dk1"/>
+              </a:buClr>
+              <a:buSzPct val="100000"/>
+              <a:buFont typeface="Arial"/>
+              <a:buChar char="•"/>
+            </a:pPr>
+            <a:r>
+              <a:rPr lang="en-AU" sz="1800">
+                <a:solidFill>
+                  <a:schemeClr val="dk1"/>
+                </a:solidFill>
+                <a:latin typeface="Calibri"/>
+                <a:ea typeface="Calibri"/>
+                <a:cs typeface="Calibri"/>
+                <a:sym typeface="Calibri"/>
+              </a:rPr>
+              <a:t> DB data must be able to work with the results  </a:t>
+            </a:r>
+          </a:p>
+        </p:txBody>
+      </p:sp>
+      <p:sp>
+        <p:nvSpPr>
+          <p:cNvPr id="401" name="Shape 401"/>
+          <p:cNvSpPr/>
+          <p:nvPr/>
+        </p:nvSpPr>
+        <p:spPr>
+          <a:xfrm>
+            <a:off x="9147153" y="109410"/>
+            <a:ext cx="720000" cy="540000"/>
+          </a:xfrm>
+          <a:prstGeom prst="rect">
+            <a:avLst/>
+          </a:prstGeom>
+          <a:solidFill>
+            <a:srgbClr val="CCF0CD">
+              <a:alpha val="20000"/>
+            </a:srgbClr>
+          </a:solidFill>
+          <a:ln cap="flat" cmpd="sng" w="25400">
+            <a:solidFill>
+              <a:srgbClr val="244061"/>
+            </a:solidFill>
+            <a:prstDash val="solid"/>
+            <a:round/>
+            <a:headEnd len="med" w="med" type="none"/>
+            <a:tailEnd len="med" w="med" type="none"/>
+          </a:ln>
+        </p:spPr>
+        <p:txBody>
+          <a:bodyPr anchorCtr="0" anchor="ctr" bIns="45700" lIns="0" rIns="0" wrap="square" tIns="45700">
+            <a:noAutofit/>
+          </a:bodyPr>
+          <a:lstStyle/>
+          <a:p>
+            <a:pPr indent="0" lvl="0" marL="0" marR="0" rtl="0" algn="ctr">
+              <a:spcBef>
+                <a:spcPts val="0"/>
+              </a:spcBef>
+              <a:buSzPct val="25000"/>
+              <a:buNone/>
+            </a:pPr>
+            <a:r>
+              <a:rPr lang="en-AU" sz="2000">
+                <a:solidFill>
+                  <a:schemeClr val="dk1"/>
+                </a:solidFill>
+                <a:latin typeface="Calibri"/>
+                <a:ea typeface="Calibri"/>
+                <a:cs typeface="Calibri"/>
+                <a:sym typeface="Calibri"/>
+              </a:rPr>
+              <a:t>3</a:t>
+            </a:r>
+          </a:p>
+        </p:txBody>
+      </p:sp>
+      <p:sp>
+        <p:nvSpPr>
+          <p:cNvPr id="402" name="Shape 402"/>
+          <p:cNvSpPr/>
+          <p:nvPr/>
+        </p:nvSpPr>
+        <p:spPr>
+          <a:xfrm>
+            <a:off x="8283153" y="109410"/>
+            <a:ext cx="792000" cy="540000"/>
+          </a:xfrm>
+          <a:prstGeom prst="rect">
+            <a:avLst/>
+          </a:prstGeom>
+          <a:solidFill>
+            <a:srgbClr val="E5DFEC"/>
+          </a:solidFill>
+          <a:ln cap="flat" cmpd="sng" w="25400">
+            <a:solidFill>
+              <a:srgbClr val="244061"/>
+            </a:solidFill>
+            <a:prstDash val="solid"/>
+            <a:round/>
+            <a:headEnd len="med" w="med" type="none"/>
+            <a:tailEnd len="med" w="med" type="none"/>
+          </a:ln>
+        </p:spPr>
+        <p:txBody>
+          <a:bodyPr anchorCtr="0" anchor="ctr" bIns="45700" lIns="0" rIns="0" wrap="square" tIns="45700">
+            <a:noAutofit/>
+          </a:bodyPr>
+          <a:lstStyle/>
+          <a:p>
+            <a:pPr indent="0" lvl="0" marL="0" marR="0" rtl="0" algn="ctr">
+              <a:spcBef>
+                <a:spcPts val="0"/>
+              </a:spcBef>
+              <a:buSzPct val="25000"/>
+              <a:buNone/>
+            </a:pPr>
+            <a:r>
+              <a:rPr lang="en-AU" sz="2000">
+                <a:solidFill>
+                  <a:schemeClr val="dk1"/>
+                </a:solidFill>
+                <a:latin typeface="Calibri"/>
+                <a:ea typeface="Calibri"/>
+                <a:cs typeface="Calibri"/>
+                <a:sym typeface="Calibri"/>
+              </a:rPr>
+              <a:t>C</a:t>
+            </a:r>
+          </a:p>
+        </p:txBody>
+      </p:sp>
+      <p:sp>
+        <p:nvSpPr>
+          <p:cNvPr id="403" name="Shape 403"/>
+          <p:cNvSpPr/>
+          <p:nvPr/>
+        </p:nvSpPr>
+        <p:spPr>
+          <a:xfrm>
+            <a:off x="39153" y="5128590"/>
+            <a:ext cx="9828000" cy="1620000"/>
+          </a:xfrm>
+          <a:prstGeom prst="rect">
+            <a:avLst/>
+          </a:prstGeom>
+          <a:solidFill>
+            <a:schemeClr val="lt1"/>
+          </a:solidFill>
+          <a:ln cap="flat" cmpd="sng" w="25400">
+            <a:solidFill>
+              <a:srgbClr val="244061"/>
+            </a:solidFill>
+            <a:prstDash val="solid"/>
+            <a:round/>
+            <a:headEnd len="med" w="med" type="none"/>
+            <a:tailEnd len="med" w="med" type="none"/>
+          </a:ln>
+        </p:spPr>
+        <p:txBody>
+          <a:bodyPr anchorCtr="0" anchor="t" bIns="45700" lIns="91425" rIns="91425" wrap="square" tIns="36000">
+            <a:noAutofit/>
+          </a:bodyPr>
+          <a:lstStyle/>
+          <a:p>
+            <a:pPr indent="0" lvl="0" marL="0" marR="0" rtl="0" algn="l">
+              <a:spcBef>
+                <a:spcPts val="0"/>
+              </a:spcBef>
+              <a:buSzPct val="25000"/>
+              <a:buNone/>
+            </a:pPr>
+            <a:r>
+              <a:rPr lang="en-AU" sz="2000">
+                <a:solidFill>
+                  <a:schemeClr val="dk1"/>
+                </a:solidFill>
+                <a:latin typeface="Calibri"/>
+                <a:ea typeface="Calibri"/>
+                <a:cs typeface="Calibri"/>
+                <a:sym typeface="Calibri"/>
+              </a:rPr>
+              <a:t>Notes</a:t>
+            </a:r>
+          </a:p>
+          <a:p>
+            <a:pPr indent="-179387" lvl="0" marL="179387" marR="0" rtl="0" algn="l">
               <a:spcBef>
                 <a:spcPts val="0"/>
               </a:spcBef>
@@ -25174,7 +26081,7 @@
         </p:nvSpPr>
         <p:spPr>
           <a:xfrm>
-            <a:off x="39152" y="109409"/>
+            <a:off x="39153" y="109410"/>
             <a:ext cx="720000" cy="540000"/>
           </a:xfrm>
           <a:prstGeom prst="rect">
@@ -25194,7 +26101,7 @@
           </a:ln>
         </p:spPr>
         <p:txBody>
-          <a:bodyPr anchorCtr="0" anchor="ctr" bIns="45700" lIns="0" rIns="0" tIns="45700">
+          <a:bodyPr anchorCtr="0" anchor="ctr" bIns="45700" lIns="0" rIns="0" wrap="square" tIns="45700">
             <a:noAutofit/>
           </a:bodyPr>
           <a:lstStyle/>
@@ -25229,7 +26136,7 @@
         </p:nvSpPr>
         <p:spPr>
           <a:xfrm>
-            <a:off x="831153" y="109409"/>
+            <a:off x="831153" y="109410"/>
             <a:ext cx="7380000" cy="540000"/>
           </a:xfrm>
           <a:prstGeom prst="rect">
@@ -25249,7 +26156,7 @@
           </a:ln>
         </p:spPr>
         <p:txBody>
-          <a:bodyPr anchorCtr="0" anchor="ctr" bIns="45700" lIns="91425" rIns="91425" tIns="45700">
+          <a:bodyPr anchorCtr="0" anchor="ctr" bIns="45700" lIns="91425" rIns="91425" wrap="square" tIns="45700">
             <a:noAutofit/>
           </a:bodyPr>
           <a:lstStyle/>
@@ -25284,7 +26191,7 @@
         </p:nvSpPr>
         <p:spPr>
           <a:xfrm>
-            <a:off x="39152" y="822470"/>
+            <a:off x="39153" y="822470"/>
             <a:ext cx="9828000" cy="2340000"/>
           </a:xfrm>
           <a:prstGeom prst="rect">
@@ -25304,7 +26211,7 @@
           </a:ln>
         </p:spPr>
         <p:txBody>
-          <a:bodyPr anchorCtr="0" anchor="t" bIns="45700" lIns="91425" rIns="91425" tIns="45700">
+          <a:bodyPr anchorCtr="0" anchor="t" bIns="45700" lIns="91425" rIns="91425" wrap="square" tIns="45700">
             <a:noAutofit/>
           </a:bodyPr>
           <a:lstStyle/>
@@ -25339,7 +26246,7 @@
         </p:nvSpPr>
         <p:spPr>
           <a:xfrm>
-            <a:off x="39152" y="3335530"/>
+            <a:off x="39153" y="3335530"/>
             <a:ext cx="9828000" cy="1620000"/>
           </a:xfrm>
           <a:prstGeom prst="rect">
@@ -25359,7 +26266,7 @@
           </a:ln>
         </p:spPr>
         <p:txBody>
-          <a:bodyPr anchorCtr="0" anchor="t" bIns="45700" lIns="91425" rIns="91425" tIns="36000">
+          <a:bodyPr anchorCtr="0" anchor="t" bIns="45700" lIns="91425" rIns="91425" wrap="square" tIns="36000">
             <a:noAutofit/>
           </a:bodyPr>
           <a:lstStyle/>
@@ -25406,7 +26313,7 @@
                 <a:cs typeface="Calibri"/>
                 <a:sym typeface="Calibri"/>
               </a:rPr>
-              <a:t>An edit button to redirect user to a dedicated editing page</a:t>
+              <a:t>An edit button to redirect user to a dedicated editing page with input fields </a:t>
             </a:r>
           </a:p>
           <a:p>
@@ -25494,7 +26401,7 @@
         </p:nvSpPr>
         <p:spPr>
           <a:xfrm>
-            <a:off x="9147153" y="109409"/>
+            <a:off x="9147153" y="109410"/>
             <a:ext cx="720000" cy="540000"/>
           </a:xfrm>
           <a:prstGeom prst="rect">
@@ -25516,7 +26423,7 @@
           </a:ln>
         </p:spPr>
         <p:txBody>
-          <a:bodyPr anchorCtr="0" anchor="ctr" bIns="45700" lIns="0" rIns="0" tIns="45700">
+          <a:bodyPr anchorCtr="0" anchor="ctr" bIns="45700" lIns="0" rIns="0" wrap="square" tIns="45700">
             <a:noAutofit/>
           </a:bodyPr>
           <a:lstStyle/>
@@ -25551,7 +26458,7 @@
         </p:nvSpPr>
         <p:spPr>
           <a:xfrm>
-            <a:off x="8283153" y="109409"/>
+            <a:off x="8283153" y="109410"/>
             <a:ext cx="792000" cy="540000"/>
           </a:xfrm>
           <a:prstGeom prst="rect">
@@ -25571,7 +26478,7 @@
           </a:ln>
         </p:spPr>
         <p:txBody>
-          <a:bodyPr anchorCtr="0" anchor="ctr" bIns="45700" lIns="0" rIns="0" tIns="45700">
+          <a:bodyPr anchorCtr="0" anchor="ctr" bIns="45700" lIns="0" rIns="0" wrap="square" tIns="45700">
             <a:noAutofit/>
           </a:bodyPr>
           <a:lstStyle/>
@@ -25606,7 +26513,7 @@
         </p:nvSpPr>
         <p:spPr>
           <a:xfrm>
-            <a:off x="39152" y="5128589"/>
+            <a:off x="39153" y="5128590"/>
             <a:ext cx="9828000" cy="1620000"/>
           </a:xfrm>
           <a:prstGeom prst="rect">
@@ -25626,7 +26533,7 @@
           </a:ln>
         </p:spPr>
         <p:txBody>
-          <a:bodyPr anchorCtr="0" anchor="t" bIns="45700" lIns="91425" rIns="91425" tIns="36000">
+          <a:bodyPr anchorCtr="0" anchor="t" bIns="45700" lIns="91425" rIns="91425" wrap="square" tIns="36000">
             <a:noAutofit/>
           </a:bodyPr>
           <a:lstStyle/>
@@ -25711,7 +26618,7 @@
         </p:nvSpPr>
         <p:spPr>
           <a:xfrm>
-            <a:off x="39152" y="109409"/>
+            <a:off x="39153" y="109410"/>
             <a:ext cx="720000" cy="540000"/>
           </a:xfrm>
           <a:prstGeom prst="rect">
@@ -25731,7 +26638,7 @@
           </a:ln>
         </p:spPr>
         <p:txBody>
-          <a:bodyPr anchorCtr="0" anchor="ctr" bIns="45700" lIns="0" rIns="0" tIns="45700">
+          <a:bodyPr anchorCtr="0" anchor="ctr" bIns="45700" lIns="0" rIns="0" wrap="square" tIns="45700">
             <a:noAutofit/>
           </a:bodyPr>
           <a:lstStyle/>
@@ -25766,7 +26673,7 @@
         </p:nvSpPr>
         <p:spPr>
           <a:xfrm>
-            <a:off x="831153" y="109409"/>
+            <a:off x="831153" y="109410"/>
             <a:ext cx="7380000" cy="540000"/>
           </a:xfrm>
           <a:prstGeom prst="rect">
@@ -25786,7 +26693,7 @@
           </a:ln>
         </p:spPr>
         <p:txBody>
-          <a:bodyPr anchorCtr="0" anchor="ctr" bIns="45700" lIns="91425" rIns="91425" tIns="45700">
+          <a:bodyPr anchorCtr="0" anchor="ctr" bIns="45700" lIns="91425" rIns="91425" wrap="square" tIns="45700">
             <a:noAutofit/>
           </a:bodyPr>
           <a:lstStyle/>
@@ -25821,7 +26728,7 @@
         </p:nvSpPr>
         <p:spPr>
           <a:xfrm>
-            <a:off x="39152" y="822470"/>
+            <a:off x="39153" y="822470"/>
             <a:ext cx="9828000" cy="2340000"/>
           </a:xfrm>
           <a:prstGeom prst="rect">
@@ -25841,7 +26748,7 @@
           </a:ln>
         </p:spPr>
         <p:txBody>
-          <a:bodyPr anchorCtr="0" anchor="t" bIns="45700" lIns="91425" rIns="91425" tIns="45700">
+          <a:bodyPr anchorCtr="0" anchor="t" bIns="45700" lIns="91425" rIns="91425" wrap="square" tIns="45700">
             <a:noAutofit/>
           </a:bodyPr>
           <a:lstStyle/>
@@ -25876,7 +26783,7 @@
         </p:nvSpPr>
         <p:spPr>
           <a:xfrm>
-            <a:off x="39152" y="3335530"/>
+            <a:off x="39153" y="3335530"/>
             <a:ext cx="9828000" cy="1620000"/>
           </a:xfrm>
           <a:prstGeom prst="rect">
@@ -25896,7 +26803,7 @@
           </a:ln>
         </p:spPr>
         <p:txBody>
-          <a:bodyPr anchorCtr="0" anchor="t" bIns="45700" lIns="91425" rIns="91425" tIns="36000">
+          <a:bodyPr anchorCtr="0" anchor="t" bIns="45700" lIns="91425" rIns="91425" wrap="square" tIns="36000">
             <a:noAutofit/>
           </a:bodyPr>
           <a:lstStyle/>
@@ -25993,7 +26900,7 @@
                 <a:cs typeface="Calibri"/>
                 <a:sym typeface="Calibri"/>
               </a:rPr>
-              <a:t>No duplicate account usernames</a:t>
+              <a:t>No duplicate account usernames or emails </a:t>
             </a:r>
           </a:p>
           <a:p>
@@ -26031,7 +26938,7 @@
         </p:nvSpPr>
         <p:spPr>
           <a:xfrm>
-            <a:off x="9147153" y="109409"/>
+            <a:off x="9147153" y="109410"/>
             <a:ext cx="720000" cy="540000"/>
           </a:xfrm>
           <a:prstGeom prst="rect">
@@ -26053,7 +26960,7 @@
           </a:ln>
         </p:spPr>
         <p:txBody>
-          <a:bodyPr anchorCtr="0" anchor="ctr" bIns="45700" lIns="0" rIns="0" tIns="45700">
+          <a:bodyPr anchorCtr="0" anchor="ctr" bIns="45700" lIns="0" rIns="0" wrap="square" tIns="45700">
             <a:noAutofit/>
           </a:bodyPr>
           <a:lstStyle/>
@@ -26088,7 +26995,7 @@
         </p:nvSpPr>
         <p:spPr>
           <a:xfrm>
-            <a:off x="8283153" y="109409"/>
+            <a:off x="8283153" y="109410"/>
             <a:ext cx="792000" cy="540000"/>
           </a:xfrm>
           <a:prstGeom prst="rect">
@@ -26108,7 +27015,7 @@
           </a:ln>
         </p:spPr>
         <p:txBody>
-          <a:bodyPr anchorCtr="0" anchor="ctr" bIns="45700" lIns="0" rIns="0" tIns="45700">
+          <a:bodyPr anchorCtr="0" anchor="ctr" bIns="45700" lIns="0" rIns="0" wrap="square" tIns="45700">
             <a:noAutofit/>
           </a:bodyPr>
           <a:lstStyle/>
@@ -26143,7 +27050,7 @@
         </p:nvSpPr>
         <p:spPr>
           <a:xfrm>
-            <a:off x="39152" y="5128589"/>
+            <a:off x="39153" y="5128590"/>
             <a:ext cx="9828000" cy="1620000"/>
           </a:xfrm>
           <a:prstGeom prst="rect">
@@ -26163,7 +27070,7 @@
           </a:ln>
         </p:spPr>
         <p:txBody>
-          <a:bodyPr anchorCtr="0" anchor="t" bIns="45700" lIns="91425" rIns="91425" tIns="36000">
+          <a:bodyPr anchorCtr="0" anchor="t" bIns="45700" lIns="91425" rIns="91425" wrap="square" tIns="36000">
             <a:noAutofit/>
           </a:bodyPr>
           <a:lstStyle/>
@@ -26248,7 +27155,7 @@
         </p:nvSpPr>
         <p:spPr>
           <a:xfrm>
-            <a:off x="39152" y="109409"/>
+            <a:off x="39153" y="109410"/>
             <a:ext cx="720000" cy="540000"/>
           </a:xfrm>
           <a:prstGeom prst="rect">
@@ -26268,7 +27175,7 @@
           </a:ln>
         </p:spPr>
         <p:txBody>
-          <a:bodyPr anchorCtr="0" anchor="ctr" bIns="45700" lIns="0" rIns="0" tIns="45700">
+          <a:bodyPr anchorCtr="0" anchor="ctr" bIns="45700" lIns="0" rIns="0" wrap="square" tIns="45700">
             <a:noAutofit/>
           </a:bodyPr>
           <a:lstStyle/>
@@ -26303,7 +27210,7 @@
         </p:nvSpPr>
         <p:spPr>
           <a:xfrm>
-            <a:off x="831153" y="109409"/>
+            <a:off x="831153" y="109410"/>
             <a:ext cx="7380000" cy="540000"/>
           </a:xfrm>
           <a:prstGeom prst="rect">
@@ -26323,7 +27230,7 @@
           </a:ln>
         </p:spPr>
         <p:txBody>
-          <a:bodyPr anchorCtr="0" anchor="ctr" bIns="45700" lIns="91425" rIns="91425" tIns="45700">
+          <a:bodyPr anchorCtr="0" anchor="ctr" bIns="45700" lIns="91425" rIns="91425" wrap="square" tIns="45700">
             <a:noAutofit/>
           </a:bodyPr>
           <a:lstStyle/>
@@ -26345,7 +27252,7 @@
                 <a:cs typeface="Calibri"/>
                 <a:sym typeface="Calibri"/>
               </a:rPr>
-              <a:t>User/Admin Logout</a:t>
+              <a:t>User Logout</a:t>
             </a:r>
           </a:p>
         </p:txBody>
@@ -26358,7 +27265,7 @@
         </p:nvSpPr>
         <p:spPr>
           <a:xfrm>
-            <a:off x="39152" y="822470"/>
+            <a:off x="39153" y="822470"/>
             <a:ext cx="9828000" cy="2340000"/>
           </a:xfrm>
           <a:prstGeom prst="rect">
@@ -26378,7 +27285,7 @@
           </a:ln>
         </p:spPr>
         <p:txBody>
-          <a:bodyPr anchorCtr="0" anchor="t" bIns="45700" lIns="91425" rIns="91425" tIns="45700">
+          <a:bodyPr anchorCtr="0" anchor="t" bIns="45700" lIns="91425" rIns="91425" wrap="square" tIns="45700">
             <a:noAutofit/>
           </a:bodyPr>
           <a:lstStyle/>
@@ -26400,7 +27307,7 @@
                 <a:cs typeface="Calibri"/>
                 <a:sym typeface="Calibri"/>
               </a:rPr>
-              <a:t>As a User/Admin I want to be able to logout so that when I have finished using the website others cannot access my account.</a:t>
+              <a:t>As a User/Admin I want to be able to log out so that when I have finished using the website others cannot access my account.</a:t>
             </a:r>
           </a:p>
         </p:txBody>
@@ -26413,7 +27320,7 @@
         </p:nvSpPr>
         <p:spPr>
           <a:xfrm>
-            <a:off x="39152" y="3335530"/>
+            <a:off x="39153" y="3335530"/>
             <a:ext cx="9828000" cy="1620000"/>
           </a:xfrm>
           <a:prstGeom prst="rect">
@@ -26433,7 +27340,7 @@
           </a:ln>
         </p:spPr>
         <p:txBody>
-          <a:bodyPr anchorCtr="0" anchor="t" bIns="45700" lIns="91425" rIns="91425" tIns="36000">
+          <a:bodyPr anchorCtr="0" anchor="t" bIns="45700" lIns="91425" rIns="91425" wrap="square" tIns="36000">
             <a:noAutofit/>
           </a:bodyPr>
           <a:lstStyle/>
@@ -26543,7 +27450,7 @@
         </p:nvSpPr>
         <p:spPr>
           <a:xfrm>
-            <a:off x="9147153" y="109409"/>
+            <a:off x="9147153" y="109410"/>
             <a:ext cx="720000" cy="540000"/>
           </a:xfrm>
           <a:prstGeom prst="rect">
@@ -26565,7 +27472,7 @@
           </a:ln>
         </p:spPr>
         <p:txBody>
-          <a:bodyPr anchorCtr="0" anchor="ctr" bIns="45700" lIns="0" rIns="0" tIns="45700">
+          <a:bodyPr anchorCtr="0" anchor="ctr" bIns="45700" lIns="0" rIns="0" wrap="square" tIns="45700">
             <a:noAutofit/>
           </a:bodyPr>
           <a:lstStyle/>
@@ -26600,7 +27507,7 @@
         </p:nvSpPr>
         <p:spPr>
           <a:xfrm>
-            <a:off x="8283153" y="109409"/>
+            <a:off x="8283153" y="109410"/>
             <a:ext cx="792000" cy="540000"/>
           </a:xfrm>
           <a:prstGeom prst="rect">
@@ -26620,7 +27527,7 @@
           </a:ln>
         </p:spPr>
         <p:txBody>
-          <a:bodyPr anchorCtr="0" anchor="ctr" bIns="45700" lIns="0" rIns="0" tIns="45700">
+          <a:bodyPr anchorCtr="0" anchor="ctr" bIns="45700" lIns="0" rIns="0" wrap="square" tIns="45700">
             <a:noAutofit/>
           </a:bodyPr>
           <a:lstStyle/>
@@ -26655,7 +27562,7 @@
         </p:nvSpPr>
         <p:spPr>
           <a:xfrm>
-            <a:off x="39152" y="5128589"/>
+            <a:off x="39153" y="5128590"/>
             <a:ext cx="9828000" cy="1620000"/>
           </a:xfrm>
           <a:prstGeom prst="rect">
@@ -26675,7 +27582,7 @@
           </a:ln>
         </p:spPr>
         <p:txBody>
-          <a:bodyPr anchorCtr="0" anchor="t" bIns="45700" lIns="91425" rIns="91425" tIns="36000">
+          <a:bodyPr anchorCtr="0" anchor="t" bIns="45700" lIns="91425" rIns="91425" wrap="square" tIns="36000">
             <a:noAutofit/>
           </a:bodyPr>
           <a:lstStyle/>
@@ -26760,7 +27667,7 @@
         </p:nvSpPr>
         <p:spPr>
           <a:xfrm>
-            <a:off x="39152" y="109409"/>
+            <a:off x="39153" y="109410"/>
             <a:ext cx="720000" cy="540000"/>
           </a:xfrm>
           <a:prstGeom prst="rect">
@@ -26780,7 +27687,7 @@
           </a:ln>
         </p:spPr>
         <p:txBody>
-          <a:bodyPr anchorCtr="0" anchor="ctr" bIns="45700" lIns="0" rIns="0" tIns="45700">
+          <a:bodyPr anchorCtr="0" anchor="ctr" bIns="45700" lIns="0" rIns="0" wrap="square" tIns="45700">
             <a:noAutofit/>
           </a:bodyPr>
           <a:lstStyle/>
@@ -26815,7 +27722,7 @@
         </p:nvSpPr>
         <p:spPr>
           <a:xfrm>
-            <a:off x="831153" y="109409"/>
+            <a:off x="831153" y="109410"/>
             <a:ext cx="7380000" cy="540000"/>
           </a:xfrm>
           <a:prstGeom prst="rect">
@@ -26835,7 +27742,7 @@
           </a:ln>
         </p:spPr>
         <p:txBody>
-          <a:bodyPr anchorCtr="0" anchor="ctr" bIns="45700" lIns="91425" rIns="91425" tIns="45700">
+          <a:bodyPr anchorCtr="0" anchor="ctr" bIns="45700" lIns="91425" rIns="91425" wrap="square" tIns="45700">
             <a:noAutofit/>
           </a:bodyPr>
           <a:lstStyle/>
@@ -26870,7 +27777,7 @@
         </p:nvSpPr>
         <p:spPr>
           <a:xfrm>
-            <a:off x="39152" y="822470"/>
+            <a:off x="39153" y="822470"/>
             <a:ext cx="9828000" cy="2340000"/>
           </a:xfrm>
           <a:prstGeom prst="rect">
@@ -26890,7 +27797,7 @@
           </a:ln>
         </p:spPr>
         <p:txBody>
-          <a:bodyPr anchorCtr="0" anchor="t" bIns="45700" lIns="91425" rIns="91425" tIns="45700">
+          <a:bodyPr anchorCtr="0" anchor="t" bIns="45700" lIns="91425" rIns="91425" wrap="square" tIns="45700">
             <a:noAutofit/>
           </a:bodyPr>
           <a:lstStyle/>
@@ -26925,7 +27832,7 @@
         </p:nvSpPr>
         <p:spPr>
           <a:xfrm>
-            <a:off x="39152" y="3335530"/>
+            <a:off x="39153" y="3335530"/>
             <a:ext cx="9828000" cy="1620000"/>
           </a:xfrm>
           <a:prstGeom prst="rect">
@@ -26945,7 +27852,7 @@
           </a:ln>
         </p:spPr>
         <p:txBody>
-          <a:bodyPr anchorCtr="0" anchor="t" bIns="45700" lIns="91425" rIns="91425" tIns="36000">
+          <a:bodyPr anchorCtr="0" anchor="t" bIns="45700" lIns="91425" rIns="91425" wrap="square" tIns="36000">
             <a:noAutofit/>
           </a:bodyPr>
           <a:lstStyle/>
@@ -27092,7 +27999,7 @@
         </p:nvSpPr>
         <p:spPr>
           <a:xfrm>
-            <a:off x="9147153" y="109409"/>
+            <a:off x="9147153" y="109410"/>
             <a:ext cx="720000" cy="540000"/>
           </a:xfrm>
           <a:prstGeom prst="rect">
@@ -27114,7 +28021,7 @@
           </a:ln>
         </p:spPr>
         <p:txBody>
-          <a:bodyPr anchorCtr="0" anchor="ctr" bIns="45700" lIns="0" rIns="0" tIns="45700">
+          <a:bodyPr anchorCtr="0" anchor="ctr" bIns="45700" lIns="0" rIns="0" wrap="square" tIns="45700">
             <a:noAutofit/>
           </a:bodyPr>
           <a:lstStyle/>
@@ -27149,7 +28056,7 @@
         </p:nvSpPr>
         <p:spPr>
           <a:xfrm>
-            <a:off x="8283153" y="109409"/>
+            <a:off x="8283153" y="109410"/>
             <a:ext cx="792000" cy="540000"/>
           </a:xfrm>
           <a:prstGeom prst="rect">
@@ -27169,7 +28076,7 @@
           </a:ln>
         </p:spPr>
         <p:txBody>
-          <a:bodyPr anchorCtr="0" anchor="ctr" bIns="45700" lIns="0" rIns="0" tIns="45700">
+          <a:bodyPr anchorCtr="0" anchor="ctr" bIns="45700" lIns="0" rIns="0" wrap="square" tIns="45700">
             <a:noAutofit/>
           </a:bodyPr>
           <a:lstStyle/>
@@ -27204,7 +28111,7 @@
         </p:nvSpPr>
         <p:spPr>
           <a:xfrm>
-            <a:off x="39152" y="5128589"/>
+            <a:off x="39153" y="5128590"/>
             <a:ext cx="9828000" cy="1620000"/>
           </a:xfrm>
           <a:prstGeom prst="rect">
@@ -27224,7 +28131,7 @@
           </a:ln>
         </p:spPr>
         <p:txBody>
-          <a:bodyPr anchorCtr="0" anchor="t" bIns="45700" lIns="91425" rIns="91425" tIns="36000">
+          <a:bodyPr anchorCtr="0" anchor="t" bIns="45700" lIns="91425" rIns="91425" wrap="square" tIns="36000">
             <a:noAutofit/>
           </a:bodyPr>
           <a:lstStyle/>
@@ -27309,7 +28216,7 @@
         </p:nvSpPr>
         <p:spPr>
           <a:xfrm>
-            <a:off x="39152" y="109409"/>
+            <a:off x="39153" y="109410"/>
             <a:ext cx="720000" cy="540000"/>
           </a:xfrm>
           <a:prstGeom prst="rect">
@@ -27329,7 +28236,7 @@
           </a:ln>
         </p:spPr>
         <p:txBody>
-          <a:bodyPr anchorCtr="0" anchor="ctr" bIns="45700" lIns="0" rIns="0" tIns="45700">
+          <a:bodyPr anchorCtr="0" anchor="ctr" bIns="45700" lIns="0" rIns="0" wrap="square" tIns="45700">
             <a:noAutofit/>
           </a:bodyPr>
           <a:lstStyle/>
@@ -27364,7 +28271,7 @@
         </p:nvSpPr>
         <p:spPr>
           <a:xfrm>
-            <a:off x="831153" y="109409"/>
+            <a:off x="831153" y="109410"/>
             <a:ext cx="7380000" cy="540000"/>
           </a:xfrm>
           <a:prstGeom prst="rect">
@@ -27384,7 +28291,7 @@
           </a:ln>
         </p:spPr>
         <p:txBody>
-          <a:bodyPr anchorCtr="0" anchor="ctr" bIns="45700" lIns="91425" rIns="91425" tIns="45700">
+          <a:bodyPr anchorCtr="0" anchor="ctr" bIns="45700" lIns="91425" rIns="91425" wrap="square" tIns="45700">
             <a:noAutofit/>
           </a:bodyPr>
           <a:lstStyle/>
@@ -27419,7 +28326,7 @@
         </p:nvSpPr>
         <p:spPr>
           <a:xfrm>
-            <a:off x="39152" y="822470"/>
+            <a:off x="39153" y="822470"/>
             <a:ext cx="9828000" cy="2340000"/>
           </a:xfrm>
           <a:prstGeom prst="rect">
@@ -27439,7 +28346,7 @@
           </a:ln>
         </p:spPr>
         <p:txBody>
-          <a:bodyPr anchorCtr="0" anchor="t" bIns="45700" lIns="91425" rIns="91425" tIns="45700">
+          <a:bodyPr anchorCtr="0" anchor="t" bIns="45700" lIns="91425" rIns="91425" wrap="square" tIns="45700">
             <a:noAutofit/>
           </a:bodyPr>
           <a:lstStyle/>
@@ -27542,7 +28449,7 @@
           </a:ln>
         </p:spPr>
         <p:txBody>
-          <a:bodyPr anchorCtr="0" anchor="t" bIns="45700" lIns="91425" rIns="91425" tIns="36000">
+          <a:bodyPr anchorCtr="0" anchor="t" bIns="45700" lIns="91425" rIns="91425" wrap="square" tIns="36000">
             <a:noAutofit/>
           </a:bodyPr>
           <a:lstStyle/>
@@ -27677,7 +28584,7 @@
         </p:nvSpPr>
         <p:spPr>
           <a:xfrm>
-            <a:off x="9147153" y="109409"/>
+            <a:off x="9147153" y="109410"/>
             <a:ext cx="720000" cy="540000"/>
           </a:xfrm>
           <a:prstGeom prst="rect">
@@ -27699,7 +28606,7 @@
           </a:ln>
         </p:spPr>
         <p:txBody>
-          <a:bodyPr anchorCtr="0" anchor="ctr" bIns="45700" lIns="0" rIns="0" tIns="45700">
+          <a:bodyPr anchorCtr="0" anchor="ctr" bIns="45700" lIns="0" rIns="0" wrap="square" tIns="45700">
             <a:noAutofit/>
           </a:bodyPr>
           <a:lstStyle/>
@@ -27734,7 +28641,7 @@
         </p:nvSpPr>
         <p:spPr>
           <a:xfrm>
-            <a:off x="8283153" y="109409"/>
+            <a:off x="8283153" y="109410"/>
             <a:ext cx="792000" cy="540000"/>
           </a:xfrm>
           <a:prstGeom prst="rect">
@@ -27754,7 +28661,7 @@
           </a:ln>
         </p:spPr>
         <p:txBody>
-          <a:bodyPr anchorCtr="0" anchor="ctr" bIns="45700" lIns="0" rIns="0" tIns="45700">
+          <a:bodyPr anchorCtr="0" anchor="ctr" bIns="45700" lIns="0" rIns="0" wrap="square" tIns="45700">
             <a:noAutofit/>
           </a:bodyPr>
           <a:lstStyle/>
@@ -27809,7 +28716,7 @@
           </a:ln>
         </p:spPr>
         <p:txBody>
-          <a:bodyPr anchorCtr="0" anchor="t" bIns="45700" lIns="91425" rIns="91425" tIns="36000">
+          <a:bodyPr anchorCtr="0" anchor="t" bIns="45700" lIns="91425" rIns="91425" wrap="square" tIns="36000">
             <a:noAutofit/>
           </a:bodyPr>
           <a:lstStyle/>
@@ -27894,7 +28801,7 @@
         </p:nvSpPr>
         <p:spPr>
           <a:xfrm>
-            <a:off x="39152" y="109409"/>
+            <a:off x="39153" y="109410"/>
             <a:ext cx="720000" cy="540000"/>
           </a:xfrm>
           <a:prstGeom prst="rect">
@@ -27914,7 +28821,7 @@
           </a:ln>
         </p:spPr>
         <p:txBody>
-          <a:bodyPr anchorCtr="0" anchor="ctr" bIns="45700" lIns="0" rIns="0" tIns="45700">
+          <a:bodyPr anchorCtr="0" anchor="ctr" bIns="45700" lIns="0" rIns="0" wrap="square" tIns="45700">
             <a:noAutofit/>
           </a:bodyPr>
           <a:lstStyle/>
@@ -27949,7 +28856,7 @@
         </p:nvSpPr>
         <p:spPr>
           <a:xfrm>
-            <a:off x="831153" y="109409"/>
+            <a:off x="831153" y="109410"/>
             <a:ext cx="7380000" cy="540000"/>
           </a:xfrm>
           <a:prstGeom prst="rect">
@@ -27969,7 +28876,7 @@
           </a:ln>
         </p:spPr>
         <p:txBody>
-          <a:bodyPr anchorCtr="0" anchor="ctr" bIns="45700" lIns="91425" rIns="91425" tIns="45700">
+          <a:bodyPr anchorCtr="0" anchor="ctr" bIns="45700" lIns="91425" rIns="91425" wrap="square" tIns="45700">
             <a:noAutofit/>
           </a:bodyPr>
           <a:lstStyle/>
@@ -28004,7 +28911,7 @@
         </p:nvSpPr>
         <p:spPr>
           <a:xfrm>
-            <a:off x="39152" y="822470"/>
+            <a:off x="39153" y="822470"/>
             <a:ext cx="9828000" cy="2340000"/>
           </a:xfrm>
           <a:prstGeom prst="rect">
@@ -28024,7 +28931,7 @@
           </a:ln>
         </p:spPr>
         <p:txBody>
-          <a:bodyPr anchorCtr="0" anchor="t" bIns="45700" lIns="91425" rIns="91425" tIns="45700">
+          <a:bodyPr anchorCtr="0" anchor="t" bIns="45700" lIns="91425" rIns="91425" wrap="square" tIns="45700">
             <a:noAutofit/>
           </a:bodyPr>
           <a:lstStyle/>
@@ -28127,7 +29034,7 @@
           </a:ln>
         </p:spPr>
         <p:txBody>
-          <a:bodyPr anchorCtr="0" anchor="t" bIns="45700" lIns="91425" rIns="91425" tIns="36000">
+          <a:bodyPr anchorCtr="0" anchor="t" bIns="45700" lIns="91425" rIns="91425" wrap="square" tIns="36000">
             <a:noAutofit/>
           </a:bodyPr>
           <a:lstStyle/>
@@ -28287,7 +29194,7 @@
         </p:nvSpPr>
         <p:spPr>
           <a:xfrm>
-            <a:off x="9147153" y="109409"/>
+            <a:off x="9147153" y="109410"/>
             <a:ext cx="720000" cy="540000"/>
           </a:xfrm>
           <a:prstGeom prst="rect">
@@ -28309,7 +29216,7 @@
           </a:ln>
         </p:spPr>
         <p:txBody>
-          <a:bodyPr anchorCtr="0" anchor="ctr" bIns="45700" lIns="0" rIns="0" tIns="45700">
+          <a:bodyPr anchorCtr="0" anchor="ctr" bIns="45700" lIns="0" rIns="0" wrap="square" tIns="45700">
             <a:noAutofit/>
           </a:bodyPr>
           <a:lstStyle/>
@@ -28344,7 +29251,7 @@
         </p:nvSpPr>
         <p:spPr>
           <a:xfrm>
-            <a:off x="8283153" y="109409"/>
+            <a:off x="8283153" y="109410"/>
             <a:ext cx="792000" cy="540000"/>
           </a:xfrm>
           <a:prstGeom prst="rect">
@@ -28364,7 +29271,7 @@
           </a:ln>
         </p:spPr>
         <p:txBody>
-          <a:bodyPr anchorCtr="0" anchor="ctr" bIns="45700" lIns="0" rIns="0" tIns="45700">
+          <a:bodyPr anchorCtr="0" anchor="ctr" bIns="45700" lIns="0" rIns="0" wrap="square" tIns="45700">
             <a:noAutofit/>
           </a:bodyPr>
           <a:lstStyle/>
@@ -28419,7 +29326,7 @@
           </a:ln>
         </p:spPr>
         <p:txBody>
-          <a:bodyPr anchorCtr="0" anchor="t" bIns="45700" lIns="91425" rIns="91425" tIns="36000">
+          <a:bodyPr anchorCtr="0" anchor="t" bIns="45700" lIns="91425" rIns="91425" wrap="square" tIns="36000">
             <a:noAutofit/>
           </a:bodyPr>
           <a:lstStyle/>
@@ -28480,6 +29387,285 @@
 </file>
 
 <file path=ppt/theme/theme1.xml><?xml version="1.0" encoding="utf-8"?>
+<a:theme xmlns:a="http://schemas.openxmlformats.org/drawingml/2006/main" xmlns:r="http://schemas.openxmlformats.org/officeDocument/2006/relationships" name="Office Theme">
+  <a:themeElements>
+    <a:clrScheme name="Office">
+      <a:dk1>
+        <a:srgbClr val="000000"/>
+      </a:dk1>
+      <a:lt1>
+        <a:srgbClr val="FFFFFF"/>
+      </a:lt1>
+      <a:dk2>
+        <a:srgbClr val="1F497D"/>
+      </a:dk2>
+      <a:lt2>
+        <a:srgbClr val="EEECE1"/>
+      </a:lt2>
+      <a:accent1>
+        <a:srgbClr val="4F81BD"/>
+      </a:accent1>
+      <a:accent2>
+        <a:srgbClr val="C0504D"/>
+      </a:accent2>
+      <a:accent3>
+        <a:srgbClr val="9BBB59"/>
+      </a:accent3>
+      <a:accent4>
+        <a:srgbClr val="8064A2"/>
+      </a:accent4>
+      <a:accent5>
+        <a:srgbClr val="4BACC6"/>
+      </a:accent5>
+      <a:accent6>
+        <a:srgbClr val="F79646"/>
+      </a:accent6>
+      <a:hlink>
+        <a:srgbClr val="0000FF"/>
+      </a:hlink>
+      <a:folHlink>
+        <a:srgbClr val="800080"/>
+      </a:folHlink>
+    </a:clrScheme>
+    <a:fontScheme name="Office">
+      <a:majorFont>
+        <a:latin typeface="Arial"/>
+        <a:ea typeface=""/>
+        <a:cs typeface=""/>
+        <a:font script="Jpan" typeface="ＭＳ Ｐゴシック"/>
+        <a:font script="Hang" typeface="맑은 고딕"/>
+        <a:font script="Hans" typeface="宋体"/>
+        <a:font script="Hant" typeface="新細明體"/>
+        <a:font script="Arab" typeface="Times New Roman"/>
+        <a:font script="Hebr" typeface="Times New Roman"/>
+        <a:font script="Thai" typeface="Angsana New"/>
+        <a:font script="Ethi" typeface="Nyala"/>
+        <a:font script="Beng" typeface="Vrinda"/>
+        <a:font script="Gujr" typeface="Shruti"/>
+        <a:font script="Khmr" typeface="MoolBoran"/>
+        <a:font script="Knda" typeface="Tunga"/>
+        <a:font script="Guru" typeface="Raavi"/>
+        <a:font script="Cans" typeface="Euphemia"/>
+        <a:font script="Cher" typeface="Plantagenet Cherokee"/>
+        <a:font script="Yiii" typeface="Microsoft Yi Baiti"/>
+        <a:font script="Tibt" typeface="Microsoft Himalaya"/>
+        <a:font script="Thaa" typeface="MV Boli"/>
+        <a:font script="Deva" typeface="Mangal"/>
+        <a:font script="Telu" typeface="Gautami"/>
+        <a:font script="Taml" typeface="Latha"/>
+        <a:font script="Syrc" typeface="Estrangelo Edessa"/>
+        <a:font script="Orya" typeface="Kalinga"/>
+        <a:font script="Mlym" typeface="Kartika"/>
+        <a:font script="Laoo" typeface="DokChampa"/>
+        <a:font script="Sinh" typeface="Iskoola Pota"/>
+        <a:font script="Mong" typeface="Mongolian Baiti"/>
+        <a:font script="Viet" typeface="Times New Roman"/>
+        <a:font script="Uigh" typeface="Microsoft Uighur"/>
+        <a:font script="Geor" typeface="Sylfaen"/>
+      </a:majorFont>
+      <a:minorFont>
+        <a:latin typeface="Arial"/>
+        <a:ea typeface=""/>
+        <a:cs typeface=""/>
+        <a:font script="Jpan" typeface="ＭＳ Ｐゴシック"/>
+        <a:font script="Hang" typeface="맑은 고딕"/>
+        <a:font script="Hans" typeface="宋体"/>
+        <a:font script="Hant" typeface="新細明體"/>
+        <a:font script="Arab" typeface="Arial"/>
+        <a:font script="Hebr" typeface="Arial"/>
+        <a:font script="Thai" typeface="Cordia New"/>
+        <a:font script="Ethi" typeface="Nyala"/>
+        <a:font script="Beng" typeface="Vrinda"/>
+        <a:font script="Gujr" typeface="Shruti"/>
+        <a:font script="Khmr" typeface="DaunPenh"/>
+        <a:font script="Knda" typeface="Tunga"/>
+        <a:font script="Guru" typeface="Raavi"/>
+        <a:font script="Cans" typeface="Euphemia"/>
+        <a:font script="Cher" typeface="Plantagenet Cherokee"/>
+        <a:font script="Yiii" typeface="Microsoft Yi Baiti"/>
+        <a:font script="Tibt" typeface="Microsoft Himalaya"/>
+        <a:font script="Thaa" typeface="MV Boli"/>
+        <a:font script="Deva" typeface="Mangal"/>
+        <a:font script="Telu" typeface="Gautami"/>
+        <a:font script="Taml" typeface="Latha"/>
+        <a:font script="Syrc" typeface="Estrangelo Edessa"/>
+        <a:font script="Orya" typeface="Kalinga"/>
+        <a:font script="Mlym" typeface="Kartika"/>
+        <a:font script="Laoo" typeface="DokChampa"/>
+        <a:font script="Sinh" typeface="Iskoola Pota"/>
+        <a:font script="Mong" typeface="Mongolian Baiti"/>
+        <a:font script="Viet" typeface="Arial"/>
+        <a:font script="Uigh" typeface="Microsoft Uighur"/>
+        <a:font script="Geor" typeface="Sylfaen"/>
+      </a:minorFont>
+    </a:fontScheme>
+    <a:fmtScheme name="Office">
+      <a:fillStyleLst>
+        <a:solidFill>
+          <a:schemeClr val="phClr"/>
+        </a:solidFill>
+        <a:gradFill rotWithShape="1">
+          <a:gsLst>
+            <a:gs pos="0">
+              <a:schemeClr val="phClr">
+                <a:tint val="50000"/>
+                <a:satMod val="300000"/>
+              </a:schemeClr>
+            </a:gs>
+            <a:gs pos="35000">
+              <a:schemeClr val="phClr">
+                <a:tint val="37000"/>
+                <a:satMod val="300000"/>
+              </a:schemeClr>
+            </a:gs>
+            <a:gs pos="100000">
+              <a:schemeClr val="phClr">
+                <a:tint val="15000"/>
+                <a:satMod val="350000"/>
+              </a:schemeClr>
+            </a:gs>
+          </a:gsLst>
+          <a:lin ang="16200000" scaled="1"/>
+        </a:gradFill>
+        <a:gradFill rotWithShape="1">
+          <a:gsLst>
+            <a:gs pos="0">
+              <a:schemeClr val="phClr">
+                <a:tint val="100000"/>
+                <a:shade val="100000"/>
+                <a:satMod val="130000"/>
+              </a:schemeClr>
+            </a:gs>
+            <a:gs pos="100000">
+              <a:schemeClr val="phClr">
+                <a:tint val="50000"/>
+                <a:shade val="100000"/>
+                <a:satMod val="350000"/>
+              </a:schemeClr>
+            </a:gs>
+          </a:gsLst>
+          <a:lin ang="16200000" scaled="0"/>
+        </a:gradFill>
+      </a:fillStyleLst>
+      <a:lnStyleLst>
+        <a:ln w="9525" cap="flat" cmpd="sng" algn="ctr">
+          <a:solidFill>
+            <a:schemeClr val="phClr">
+              <a:shade val="95000"/>
+              <a:satMod val="105000"/>
+            </a:schemeClr>
+          </a:solidFill>
+          <a:prstDash val="solid"/>
+        </a:ln>
+        <a:ln w="25400" cap="flat" cmpd="sng" algn="ctr">
+          <a:solidFill>
+            <a:schemeClr val="phClr"/>
+          </a:solidFill>
+          <a:prstDash val="solid"/>
+        </a:ln>
+        <a:ln w="38100" cap="flat" cmpd="sng" algn="ctr">
+          <a:solidFill>
+            <a:schemeClr val="phClr"/>
+          </a:solidFill>
+          <a:prstDash val="solid"/>
+        </a:ln>
+      </a:lnStyleLst>
+      <a:effectStyleLst>
+        <a:effectStyle>
+          <a:effectLst>
+            <a:outerShdw blurRad="40000" dist="20000" dir="5400000" rotWithShape="0">
+              <a:srgbClr val="000000">
+                <a:alpha val="38000"/>
+              </a:srgbClr>
+            </a:outerShdw>
+          </a:effectLst>
+        </a:effectStyle>
+        <a:effectStyle>
+          <a:effectLst>
+            <a:outerShdw blurRad="40000" dist="23000" dir="5400000" rotWithShape="0">
+              <a:srgbClr val="000000">
+                <a:alpha val="35000"/>
+              </a:srgbClr>
+            </a:outerShdw>
+          </a:effectLst>
+        </a:effectStyle>
+        <a:effectStyle>
+          <a:effectLst>
+            <a:outerShdw blurRad="40000" dist="23000" dir="5400000" rotWithShape="0">
+              <a:srgbClr val="000000">
+                <a:alpha val="35000"/>
+              </a:srgbClr>
+            </a:outerShdw>
+          </a:effectLst>
+          <a:scene3d>
+            <a:camera prst="orthographicFront">
+              <a:rot lat="0" lon="0" rev="0"/>
+            </a:camera>
+            <a:lightRig rig="threePt" dir="t">
+              <a:rot lat="0" lon="0" rev="1200000"/>
+            </a:lightRig>
+          </a:scene3d>
+          <a:sp3d>
+            <a:bevelT w="63500" h="25400"/>
+          </a:sp3d>
+        </a:effectStyle>
+      </a:effectStyleLst>
+      <a:bgFillStyleLst>
+        <a:solidFill>
+          <a:schemeClr val="phClr"/>
+        </a:solidFill>
+        <a:gradFill rotWithShape="1">
+          <a:gsLst>
+            <a:gs pos="0">
+              <a:schemeClr val="phClr">
+                <a:tint val="40000"/>
+                <a:satMod val="350000"/>
+              </a:schemeClr>
+            </a:gs>
+            <a:gs pos="40000">
+              <a:schemeClr val="phClr">
+                <a:tint val="45000"/>
+                <a:shade val="99000"/>
+                <a:satMod val="350000"/>
+              </a:schemeClr>
+            </a:gs>
+            <a:gs pos="100000">
+              <a:schemeClr val="phClr">
+                <a:shade val="20000"/>
+                <a:satMod val="255000"/>
+              </a:schemeClr>
+            </a:gs>
+          </a:gsLst>
+          <a:path path="circle">
+            <a:fillToRect l="50000" t="-80000" r="50000" b="180000"/>
+          </a:path>
+        </a:gradFill>
+        <a:gradFill rotWithShape="1">
+          <a:gsLst>
+            <a:gs pos="0">
+              <a:schemeClr val="phClr">
+                <a:tint val="80000"/>
+                <a:satMod val="300000"/>
+              </a:schemeClr>
+            </a:gs>
+            <a:gs pos="100000">
+              <a:schemeClr val="phClr">
+                <a:shade val="30000"/>
+                <a:satMod val="200000"/>
+              </a:schemeClr>
+            </a:gs>
+          </a:gsLst>
+          <a:path path="circle">
+            <a:fillToRect l="50000" t="50000" r="50000" b="50000"/>
+          </a:path>
+        </a:gradFill>
+      </a:bgFillStyleLst>
+    </a:fmtScheme>
+  </a:themeElements>
+</a:theme>
+</file>
+
+<file path=ppt/theme/theme2.xml><?xml version="1.0" encoding="utf-8"?>
 <a:theme xmlns:a="http://schemas.openxmlformats.org/drawingml/2006/main" xmlns:r="http://schemas.openxmlformats.org/officeDocument/2006/relationships" name="Office Theme">
   <a:themeElements>
     <a:clrScheme name="Office">
@@ -28756,283 +29942,4 @@
     </a:fmtScheme>
   </a:themeElements>
 </a:theme>
-</file>
-
-<file path=ppt/theme/theme2.xml><?xml version="1.0" encoding="utf-8"?>
-<a:theme xmlns:a="http://schemas.openxmlformats.org/drawingml/2006/main" xmlns:r="http://schemas.openxmlformats.org/officeDocument/2006/relationships" name="Office Theme">
-  <a:themeElements>
-    <a:clrScheme name="Office">
-      <a:dk1>
-        <a:srgbClr val="000000"/>
-      </a:dk1>
-      <a:lt1>
-        <a:srgbClr val="FFFFFF"/>
-      </a:lt1>
-      <a:dk2>
-        <a:srgbClr val="1F497D"/>
-      </a:dk2>
-      <a:lt2>
-        <a:srgbClr val="EEECE1"/>
-      </a:lt2>
-      <a:accent1>
-        <a:srgbClr val="4F81BD"/>
-      </a:accent1>
-      <a:accent2>
-        <a:srgbClr val="C0504D"/>
-      </a:accent2>
-      <a:accent3>
-        <a:srgbClr val="9BBB59"/>
-      </a:accent3>
-      <a:accent4>
-        <a:srgbClr val="8064A2"/>
-      </a:accent4>
-      <a:accent5>
-        <a:srgbClr val="4BACC6"/>
-      </a:accent5>
-      <a:accent6>
-        <a:srgbClr val="F79646"/>
-      </a:accent6>
-      <a:hlink>
-        <a:srgbClr val="0000FF"/>
-      </a:hlink>
-      <a:folHlink>
-        <a:srgbClr val="800080"/>
-      </a:folHlink>
-    </a:clrScheme>
-    <a:fontScheme name="Office">
-      <a:majorFont>
-        <a:latin typeface="Arial"/>
-        <a:ea typeface=""/>
-        <a:cs typeface=""/>
-        <a:font script="Jpan" typeface="ＭＳ Ｐゴシック"/>
-        <a:font script="Hang" typeface="맑은 고딕"/>
-        <a:font script="Hans" typeface="宋体"/>
-        <a:font script="Hant" typeface="新細明體"/>
-        <a:font script="Arab" typeface="Times New Roman"/>
-        <a:font script="Hebr" typeface="Times New Roman"/>
-        <a:font script="Thai" typeface="Angsana New"/>
-        <a:font script="Ethi" typeface="Nyala"/>
-        <a:font script="Beng" typeface="Vrinda"/>
-        <a:font script="Gujr" typeface="Shruti"/>
-        <a:font script="Khmr" typeface="MoolBoran"/>
-        <a:font script="Knda" typeface="Tunga"/>
-        <a:font script="Guru" typeface="Raavi"/>
-        <a:font script="Cans" typeface="Euphemia"/>
-        <a:font script="Cher" typeface="Plantagenet Cherokee"/>
-        <a:font script="Yiii" typeface="Microsoft Yi Baiti"/>
-        <a:font script="Tibt" typeface="Microsoft Himalaya"/>
-        <a:font script="Thaa" typeface="MV Boli"/>
-        <a:font script="Deva" typeface="Mangal"/>
-        <a:font script="Telu" typeface="Gautami"/>
-        <a:font script="Taml" typeface="Latha"/>
-        <a:font script="Syrc" typeface="Estrangelo Edessa"/>
-        <a:font script="Orya" typeface="Kalinga"/>
-        <a:font script="Mlym" typeface="Kartika"/>
-        <a:font script="Laoo" typeface="DokChampa"/>
-        <a:font script="Sinh" typeface="Iskoola Pota"/>
-        <a:font script="Mong" typeface="Mongolian Baiti"/>
-        <a:font script="Viet" typeface="Times New Roman"/>
-        <a:font script="Uigh" typeface="Microsoft Uighur"/>
-        <a:font script="Geor" typeface="Sylfaen"/>
-      </a:majorFont>
-      <a:minorFont>
-        <a:latin typeface="Arial"/>
-        <a:ea typeface=""/>
-        <a:cs typeface=""/>
-        <a:font script="Jpan" typeface="ＭＳ Ｐゴシック"/>
-        <a:font script="Hang" typeface="맑은 고딕"/>
-        <a:font script="Hans" typeface="宋体"/>
-        <a:font script="Hant" typeface="新細明體"/>
-        <a:font script="Arab" typeface="Arial"/>
-        <a:font script="Hebr" typeface="Arial"/>
-        <a:font script="Thai" typeface="Cordia New"/>
-        <a:font script="Ethi" typeface="Nyala"/>
-        <a:font script="Beng" typeface="Vrinda"/>
-        <a:font script="Gujr" typeface="Shruti"/>
-        <a:font script="Khmr" typeface="DaunPenh"/>
-        <a:font script="Knda" typeface="Tunga"/>
-        <a:font script="Guru" typeface="Raavi"/>
-        <a:font script="Cans" typeface="Euphemia"/>
-        <a:font script="Cher" typeface="Plantagenet Cherokee"/>
-        <a:font script="Yiii" typeface="Microsoft Yi Baiti"/>
-        <a:font script="Tibt" typeface="Microsoft Himalaya"/>
-        <a:font script="Thaa" typeface="MV Boli"/>
-        <a:font script="Deva" typeface="Mangal"/>
-        <a:font script="Telu" typeface="Gautami"/>
-        <a:font script="Taml" typeface="Latha"/>
-        <a:font script="Syrc" typeface="Estrangelo Edessa"/>
-        <a:font script="Orya" typeface="Kalinga"/>
-        <a:font script="Mlym" typeface="Kartika"/>
-        <a:font script="Laoo" typeface="DokChampa"/>
-        <a:font script="Sinh" typeface="Iskoola Pota"/>
-        <a:font script="Mong" typeface="Mongolian Baiti"/>
-        <a:font script="Viet" typeface="Arial"/>
-        <a:font script="Uigh" typeface="Microsoft Uighur"/>
-        <a:font script="Geor" typeface="Sylfaen"/>
-      </a:minorFont>
-    </a:fontScheme>
-    <a:fmtScheme name="Office">
-      <a:fillStyleLst>
-        <a:solidFill>
-          <a:schemeClr val="phClr"/>
-        </a:solidFill>
-        <a:gradFill rotWithShape="1">
-          <a:gsLst>
-            <a:gs pos="0">
-              <a:schemeClr val="phClr">
-                <a:tint val="50000"/>
-                <a:satMod val="300000"/>
-              </a:schemeClr>
-            </a:gs>
-            <a:gs pos="35000">
-              <a:schemeClr val="phClr">
-                <a:tint val="37000"/>
-                <a:satMod val="300000"/>
-              </a:schemeClr>
-            </a:gs>
-            <a:gs pos="100000">
-              <a:schemeClr val="phClr">
-                <a:tint val="15000"/>
-                <a:satMod val="350000"/>
-              </a:schemeClr>
-            </a:gs>
-          </a:gsLst>
-          <a:lin ang="16200000" scaled="1"/>
-        </a:gradFill>
-        <a:gradFill rotWithShape="1">
-          <a:gsLst>
-            <a:gs pos="0">
-              <a:schemeClr val="phClr">
-                <a:tint val="100000"/>
-                <a:shade val="100000"/>
-                <a:satMod val="130000"/>
-              </a:schemeClr>
-            </a:gs>
-            <a:gs pos="100000">
-              <a:schemeClr val="phClr">
-                <a:tint val="50000"/>
-                <a:shade val="100000"/>
-                <a:satMod val="350000"/>
-              </a:schemeClr>
-            </a:gs>
-          </a:gsLst>
-          <a:lin ang="16200000" scaled="0"/>
-        </a:gradFill>
-      </a:fillStyleLst>
-      <a:lnStyleLst>
-        <a:ln w="9525" cap="flat" cmpd="sng" algn="ctr">
-          <a:solidFill>
-            <a:schemeClr val="phClr">
-              <a:shade val="95000"/>
-              <a:satMod val="105000"/>
-            </a:schemeClr>
-          </a:solidFill>
-          <a:prstDash val="solid"/>
-        </a:ln>
-        <a:ln w="25400" cap="flat" cmpd="sng" algn="ctr">
-          <a:solidFill>
-            <a:schemeClr val="phClr"/>
-          </a:solidFill>
-          <a:prstDash val="solid"/>
-        </a:ln>
-        <a:ln w="38100" cap="flat" cmpd="sng" algn="ctr">
-          <a:solidFill>
-            <a:schemeClr val="phClr"/>
-          </a:solidFill>
-          <a:prstDash val="solid"/>
-        </a:ln>
-      </a:lnStyleLst>
-      <a:effectStyleLst>
-        <a:effectStyle>
-          <a:effectLst>
-            <a:outerShdw blurRad="40000" dist="20000" dir="5400000" rotWithShape="0">
-              <a:srgbClr val="000000">
-                <a:alpha val="38000"/>
-              </a:srgbClr>
-            </a:outerShdw>
-          </a:effectLst>
-        </a:effectStyle>
-        <a:effectStyle>
-          <a:effectLst>
-            <a:outerShdw blurRad="40000" dist="23000" dir="5400000" rotWithShape="0">
-              <a:srgbClr val="000000">
-                <a:alpha val="35000"/>
-              </a:srgbClr>
-            </a:outerShdw>
-          </a:effectLst>
-        </a:effectStyle>
-        <a:effectStyle>
-          <a:effectLst>
-            <a:outerShdw blurRad="40000" dist="23000" dir="5400000" rotWithShape="0">
-              <a:srgbClr val="000000">
-                <a:alpha val="35000"/>
-              </a:srgbClr>
-            </a:outerShdw>
-          </a:effectLst>
-          <a:scene3d>
-            <a:camera prst="orthographicFront">
-              <a:rot lat="0" lon="0" rev="0"/>
-            </a:camera>
-            <a:lightRig rig="threePt" dir="t">
-              <a:rot lat="0" lon="0" rev="1200000"/>
-            </a:lightRig>
-          </a:scene3d>
-          <a:sp3d>
-            <a:bevelT w="63500" h="25400"/>
-          </a:sp3d>
-        </a:effectStyle>
-      </a:effectStyleLst>
-      <a:bgFillStyleLst>
-        <a:solidFill>
-          <a:schemeClr val="phClr"/>
-        </a:solidFill>
-        <a:gradFill rotWithShape="1">
-          <a:gsLst>
-            <a:gs pos="0">
-              <a:schemeClr val="phClr">
-                <a:tint val="40000"/>
-                <a:satMod val="350000"/>
-              </a:schemeClr>
-            </a:gs>
-            <a:gs pos="40000">
-              <a:schemeClr val="phClr">
-                <a:tint val="45000"/>
-                <a:shade val="99000"/>
-                <a:satMod val="350000"/>
-              </a:schemeClr>
-            </a:gs>
-            <a:gs pos="100000">
-              <a:schemeClr val="phClr">
-                <a:shade val="20000"/>
-                <a:satMod val="255000"/>
-              </a:schemeClr>
-            </a:gs>
-          </a:gsLst>
-          <a:path path="circle">
-            <a:fillToRect l="50000" t="-80000" r="50000" b="180000"/>
-          </a:path>
-        </a:gradFill>
-        <a:gradFill rotWithShape="1">
-          <a:gsLst>
-            <a:gs pos="0">
-              <a:schemeClr val="phClr">
-                <a:tint val="80000"/>
-                <a:satMod val="300000"/>
-              </a:schemeClr>
-            </a:gs>
-            <a:gs pos="100000">
-              <a:schemeClr val="phClr">
-                <a:shade val="30000"/>
-                <a:satMod val="200000"/>
-              </a:schemeClr>
-            </a:gs>
-          </a:gsLst>
-          <a:path path="circle">
-            <a:fillToRect l="50000" t="50000" r="50000" b="50000"/>
-          </a:path>
-        </a:gradFill>
-      </a:bgFillStyleLst>
-    </a:fmtScheme>
-  </a:themeElements>
-</a:theme>
 </file>